--- a/v1.pptx
+++ b/v1.pptx
@@ -8,6 +8,10 @@
     <p:sldId id="257" r:id="rId2"/>
     <p:sldId id="258" r:id="rId3"/>
     <p:sldId id="259" r:id="rId4"/>
+    <p:sldId id="263" r:id="rId5"/>
+    <p:sldId id="264" r:id="rId6"/>
+    <p:sldId id="267" r:id="rId7"/>
+    <p:sldId id="268" r:id="rId8"/>
   </p:sldIdLst>
   <p:sldSz cx="12192000" cy="6858000"/>
   <p:notesSz cx="6858000" cy="9144000"/>
@@ -106,7 +110,21 @@
       </a:defRPr>
     </a:lvl9pPr>
   </p:defaultTextStyle>
+  <p:extLst>
+    <p:ext uri="{EFAFB233-063F-42B5-8137-9DF3F51BA10A}">
+      <p15:sldGuideLst xmlns:p15="http://schemas.microsoft.com/office/powerpoint/2012/main"/>
+    </p:ext>
+  </p:extLst>
 </p:presentation>
+</file>
+
+<file path=ppt/revisionInfo.xml><?xml version="1.0" encoding="utf-8"?>
+<p1510:revInfo xmlns:a="http://schemas.openxmlformats.org/drawingml/2006/main" xmlns:r="http://schemas.openxmlformats.org/officeDocument/2006/relationships" xmlns:p1510="http://schemas.microsoft.com/office/powerpoint/2015/10/main">
+  <p1510:revLst>
+    <p1510:client id="{0D378F86-EC25-47F2-826F-4110F49F4B4A}" v="2" dt="2023-09-15T16:04:43.526"/>
+    <p1510:client id="{16E15205-493F-4468-B55A-3833BF20885F}" v="357" dt="2023-09-15T17:28:40.357"/>
+  </p1510:revLst>
+</p1510:revInfo>
 </file>
 
 <file path=ppt/slideLayouts/slideLayout1.xml><?xml version="1.0" encoding="utf-8"?>
@@ -3323,53 +3341,6 @@
           <a:chExt cx="0" cy="0"/>
         </a:xfrm>
       </p:grpSpPr>
-      <p:pic>
-        <p:nvPicPr>
-          <p:cNvPr id="1026" name="Picture 2" descr="женщина пожимает руку PNG изображения с прозрачным фоном | Скачать  бесплатно на Lovepik.com">
-            <a:extLst>
-              <a:ext uri="{FF2B5EF4-FFF2-40B4-BE49-F238E27FC236}">
-                <a16:creationId xmlns:a16="http://schemas.microsoft.com/office/drawing/2014/main" id="{103B3560-ED8D-4825-9396-4B1B47749FB4}"/>
-              </a:ext>
-            </a:extLst>
-          </p:cNvPr>
-          <p:cNvPicPr>
-            <a:picLocks noChangeAspect="1" noChangeArrowheads="1"/>
-          </p:cNvPicPr>
-          <p:nvPr/>
-        </p:nvPicPr>
-        <p:blipFill>
-          <a:blip r:embed="rId2">
-            <a:extLst>
-              <a:ext uri="{28A0092B-C50C-407E-A947-70E740481C1C}">
-                <a14:useLocalDpi xmlns:a14="http://schemas.microsoft.com/office/drawing/2010/main" val="0"/>
-              </a:ext>
-            </a:extLst>
-          </a:blip>
-          <a:srcRect/>
-          <a:stretch>
-            <a:fillRect/>
-          </a:stretch>
-        </p:blipFill>
-        <p:spPr bwMode="auto">
-          <a:xfrm>
-            <a:off x="832762" y="-6430"/>
-            <a:ext cx="10253663" cy="6858000"/>
-          </a:xfrm>
-          <a:prstGeom prst="rect">
-            <a:avLst/>
-          </a:prstGeom>
-          <a:noFill/>
-          <a:extLst>
-            <a:ext uri="{909E8E84-426E-40DD-AFC4-6F175D3DCCD1}">
-              <a14:hiddenFill xmlns:a14="http://schemas.microsoft.com/office/drawing/2010/main">
-                <a:solidFill>
-                  <a:srgbClr val="FFFFFF"/>
-                </a:solidFill>
-              </a14:hiddenFill>
-            </a:ext>
-          </a:extLst>
-        </p:spPr>
-      </p:pic>
       <p:sp>
         <p:nvSpPr>
           <p:cNvPr id="2" name="Заголовок 1">
@@ -3415,11 +3386,11 @@
           <p:nvPr/>
         </p:nvPicPr>
         <p:blipFill>
-          <a:blip r:embed="rId3">
-            <a:extLst>
-              <a:ext uri="{BEBA8EAE-BF5A-486C-A8C5-ECC9F3942E4B}">
-                <a14:imgProps xmlns:a14="http://schemas.microsoft.com/office/drawing/2010/main">
-                  <a14:imgLayer r:embed="rId4">
+          <a:blip r:embed="rId2">
+            <a:extLst>
+              <a:ext uri="{BEBA8EAE-BF5A-486C-A8C5-ECC9F3942E4B}">
+                <a14:imgProps xmlns:a14="http://schemas.microsoft.com/office/drawing/2010/main">
+                  <a14:imgLayer r:embed="rId3">
                     <a14:imgEffect>
                       <a14:backgroundRemoval t="10000" b="90000" l="10000" r="90000"/>
                     </a14:imgEffect>
@@ -3457,11 +3428,11 @@
           <p:nvPr/>
         </p:nvPicPr>
         <p:blipFill>
-          <a:blip r:embed="rId3">
-            <a:extLst>
-              <a:ext uri="{BEBA8EAE-BF5A-486C-A8C5-ECC9F3942E4B}">
-                <a14:imgProps xmlns:a14="http://schemas.microsoft.com/office/drawing/2010/main">
-                  <a14:imgLayer r:embed="rId4">
+          <a:blip r:embed="rId2">
+            <a:extLst>
+              <a:ext uri="{BEBA8EAE-BF5A-486C-A8C5-ECC9F3942E4B}">
+                <a14:imgProps xmlns:a14="http://schemas.microsoft.com/office/drawing/2010/main">
+                  <a14:imgLayer r:embed="rId3">
                     <a14:imgEffect>
                       <a14:backgroundRemoval t="10000" b="90000" l="10000" r="90000"/>
                     </a14:imgEffect>
@@ -3499,11 +3470,11 @@
           <p:nvPr/>
         </p:nvPicPr>
         <p:blipFill>
-          <a:blip r:embed="rId3">
-            <a:extLst>
-              <a:ext uri="{BEBA8EAE-BF5A-486C-A8C5-ECC9F3942E4B}">
-                <a14:imgProps xmlns:a14="http://schemas.microsoft.com/office/drawing/2010/main">
-                  <a14:imgLayer r:embed="rId4">
+          <a:blip r:embed="rId2">
+            <a:extLst>
+              <a:ext uri="{BEBA8EAE-BF5A-486C-A8C5-ECC9F3942E4B}">
+                <a14:imgProps xmlns:a14="http://schemas.microsoft.com/office/drawing/2010/main">
+                  <a14:imgLayer r:embed="rId3">
                     <a14:imgEffect>
                       <a14:backgroundRemoval t="10000" b="90000" l="10000" r="90000"/>
                     </a14:imgEffect>
@@ -3541,11 +3512,11 @@
           <p:nvPr/>
         </p:nvPicPr>
         <p:blipFill>
-          <a:blip r:embed="rId3">
-            <a:extLst>
-              <a:ext uri="{BEBA8EAE-BF5A-486C-A8C5-ECC9F3942E4B}">
-                <a14:imgProps xmlns:a14="http://schemas.microsoft.com/office/drawing/2010/main">
-                  <a14:imgLayer r:embed="rId4">
+          <a:blip r:embed="rId2">
+            <a:extLst>
+              <a:ext uri="{BEBA8EAE-BF5A-486C-A8C5-ECC9F3942E4B}">
+                <a14:imgProps xmlns:a14="http://schemas.microsoft.com/office/drawing/2010/main">
+                  <a14:imgLayer r:embed="rId3">
                     <a14:imgEffect>
                       <a14:backgroundRemoval t="10000" b="90000" l="10000" r="90000"/>
                     </a14:imgEffect>
@@ -3583,11 +3554,11 @@
           <p:nvPr/>
         </p:nvPicPr>
         <p:blipFill>
-          <a:blip r:embed="rId3">
-            <a:extLst>
-              <a:ext uri="{BEBA8EAE-BF5A-486C-A8C5-ECC9F3942E4B}">
-                <a14:imgProps xmlns:a14="http://schemas.microsoft.com/office/drawing/2010/main">
-                  <a14:imgLayer r:embed="rId4">
+          <a:blip r:embed="rId2">
+            <a:extLst>
+              <a:ext uri="{BEBA8EAE-BF5A-486C-A8C5-ECC9F3942E4B}">
+                <a14:imgProps xmlns:a14="http://schemas.microsoft.com/office/drawing/2010/main">
+                  <a14:imgLayer r:embed="rId3">
                     <a14:imgEffect>
                       <a14:backgroundRemoval t="10000" b="90000" l="10000" r="90000"/>
                     </a14:imgEffect>
@@ -3625,11 +3596,11 @@
           <p:nvPr/>
         </p:nvPicPr>
         <p:blipFill>
-          <a:blip r:embed="rId3">
-            <a:extLst>
-              <a:ext uri="{BEBA8EAE-BF5A-486C-A8C5-ECC9F3942E4B}">
-                <a14:imgProps xmlns:a14="http://schemas.microsoft.com/office/drawing/2010/main">
-                  <a14:imgLayer r:embed="rId4">
+          <a:blip r:embed="rId2">
+            <a:extLst>
+              <a:ext uri="{BEBA8EAE-BF5A-486C-A8C5-ECC9F3942E4B}">
+                <a14:imgProps xmlns:a14="http://schemas.microsoft.com/office/drawing/2010/main">
+                  <a14:imgLayer r:embed="rId3">
                     <a14:imgEffect>
                       <a14:backgroundRemoval t="10000" b="90000" l="10000" r="90000"/>
                     </a14:imgEffect>
@@ -3667,11 +3638,11 @@
           <p:nvPr/>
         </p:nvPicPr>
         <p:blipFill>
-          <a:blip r:embed="rId3">
-            <a:extLst>
-              <a:ext uri="{BEBA8EAE-BF5A-486C-A8C5-ECC9F3942E4B}">
-                <a14:imgProps xmlns:a14="http://schemas.microsoft.com/office/drawing/2010/main">
-                  <a14:imgLayer r:embed="rId4">
+          <a:blip r:embed="rId2">
+            <a:extLst>
+              <a:ext uri="{BEBA8EAE-BF5A-486C-A8C5-ECC9F3942E4B}">
+                <a14:imgProps xmlns:a14="http://schemas.microsoft.com/office/drawing/2010/main">
+                  <a14:imgLayer r:embed="rId3">
                     <a14:imgEffect>
                       <a14:backgroundRemoval t="10000" b="90000" l="10000" r="90000"/>
                     </a14:imgEffect>
@@ -3709,11 +3680,11 @@
           <p:nvPr/>
         </p:nvPicPr>
         <p:blipFill>
-          <a:blip r:embed="rId3">
-            <a:extLst>
-              <a:ext uri="{BEBA8EAE-BF5A-486C-A8C5-ECC9F3942E4B}">
-                <a14:imgProps xmlns:a14="http://schemas.microsoft.com/office/drawing/2010/main">
-                  <a14:imgLayer r:embed="rId4">
+          <a:blip r:embed="rId2">
+            <a:extLst>
+              <a:ext uri="{BEBA8EAE-BF5A-486C-A8C5-ECC9F3942E4B}">
+                <a14:imgProps xmlns:a14="http://schemas.microsoft.com/office/drawing/2010/main">
+                  <a14:imgLayer r:embed="rId3">
                     <a14:imgEffect>
                       <a14:backgroundRemoval t="10000" b="90000" l="10000" r="90000"/>
                     </a14:imgEffect>
@@ -3751,11 +3722,11 @@
           <p:nvPr/>
         </p:nvPicPr>
         <p:blipFill>
-          <a:blip r:embed="rId3">
-            <a:extLst>
-              <a:ext uri="{BEBA8EAE-BF5A-486C-A8C5-ECC9F3942E4B}">
-                <a14:imgProps xmlns:a14="http://schemas.microsoft.com/office/drawing/2010/main">
-                  <a14:imgLayer r:embed="rId4">
+          <a:blip r:embed="rId2">
+            <a:extLst>
+              <a:ext uri="{BEBA8EAE-BF5A-486C-A8C5-ECC9F3942E4B}">
+                <a14:imgProps xmlns:a14="http://schemas.microsoft.com/office/drawing/2010/main">
+                  <a14:imgLayer r:embed="rId3">
                     <a14:imgEffect>
                       <a14:backgroundRemoval t="10000" b="90000" l="10000" r="90000"/>
                     </a14:imgEffect>
@@ -3793,11 +3764,11 @@
           <p:nvPr/>
         </p:nvPicPr>
         <p:blipFill>
-          <a:blip r:embed="rId3">
-            <a:extLst>
-              <a:ext uri="{BEBA8EAE-BF5A-486C-A8C5-ECC9F3942E4B}">
-                <a14:imgProps xmlns:a14="http://schemas.microsoft.com/office/drawing/2010/main">
-                  <a14:imgLayer r:embed="rId4">
+          <a:blip r:embed="rId2">
+            <a:extLst>
+              <a:ext uri="{BEBA8EAE-BF5A-486C-A8C5-ECC9F3942E4B}">
+                <a14:imgProps xmlns:a14="http://schemas.microsoft.com/office/drawing/2010/main">
+                  <a14:imgLayer r:embed="rId3">
                     <a14:imgEffect>
                       <a14:backgroundRemoval t="10000" b="90000" l="10000" r="90000"/>
                     </a14:imgEffect>
@@ -3835,11 +3806,11 @@
           <p:nvPr/>
         </p:nvPicPr>
         <p:blipFill>
-          <a:blip r:embed="rId3">
-            <a:extLst>
-              <a:ext uri="{BEBA8EAE-BF5A-486C-A8C5-ECC9F3942E4B}">
-                <a14:imgProps xmlns:a14="http://schemas.microsoft.com/office/drawing/2010/main">
-                  <a14:imgLayer r:embed="rId4">
+          <a:blip r:embed="rId2">
+            <a:extLst>
+              <a:ext uri="{BEBA8EAE-BF5A-486C-A8C5-ECC9F3942E4B}">
+                <a14:imgProps xmlns:a14="http://schemas.microsoft.com/office/drawing/2010/main">
+                  <a14:imgLayer r:embed="rId3">
                     <a14:imgEffect>
                       <a14:backgroundRemoval t="10000" b="90000" l="10000" r="90000"/>
                     </a14:imgEffect>
@@ -3877,11 +3848,11 @@
           <p:nvPr/>
         </p:nvPicPr>
         <p:blipFill>
-          <a:blip r:embed="rId3">
-            <a:extLst>
-              <a:ext uri="{BEBA8EAE-BF5A-486C-A8C5-ECC9F3942E4B}">
-                <a14:imgProps xmlns:a14="http://schemas.microsoft.com/office/drawing/2010/main">
-                  <a14:imgLayer r:embed="rId4">
+          <a:blip r:embed="rId2">
+            <a:extLst>
+              <a:ext uri="{BEBA8EAE-BF5A-486C-A8C5-ECC9F3942E4B}">
+                <a14:imgProps xmlns:a14="http://schemas.microsoft.com/office/drawing/2010/main">
+                  <a14:imgLayer r:embed="rId3">
                     <a14:imgEffect>
                       <a14:backgroundRemoval t="10000" b="90000" l="10000" r="90000"/>
                     </a14:imgEffect>
@@ -3919,11 +3890,11 @@
           <p:nvPr/>
         </p:nvPicPr>
         <p:blipFill>
-          <a:blip r:embed="rId3">
-            <a:extLst>
-              <a:ext uri="{BEBA8EAE-BF5A-486C-A8C5-ECC9F3942E4B}">
-                <a14:imgProps xmlns:a14="http://schemas.microsoft.com/office/drawing/2010/main">
-                  <a14:imgLayer r:embed="rId4">
+          <a:blip r:embed="rId2">
+            <a:extLst>
+              <a:ext uri="{BEBA8EAE-BF5A-486C-A8C5-ECC9F3942E4B}">
+                <a14:imgProps xmlns:a14="http://schemas.microsoft.com/office/drawing/2010/main">
+                  <a14:imgLayer r:embed="rId3">
                     <a14:imgEffect>
                       <a14:backgroundRemoval t="10000" b="90000" l="10000" r="90000"/>
                     </a14:imgEffect>
@@ -3961,11 +3932,11 @@
           <p:nvPr/>
         </p:nvPicPr>
         <p:blipFill>
-          <a:blip r:embed="rId3">
-            <a:extLst>
-              <a:ext uri="{BEBA8EAE-BF5A-486C-A8C5-ECC9F3942E4B}">
-                <a14:imgProps xmlns:a14="http://schemas.microsoft.com/office/drawing/2010/main">
-                  <a14:imgLayer r:embed="rId4">
+          <a:blip r:embed="rId2">
+            <a:extLst>
+              <a:ext uri="{BEBA8EAE-BF5A-486C-A8C5-ECC9F3942E4B}">
+                <a14:imgProps xmlns:a14="http://schemas.microsoft.com/office/drawing/2010/main">
+                  <a14:imgLayer r:embed="rId3">
                     <a14:imgEffect>
                       <a14:backgroundRemoval t="10000" b="90000" l="10000" r="90000"/>
                     </a14:imgEffect>
@@ -4003,11 +3974,11 @@
           <p:nvPr/>
         </p:nvPicPr>
         <p:blipFill>
-          <a:blip r:embed="rId3">
-            <a:extLst>
-              <a:ext uri="{BEBA8EAE-BF5A-486C-A8C5-ECC9F3942E4B}">
-                <a14:imgProps xmlns:a14="http://schemas.microsoft.com/office/drawing/2010/main">
-                  <a14:imgLayer r:embed="rId4">
+          <a:blip r:embed="rId2">
+            <a:extLst>
+              <a:ext uri="{BEBA8EAE-BF5A-486C-A8C5-ECC9F3942E4B}">
+                <a14:imgProps xmlns:a14="http://schemas.microsoft.com/office/drawing/2010/main">
+                  <a14:imgLayer r:embed="rId3">
                     <a14:imgEffect>
                       <a14:backgroundRemoval t="10000" b="90000" l="10000" r="90000"/>
                     </a14:imgEffect>
@@ -4045,11 +4016,11 @@
           <p:nvPr/>
         </p:nvPicPr>
         <p:blipFill>
-          <a:blip r:embed="rId3">
-            <a:extLst>
-              <a:ext uri="{BEBA8EAE-BF5A-486C-A8C5-ECC9F3942E4B}">
-                <a14:imgProps xmlns:a14="http://schemas.microsoft.com/office/drawing/2010/main">
-                  <a14:imgLayer r:embed="rId4">
+          <a:blip r:embed="rId2">
+            <a:extLst>
+              <a:ext uri="{BEBA8EAE-BF5A-486C-A8C5-ECC9F3942E4B}">
+                <a14:imgProps xmlns:a14="http://schemas.microsoft.com/office/drawing/2010/main">
+                  <a14:imgLayer r:embed="rId3">
                     <a14:imgEffect>
                       <a14:backgroundRemoval t="10000" b="90000" l="10000" r="90000"/>
                     </a14:imgEffect>
@@ -4087,11 +4058,11 @@
           <p:nvPr/>
         </p:nvPicPr>
         <p:blipFill>
-          <a:blip r:embed="rId3">
-            <a:extLst>
-              <a:ext uri="{BEBA8EAE-BF5A-486C-A8C5-ECC9F3942E4B}">
-                <a14:imgProps xmlns:a14="http://schemas.microsoft.com/office/drawing/2010/main">
-                  <a14:imgLayer r:embed="rId4">
+          <a:blip r:embed="rId2">
+            <a:extLst>
+              <a:ext uri="{BEBA8EAE-BF5A-486C-A8C5-ECC9F3942E4B}">
+                <a14:imgProps xmlns:a14="http://schemas.microsoft.com/office/drawing/2010/main">
+                  <a14:imgLayer r:embed="rId3">
                     <a14:imgEffect>
                       <a14:backgroundRemoval t="10000" b="90000" l="10000" r="90000"/>
                     </a14:imgEffect>
@@ -4129,11 +4100,11 @@
           <p:nvPr/>
         </p:nvPicPr>
         <p:blipFill>
-          <a:blip r:embed="rId3">
-            <a:extLst>
-              <a:ext uri="{BEBA8EAE-BF5A-486C-A8C5-ECC9F3942E4B}">
-                <a14:imgProps xmlns:a14="http://schemas.microsoft.com/office/drawing/2010/main">
-                  <a14:imgLayer r:embed="rId4">
+          <a:blip r:embed="rId2">
+            <a:extLst>
+              <a:ext uri="{BEBA8EAE-BF5A-486C-A8C5-ECC9F3942E4B}">
+                <a14:imgProps xmlns:a14="http://schemas.microsoft.com/office/drawing/2010/main">
+                  <a14:imgLayer r:embed="rId3">
                     <a14:imgEffect>
                       <a14:backgroundRemoval t="10000" b="90000" l="10000" r="90000"/>
                     </a14:imgEffect>
@@ -4171,11 +4142,11 @@
           <p:nvPr/>
         </p:nvPicPr>
         <p:blipFill>
-          <a:blip r:embed="rId3">
-            <a:extLst>
-              <a:ext uri="{BEBA8EAE-BF5A-486C-A8C5-ECC9F3942E4B}">
-                <a14:imgProps xmlns:a14="http://schemas.microsoft.com/office/drawing/2010/main">
-                  <a14:imgLayer r:embed="rId4">
+          <a:blip r:embed="rId2">
+            <a:extLst>
+              <a:ext uri="{BEBA8EAE-BF5A-486C-A8C5-ECC9F3942E4B}">
+                <a14:imgProps xmlns:a14="http://schemas.microsoft.com/office/drawing/2010/main">
+                  <a14:imgLayer r:embed="rId3">
                     <a14:imgEffect>
                       <a14:backgroundRemoval t="10000" b="90000" l="10000" r="90000"/>
                     </a14:imgEffect>
@@ -4213,11 +4184,11 @@
           <p:nvPr/>
         </p:nvPicPr>
         <p:blipFill>
-          <a:blip r:embed="rId3">
-            <a:extLst>
-              <a:ext uri="{BEBA8EAE-BF5A-486C-A8C5-ECC9F3942E4B}">
-                <a14:imgProps xmlns:a14="http://schemas.microsoft.com/office/drawing/2010/main">
-                  <a14:imgLayer r:embed="rId4">
+          <a:blip r:embed="rId2">
+            <a:extLst>
+              <a:ext uri="{BEBA8EAE-BF5A-486C-A8C5-ECC9F3942E4B}">
+                <a14:imgProps xmlns:a14="http://schemas.microsoft.com/office/drawing/2010/main">
+                  <a14:imgLayer r:embed="rId3">
                     <a14:imgEffect>
                       <a14:backgroundRemoval t="10000" b="90000" l="10000" r="90000"/>
                     </a14:imgEffect>
@@ -4255,11 +4226,11 @@
           <p:nvPr/>
         </p:nvPicPr>
         <p:blipFill>
-          <a:blip r:embed="rId3">
-            <a:extLst>
-              <a:ext uri="{BEBA8EAE-BF5A-486C-A8C5-ECC9F3942E4B}">
-                <a14:imgProps xmlns:a14="http://schemas.microsoft.com/office/drawing/2010/main">
-                  <a14:imgLayer r:embed="rId4">
+          <a:blip r:embed="rId2">
+            <a:extLst>
+              <a:ext uri="{BEBA8EAE-BF5A-486C-A8C5-ECC9F3942E4B}">
+                <a14:imgProps xmlns:a14="http://schemas.microsoft.com/office/drawing/2010/main">
+                  <a14:imgLayer r:embed="rId3">
                     <a14:imgEffect>
                       <a14:backgroundRemoval t="10000" b="90000" l="10000" r="90000"/>
                     </a14:imgEffect>
@@ -4297,11 +4268,11 @@
           <p:nvPr/>
         </p:nvPicPr>
         <p:blipFill>
-          <a:blip r:embed="rId3">
-            <a:extLst>
-              <a:ext uri="{BEBA8EAE-BF5A-486C-A8C5-ECC9F3942E4B}">
-                <a14:imgProps xmlns:a14="http://schemas.microsoft.com/office/drawing/2010/main">
-                  <a14:imgLayer r:embed="rId4">
+          <a:blip r:embed="rId2">
+            <a:extLst>
+              <a:ext uri="{BEBA8EAE-BF5A-486C-A8C5-ECC9F3942E4B}">
+                <a14:imgProps xmlns:a14="http://schemas.microsoft.com/office/drawing/2010/main">
+                  <a14:imgLayer r:embed="rId3">
                     <a14:imgEffect>
                       <a14:backgroundRemoval t="10000" b="90000" l="10000" r="90000"/>
                     </a14:imgEffect>
@@ -4339,11 +4310,11 @@
           <p:nvPr/>
         </p:nvPicPr>
         <p:blipFill>
-          <a:blip r:embed="rId3">
-            <a:extLst>
-              <a:ext uri="{BEBA8EAE-BF5A-486C-A8C5-ECC9F3942E4B}">
-                <a14:imgProps xmlns:a14="http://schemas.microsoft.com/office/drawing/2010/main">
-                  <a14:imgLayer r:embed="rId4">
+          <a:blip r:embed="rId2">
+            <a:extLst>
+              <a:ext uri="{BEBA8EAE-BF5A-486C-A8C5-ECC9F3942E4B}">
+                <a14:imgProps xmlns:a14="http://schemas.microsoft.com/office/drawing/2010/main">
+                  <a14:imgLayer r:embed="rId3">
                     <a14:imgEffect>
                       <a14:backgroundRemoval t="10000" b="90000" l="10000" r="90000"/>
                     </a14:imgEffect>
@@ -4381,11 +4352,11 @@
           <p:nvPr/>
         </p:nvPicPr>
         <p:blipFill>
-          <a:blip r:embed="rId3">
-            <a:extLst>
-              <a:ext uri="{BEBA8EAE-BF5A-486C-A8C5-ECC9F3942E4B}">
-                <a14:imgProps xmlns:a14="http://schemas.microsoft.com/office/drawing/2010/main">
-                  <a14:imgLayer r:embed="rId4">
+          <a:blip r:embed="rId2">
+            <a:extLst>
+              <a:ext uri="{BEBA8EAE-BF5A-486C-A8C5-ECC9F3942E4B}">
+                <a14:imgProps xmlns:a14="http://schemas.microsoft.com/office/drawing/2010/main">
+                  <a14:imgLayer r:embed="rId3">
                     <a14:imgEffect>
                       <a14:backgroundRemoval t="10000" b="90000" l="10000" r="90000"/>
                     </a14:imgEffect>
@@ -4423,11 +4394,11 @@
           <p:nvPr/>
         </p:nvPicPr>
         <p:blipFill>
-          <a:blip r:embed="rId3">
-            <a:extLst>
-              <a:ext uri="{BEBA8EAE-BF5A-486C-A8C5-ECC9F3942E4B}">
-                <a14:imgProps xmlns:a14="http://schemas.microsoft.com/office/drawing/2010/main">
-                  <a14:imgLayer r:embed="rId4">
+          <a:blip r:embed="rId2">
+            <a:extLst>
+              <a:ext uri="{BEBA8EAE-BF5A-486C-A8C5-ECC9F3942E4B}">
+                <a14:imgProps xmlns:a14="http://schemas.microsoft.com/office/drawing/2010/main">
+                  <a14:imgLayer r:embed="rId3">
                     <a14:imgEffect>
                       <a14:backgroundRemoval t="10000" b="90000" l="10000" r="90000"/>
                     </a14:imgEffect>
@@ -4465,11 +4436,11 @@
           <p:nvPr/>
         </p:nvPicPr>
         <p:blipFill>
-          <a:blip r:embed="rId3">
-            <a:extLst>
-              <a:ext uri="{BEBA8EAE-BF5A-486C-A8C5-ECC9F3942E4B}">
-                <a14:imgProps xmlns:a14="http://schemas.microsoft.com/office/drawing/2010/main">
-                  <a14:imgLayer r:embed="rId4">
+          <a:blip r:embed="rId2">
+            <a:extLst>
+              <a:ext uri="{BEBA8EAE-BF5A-486C-A8C5-ECC9F3942E4B}">
+                <a14:imgProps xmlns:a14="http://schemas.microsoft.com/office/drawing/2010/main">
+                  <a14:imgLayer r:embed="rId3">
                     <a14:imgEffect>
                       <a14:backgroundRemoval t="10000" b="90000" l="10000" r="90000"/>
                     </a14:imgEffect>
@@ -4507,11 +4478,11 @@
           <p:nvPr/>
         </p:nvPicPr>
         <p:blipFill>
-          <a:blip r:embed="rId3">
-            <a:extLst>
-              <a:ext uri="{BEBA8EAE-BF5A-486C-A8C5-ECC9F3942E4B}">
-                <a14:imgProps xmlns:a14="http://schemas.microsoft.com/office/drawing/2010/main">
-                  <a14:imgLayer r:embed="rId4">
+          <a:blip r:embed="rId2">
+            <a:extLst>
+              <a:ext uri="{BEBA8EAE-BF5A-486C-A8C5-ECC9F3942E4B}">
+                <a14:imgProps xmlns:a14="http://schemas.microsoft.com/office/drawing/2010/main">
+                  <a14:imgLayer r:embed="rId3">
                     <a14:imgEffect>
                       <a14:backgroundRemoval t="10000" b="90000" l="10000" r="90000"/>
                     </a14:imgEffect>
@@ -4549,11 +4520,11 @@
           <p:nvPr/>
         </p:nvPicPr>
         <p:blipFill>
-          <a:blip r:embed="rId3">
-            <a:extLst>
-              <a:ext uri="{BEBA8EAE-BF5A-486C-A8C5-ECC9F3942E4B}">
-                <a14:imgProps xmlns:a14="http://schemas.microsoft.com/office/drawing/2010/main">
-                  <a14:imgLayer r:embed="rId4">
+          <a:blip r:embed="rId2">
+            <a:extLst>
+              <a:ext uri="{BEBA8EAE-BF5A-486C-A8C5-ECC9F3942E4B}">
+                <a14:imgProps xmlns:a14="http://schemas.microsoft.com/office/drawing/2010/main">
+                  <a14:imgLayer r:embed="rId3">
                     <a14:imgEffect>
                       <a14:backgroundRemoval t="10000" b="90000" l="10000" r="90000"/>
                     </a14:imgEffect>
@@ -4591,11 +4562,11 @@
           <p:nvPr/>
         </p:nvPicPr>
         <p:blipFill>
-          <a:blip r:embed="rId3">
-            <a:extLst>
-              <a:ext uri="{BEBA8EAE-BF5A-486C-A8C5-ECC9F3942E4B}">
-                <a14:imgProps xmlns:a14="http://schemas.microsoft.com/office/drawing/2010/main">
-                  <a14:imgLayer r:embed="rId4">
+          <a:blip r:embed="rId2">
+            <a:extLst>
+              <a:ext uri="{BEBA8EAE-BF5A-486C-A8C5-ECC9F3942E4B}">
+                <a14:imgProps xmlns:a14="http://schemas.microsoft.com/office/drawing/2010/main">
+                  <a14:imgLayer r:embed="rId3">
                     <a14:imgEffect>
                       <a14:backgroundRemoval t="10000" b="90000" l="10000" r="90000"/>
                     </a14:imgEffect>
@@ -4633,11 +4604,11 @@
           <p:nvPr/>
         </p:nvPicPr>
         <p:blipFill>
-          <a:blip r:embed="rId3">
-            <a:extLst>
-              <a:ext uri="{BEBA8EAE-BF5A-486C-A8C5-ECC9F3942E4B}">
-                <a14:imgProps xmlns:a14="http://schemas.microsoft.com/office/drawing/2010/main">
-                  <a14:imgLayer r:embed="rId4">
+          <a:blip r:embed="rId2">
+            <a:extLst>
+              <a:ext uri="{BEBA8EAE-BF5A-486C-A8C5-ECC9F3942E4B}">
+                <a14:imgProps xmlns:a14="http://schemas.microsoft.com/office/drawing/2010/main">
+                  <a14:imgLayer r:embed="rId3">
                     <a14:imgEffect>
                       <a14:backgroundRemoval t="10000" b="90000" l="10000" r="90000"/>
                     </a14:imgEffect>
@@ -4675,11 +4646,11 @@
           <p:nvPr/>
         </p:nvPicPr>
         <p:blipFill>
-          <a:blip r:embed="rId3">
-            <a:extLst>
-              <a:ext uri="{BEBA8EAE-BF5A-486C-A8C5-ECC9F3942E4B}">
-                <a14:imgProps xmlns:a14="http://schemas.microsoft.com/office/drawing/2010/main">
-                  <a14:imgLayer r:embed="rId4">
+          <a:blip r:embed="rId2">
+            <a:extLst>
+              <a:ext uri="{BEBA8EAE-BF5A-486C-A8C5-ECC9F3942E4B}">
+                <a14:imgProps xmlns:a14="http://schemas.microsoft.com/office/drawing/2010/main">
+                  <a14:imgLayer r:embed="rId3">
                     <a14:imgEffect>
                       <a14:backgroundRemoval t="10000" b="90000" l="10000" r="90000"/>
                     </a14:imgEffect>
@@ -4717,11 +4688,11 @@
           <p:nvPr/>
         </p:nvPicPr>
         <p:blipFill>
-          <a:blip r:embed="rId3">
-            <a:extLst>
-              <a:ext uri="{BEBA8EAE-BF5A-486C-A8C5-ECC9F3942E4B}">
-                <a14:imgProps xmlns:a14="http://schemas.microsoft.com/office/drawing/2010/main">
-                  <a14:imgLayer r:embed="rId4">
+          <a:blip r:embed="rId2">
+            <a:extLst>
+              <a:ext uri="{BEBA8EAE-BF5A-486C-A8C5-ECC9F3942E4B}">
+                <a14:imgProps xmlns:a14="http://schemas.microsoft.com/office/drawing/2010/main">
+                  <a14:imgLayer r:embed="rId3">
                     <a14:imgEffect>
                       <a14:backgroundRemoval t="10000" b="90000" l="10000" r="90000"/>
                     </a14:imgEffect>
@@ -4759,11 +4730,11 @@
           <p:nvPr/>
         </p:nvPicPr>
         <p:blipFill>
-          <a:blip r:embed="rId3">
-            <a:extLst>
-              <a:ext uri="{BEBA8EAE-BF5A-486C-A8C5-ECC9F3942E4B}">
-                <a14:imgProps xmlns:a14="http://schemas.microsoft.com/office/drawing/2010/main">
-                  <a14:imgLayer r:embed="rId4">
+          <a:blip r:embed="rId2">
+            <a:extLst>
+              <a:ext uri="{BEBA8EAE-BF5A-486C-A8C5-ECC9F3942E4B}">
+                <a14:imgProps xmlns:a14="http://schemas.microsoft.com/office/drawing/2010/main">
+                  <a14:imgLayer r:embed="rId3">
                     <a14:imgEffect>
                       <a14:backgroundRemoval t="10000" b="90000" l="10000" r="90000"/>
                     </a14:imgEffect>
@@ -4801,11 +4772,11 @@
           <p:nvPr/>
         </p:nvPicPr>
         <p:blipFill>
-          <a:blip r:embed="rId3">
-            <a:extLst>
-              <a:ext uri="{BEBA8EAE-BF5A-486C-A8C5-ECC9F3942E4B}">
-                <a14:imgProps xmlns:a14="http://schemas.microsoft.com/office/drawing/2010/main">
-                  <a14:imgLayer r:embed="rId4">
+          <a:blip r:embed="rId2">
+            <a:extLst>
+              <a:ext uri="{BEBA8EAE-BF5A-486C-A8C5-ECC9F3942E4B}">
+                <a14:imgProps xmlns:a14="http://schemas.microsoft.com/office/drawing/2010/main">
+                  <a14:imgLayer r:embed="rId3">
                     <a14:imgEffect>
                       <a14:backgroundRemoval t="10000" b="90000" l="10000" r="90000"/>
                     </a14:imgEffect>
@@ -4843,11 +4814,11 @@
           <p:nvPr/>
         </p:nvPicPr>
         <p:blipFill>
-          <a:blip r:embed="rId3">
-            <a:extLst>
-              <a:ext uri="{BEBA8EAE-BF5A-486C-A8C5-ECC9F3942E4B}">
-                <a14:imgProps xmlns:a14="http://schemas.microsoft.com/office/drawing/2010/main">
-                  <a14:imgLayer r:embed="rId4">
+          <a:blip r:embed="rId2">
+            <a:extLst>
+              <a:ext uri="{BEBA8EAE-BF5A-486C-A8C5-ECC9F3942E4B}">
+                <a14:imgProps xmlns:a14="http://schemas.microsoft.com/office/drawing/2010/main">
+                  <a14:imgLayer r:embed="rId3">
                     <a14:imgEffect>
                       <a14:backgroundRemoval t="10000" b="90000" l="10000" r="90000"/>
                     </a14:imgEffect>
@@ -4885,11 +4856,11 @@
           <p:nvPr/>
         </p:nvPicPr>
         <p:blipFill>
-          <a:blip r:embed="rId3">
-            <a:extLst>
-              <a:ext uri="{BEBA8EAE-BF5A-486C-A8C5-ECC9F3942E4B}">
-                <a14:imgProps xmlns:a14="http://schemas.microsoft.com/office/drawing/2010/main">
-                  <a14:imgLayer r:embed="rId4">
+          <a:blip r:embed="rId2">
+            <a:extLst>
+              <a:ext uri="{BEBA8EAE-BF5A-486C-A8C5-ECC9F3942E4B}">
+                <a14:imgProps xmlns:a14="http://schemas.microsoft.com/office/drawing/2010/main">
+                  <a14:imgLayer r:embed="rId3">
                     <a14:imgEffect>
                       <a14:backgroundRemoval t="10000" b="90000" l="10000" r="90000"/>
                     </a14:imgEffect>
@@ -4927,11 +4898,11 @@
           <p:nvPr/>
         </p:nvPicPr>
         <p:blipFill>
-          <a:blip r:embed="rId3">
-            <a:extLst>
-              <a:ext uri="{BEBA8EAE-BF5A-486C-A8C5-ECC9F3942E4B}">
-                <a14:imgProps xmlns:a14="http://schemas.microsoft.com/office/drawing/2010/main">
-                  <a14:imgLayer r:embed="rId4">
+          <a:blip r:embed="rId2">
+            <a:extLst>
+              <a:ext uri="{BEBA8EAE-BF5A-486C-A8C5-ECC9F3942E4B}">
+                <a14:imgProps xmlns:a14="http://schemas.microsoft.com/office/drawing/2010/main">
+                  <a14:imgLayer r:embed="rId3">
                     <a14:imgEffect>
                       <a14:backgroundRemoval t="10000" b="90000" l="10000" r="90000"/>
                     </a14:imgEffect>
@@ -4969,11 +4940,11 @@
           <p:nvPr/>
         </p:nvPicPr>
         <p:blipFill>
-          <a:blip r:embed="rId3">
-            <a:extLst>
-              <a:ext uri="{BEBA8EAE-BF5A-486C-A8C5-ECC9F3942E4B}">
-                <a14:imgProps xmlns:a14="http://schemas.microsoft.com/office/drawing/2010/main">
-                  <a14:imgLayer r:embed="rId4">
+          <a:blip r:embed="rId2">
+            <a:extLst>
+              <a:ext uri="{BEBA8EAE-BF5A-486C-A8C5-ECC9F3942E4B}">
+                <a14:imgProps xmlns:a14="http://schemas.microsoft.com/office/drawing/2010/main">
+                  <a14:imgLayer r:embed="rId3">
                     <a14:imgEffect>
                       <a14:backgroundRemoval t="10000" b="90000" l="10000" r="90000"/>
                     </a14:imgEffect>
@@ -5011,11 +4982,11 @@
           <p:nvPr/>
         </p:nvPicPr>
         <p:blipFill>
-          <a:blip r:embed="rId3">
-            <a:extLst>
-              <a:ext uri="{BEBA8EAE-BF5A-486C-A8C5-ECC9F3942E4B}">
-                <a14:imgProps xmlns:a14="http://schemas.microsoft.com/office/drawing/2010/main">
-                  <a14:imgLayer r:embed="rId4">
+          <a:blip r:embed="rId2">
+            <a:extLst>
+              <a:ext uri="{BEBA8EAE-BF5A-486C-A8C5-ECC9F3942E4B}">
+                <a14:imgProps xmlns:a14="http://schemas.microsoft.com/office/drawing/2010/main">
+                  <a14:imgLayer r:embed="rId3">
                     <a14:imgEffect>
                       <a14:backgroundRemoval t="10000" b="90000" l="10000" r="90000"/>
                     </a14:imgEffect>
@@ -5053,11 +5024,11 @@
           <p:nvPr/>
         </p:nvPicPr>
         <p:blipFill>
-          <a:blip r:embed="rId3">
-            <a:extLst>
-              <a:ext uri="{BEBA8EAE-BF5A-486C-A8C5-ECC9F3942E4B}">
-                <a14:imgProps xmlns:a14="http://schemas.microsoft.com/office/drawing/2010/main">
-                  <a14:imgLayer r:embed="rId4">
+          <a:blip r:embed="rId2">
+            <a:extLst>
+              <a:ext uri="{BEBA8EAE-BF5A-486C-A8C5-ECC9F3942E4B}">
+                <a14:imgProps xmlns:a14="http://schemas.microsoft.com/office/drawing/2010/main">
+                  <a14:imgLayer r:embed="rId3">
                     <a14:imgEffect>
                       <a14:backgroundRemoval t="10000" b="90000" l="10000" r="90000"/>
                     </a14:imgEffect>
@@ -5095,11 +5066,11 @@
           <p:nvPr/>
         </p:nvPicPr>
         <p:blipFill>
-          <a:blip r:embed="rId3">
-            <a:extLst>
-              <a:ext uri="{BEBA8EAE-BF5A-486C-A8C5-ECC9F3942E4B}">
-                <a14:imgProps xmlns:a14="http://schemas.microsoft.com/office/drawing/2010/main">
-                  <a14:imgLayer r:embed="rId4">
+          <a:blip r:embed="rId2">
+            <a:extLst>
+              <a:ext uri="{BEBA8EAE-BF5A-486C-A8C5-ECC9F3942E4B}">
+                <a14:imgProps xmlns:a14="http://schemas.microsoft.com/office/drawing/2010/main">
+                  <a14:imgLayer r:embed="rId3">
                     <a14:imgEffect>
                       <a14:backgroundRemoval t="10000" b="90000" l="10000" r="90000"/>
                     </a14:imgEffect>
@@ -5137,11 +5108,11 @@
           <p:nvPr/>
         </p:nvPicPr>
         <p:blipFill>
-          <a:blip r:embed="rId3">
-            <a:extLst>
-              <a:ext uri="{BEBA8EAE-BF5A-486C-A8C5-ECC9F3942E4B}">
-                <a14:imgProps xmlns:a14="http://schemas.microsoft.com/office/drawing/2010/main">
-                  <a14:imgLayer r:embed="rId4">
+          <a:blip r:embed="rId2">
+            <a:extLst>
+              <a:ext uri="{BEBA8EAE-BF5A-486C-A8C5-ECC9F3942E4B}">
+                <a14:imgProps xmlns:a14="http://schemas.microsoft.com/office/drawing/2010/main">
+                  <a14:imgLayer r:embed="rId3">
                     <a14:imgEffect>
                       <a14:backgroundRemoval t="10000" b="90000" l="10000" r="90000"/>
                     </a14:imgEffect>
@@ -5179,11 +5150,11 @@
           <p:nvPr/>
         </p:nvPicPr>
         <p:blipFill>
-          <a:blip r:embed="rId3">
-            <a:extLst>
-              <a:ext uri="{BEBA8EAE-BF5A-486C-A8C5-ECC9F3942E4B}">
-                <a14:imgProps xmlns:a14="http://schemas.microsoft.com/office/drawing/2010/main">
-                  <a14:imgLayer r:embed="rId4">
+          <a:blip r:embed="rId2">
+            <a:extLst>
+              <a:ext uri="{BEBA8EAE-BF5A-486C-A8C5-ECC9F3942E4B}">
+                <a14:imgProps xmlns:a14="http://schemas.microsoft.com/office/drawing/2010/main">
+                  <a14:imgLayer r:embed="rId3">
                     <a14:imgEffect>
                       <a14:backgroundRemoval t="10000" b="90000" l="10000" r="90000"/>
                     </a14:imgEffect>
@@ -5221,11 +5192,11 @@
           <p:nvPr/>
         </p:nvPicPr>
         <p:blipFill>
-          <a:blip r:embed="rId3">
-            <a:extLst>
-              <a:ext uri="{BEBA8EAE-BF5A-486C-A8C5-ECC9F3942E4B}">
-                <a14:imgProps xmlns:a14="http://schemas.microsoft.com/office/drawing/2010/main">
-                  <a14:imgLayer r:embed="rId4">
+          <a:blip r:embed="rId2">
+            <a:extLst>
+              <a:ext uri="{BEBA8EAE-BF5A-486C-A8C5-ECC9F3942E4B}">
+                <a14:imgProps xmlns:a14="http://schemas.microsoft.com/office/drawing/2010/main">
+                  <a14:imgLayer r:embed="rId3">
                     <a14:imgEffect>
                       <a14:backgroundRemoval t="10000" b="90000" l="10000" r="90000"/>
                     </a14:imgEffect>
@@ -5263,11 +5234,11 @@
           <p:nvPr/>
         </p:nvPicPr>
         <p:blipFill>
-          <a:blip r:embed="rId3">
-            <a:extLst>
-              <a:ext uri="{BEBA8EAE-BF5A-486C-A8C5-ECC9F3942E4B}">
-                <a14:imgProps xmlns:a14="http://schemas.microsoft.com/office/drawing/2010/main">
-                  <a14:imgLayer r:embed="rId4">
+          <a:blip r:embed="rId2">
+            <a:extLst>
+              <a:ext uri="{BEBA8EAE-BF5A-486C-A8C5-ECC9F3942E4B}">
+                <a14:imgProps xmlns:a14="http://schemas.microsoft.com/office/drawing/2010/main">
+                  <a14:imgLayer r:embed="rId3">
                     <a14:imgEffect>
                       <a14:backgroundRemoval t="10000" b="90000" l="10000" r="90000"/>
                     </a14:imgEffect>
@@ -5305,11 +5276,11 @@
           <p:nvPr/>
         </p:nvPicPr>
         <p:blipFill>
-          <a:blip r:embed="rId3">
-            <a:extLst>
-              <a:ext uri="{BEBA8EAE-BF5A-486C-A8C5-ECC9F3942E4B}">
-                <a14:imgProps xmlns:a14="http://schemas.microsoft.com/office/drawing/2010/main">
-                  <a14:imgLayer r:embed="rId4">
+          <a:blip r:embed="rId2">
+            <a:extLst>
+              <a:ext uri="{BEBA8EAE-BF5A-486C-A8C5-ECC9F3942E4B}">
+                <a14:imgProps xmlns:a14="http://schemas.microsoft.com/office/drawing/2010/main">
+                  <a14:imgLayer r:embed="rId3">
                     <a14:imgEffect>
                       <a14:backgroundRemoval t="10000" b="90000" l="10000" r="90000"/>
                     </a14:imgEffect>
@@ -5347,11 +5318,11 @@
           <p:nvPr/>
         </p:nvPicPr>
         <p:blipFill>
-          <a:blip r:embed="rId3">
-            <a:extLst>
-              <a:ext uri="{BEBA8EAE-BF5A-486C-A8C5-ECC9F3942E4B}">
-                <a14:imgProps xmlns:a14="http://schemas.microsoft.com/office/drawing/2010/main">
-                  <a14:imgLayer r:embed="rId4">
+          <a:blip r:embed="rId2">
+            <a:extLst>
+              <a:ext uri="{BEBA8EAE-BF5A-486C-A8C5-ECC9F3942E4B}">
+                <a14:imgProps xmlns:a14="http://schemas.microsoft.com/office/drawing/2010/main">
+                  <a14:imgLayer r:embed="rId3">
                     <a14:imgEffect>
                       <a14:backgroundRemoval t="10000" b="90000" l="10000" r="90000"/>
                     </a14:imgEffect>
@@ -5389,11 +5360,11 @@
           <p:nvPr/>
         </p:nvPicPr>
         <p:blipFill>
-          <a:blip r:embed="rId3">
-            <a:extLst>
-              <a:ext uri="{BEBA8EAE-BF5A-486C-A8C5-ECC9F3942E4B}">
-                <a14:imgProps xmlns:a14="http://schemas.microsoft.com/office/drawing/2010/main">
-                  <a14:imgLayer r:embed="rId4">
+          <a:blip r:embed="rId2">
+            <a:extLst>
+              <a:ext uri="{BEBA8EAE-BF5A-486C-A8C5-ECC9F3942E4B}">
+                <a14:imgProps xmlns:a14="http://schemas.microsoft.com/office/drawing/2010/main">
+                  <a14:imgLayer r:embed="rId3">
                     <a14:imgEffect>
                       <a14:backgroundRemoval t="10000" b="90000" l="10000" r="90000"/>
                     </a14:imgEffect>
@@ -5431,11 +5402,11 @@
           <p:nvPr/>
         </p:nvPicPr>
         <p:blipFill>
-          <a:blip r:embed="rId3">
-            <a:extLst>
-              <a:ext uri="{BEBA8EAE-BF5A-486C-A8C5-ECC9F3942E4B}">
-                <a14:imgProps xmlns:a14="http://schemas.microsoft.com/office/drawing/2010/main">
-                  <a14:imgLayer r:embed="rId4">
+          <a:blip r:embed="rId2">
+            <a:extLst>
+              <a:ext uri="{BEBA8EAE-BF5A-486C-A8C5-ECC9F3942E4B}">
+                <a14:imgProps xmlns:a14="http://schemas.microsoft.com/office/drawing/2010/main">
+                  <a14:imgLayer r:embed="rId3">
                     <a14:imgEffect>
                       <a14:backgroundRemoval t="10000" b="90000" l="10000" r="90000"/>
                     </a14:imgEffect>
@@ -5473,11 +5444,11 @@
           <p:nvPr/>
         </p:nvPicPr>
         <p:blipFill>
-          <a:blip r:embed="rId3">
-            <a:extLst>
-              <a:ext uri="{BEBA8EAE-BF5A-486C-A8C5-ECC9F3942E4B}">
-                <a14:imgProps xmlns:a14="http://schemas.microsoft.com/office/drawing/2010/main">
-                  <a14:imgLayer r:embed="rId4">
+          <a:blip r:embed="rId2">
+            <a:extLst>
+              <a:ext uri="{BEBA8EAE-BF5A-486C-A8C5-ECC9F3942E4B}">
+                <a14:imgProps xmlns:a14="http://schemas.microsoft.com/office/drawing/2010/main">
+                  <a14:imgLayer r:embed="rId3">
                     <a14:imgEffect>
                       <a14:backgroundRemoval t="10000" b="90000" l="10000" r="90000"/>
                     </a14:imgEffect>
@@ -5515,11 +5486,11 @@
           <p:nvPr/>
         </p:nvPicPr>
         <p:blipFill>
-          <a:blip r:embed="rId3">
-            <a:extLst>
-              <a:ext uri="{BEBA8EAE-BF5A-486C-A8C5-ECC9F3942E4B}">
-                <a14:imgProps xmlns:a14="http://schemas.microsoft.com/office/drawing/2010/main">
-                  <a14:imgLayer r:embed="rId4">
+          <a:blip r:embed="rId2">
+            <a:extLst>
+              <a:ext uri="{BEBA8EAE-BF5A-486C-A8C5-ECC9F3942E4B}">
+                <a14:imgProps xmlns:a14="http://schemas.microsoft.com/office/drawing/2010/main">
+                  <a14:imgLayer r:embed="rId3">
                     <a14:imgEffect>
                       <a14:backgroundRemoval t="10000" b="90000" l="10000" r="90000"/>
                     </a14:imgEffect>
@@ -5557,11 +5528,11 @@
           <p:nvPr/>
         </p:nvPicPr>
         <p:blipFill>
-          <a:blip r:embed="rId3">
-            <a:extLst>
-              <a:ext uri="{BEBA8EAE-BF5A-486C-A8C5-ECC9F3942E4B}">
-                <a14:imgProps xmlns:a14="http://schemas.microsoft.com/office/drawing/2010/main">
-                  <a14:imgLayer r:embed="rId4">
+          <a:blip r:embed="rId2">
+            <a:extLst>
+              <a:ext uri="{BEBA8EAE-BF5A-486C-A8C5-ECC9F3942E4B}">
+                <a14:imgProps xmlns:a14="http://schemas.microsoft.com/office/drawing/2010/main">
+                  <a14:imgLayer r:embed="rId3">
                     <a14:imgEffect>
                       <a14:backgroundRemoval t="10000" b="90000" l="10000" r="90000"/>
                     </a14:imgEffect>
@@ -5584,306 +5555,12 @@
           </a:prstGeom>
         </p:spPr>
       </p:pic>
-    </p:spTree>
-    <p:extLst>
-      <p:ext uri="{BB962C8B-B14F-4D97-AF65-F5344CB8AC3E}">
-        <p14:creationId xmlns:p14="http://schemas.microsoft.com/office/powerpoint/2010/main" val="2359047941"/>
-      </p:ext>
-    </p:extLst>
-  </p:cSld>
-  <p:clrMapOvr>
-    <a:masterClrMapping/>
-  </p:clrMapOvr>
-  <mc:AlternateContent xmlns:mc="http://schemas.openxmlformats.org/markup-compatibility/2006">
-    <mc:Choice xmlns:p159="http://schemas.microsoft.com/office/powerpoint/2015/09/main" Requires="p159">
-      <p:transition xmlns:p14="http://schemas.microsoft.com/office/powerpoint/2010/main" spd="slow" p14:dur="2000">
-        <p159:morph option="byObject"/>
-      </p:transition>
-    </mc:Choice>
-    <mc:Fallback>
-      <p:transition spd="slow">
-        <p:fade/>
-      </p:transition>
-    </mc:Fallback>
-  </mc:AlternateContent>
-</p:sld>
-</file>
-
-<file path=ppt/slides/slide2.xml><?xml version="1.0" encoding="utf-8"?>
-<p:sld xmlns:a="http://schemas.openxmlformats.org/drawingml/2006/main" xmlns:r="http://schemas.openxmlformats.org/officeDocument/2006/relationships" xmlns:p="http://schemas.openxmlformats.org/presentationml/2006/main">
-  <p:cSld>
-    <p:spTree>
-      <p:nvGrpSpPr>
-        <p:cNvPr id="1" name=""/>
-        <p:cNvGrpSpPr/>
-        <p:nvPr/>
-      </p:nvGrpSpPr>
-      <p:grpSpPr>
-        <a:xfrm>
-          <a:off x="0" y="0"/>
-          <a:ext cx="0" cy="0"/>
-          <a:chOff x="0" y="0"/>
-          <a:chExt cx="0" cy="0"/>
-        </a:xfrm>
-      </p:grpSpPr>
-      <p:pic>
-        <p:nvPicPr>
-          <p:cNvPr id="35" name="Рисунок 34">
-            <a:extLst>
-              <a:ext uri="{FF2B5EF4-FFF2-40B4-BE49-F238E27FC236}">
-                <a16:creationId xmlns:a16="http://schemas.microsoft.com/office/drawing/2014/main" id="{06EBCA35-A943-4D39-9223-93FFF10BA12B}"/>
-              </a:ext>
-            </a:extLst>
-          </p:cNvPr>
-          <p:cNvPicPr>
-            <a:picLocks noChangeAspect="1"/>
-          </p:cNvPicPr>
-          <p:nvPr/>
-        </p:nvPicPr>
-        <p:blipFill>
-          <a:blip r:embed="rId2">
-            <a:extLst>
-              <a:ext uri="{BEBA8EAE-BF5A-486C-A8C5-ECC9F3942E4B}">
-                <a14:imgProps xmlns:a14="http://schemas.microsoft.com/office/drawing/2010/main">
-                  <a14:imgLayer r:embed="rId3">
-                    <a14:imgEffect>
-                      <a14:backgroundRemoval t="10000" b="90000" l="10000" r="90000"/>
-                    </a14:imgEffect>
-                  </a14:imgLayer>
-                </a14:imgProps>
-              </a:ext>
-            </a:extLst>
-          </a:blip>
-          <a:stretch>
-            <a:fillRect/>
-          </a:stretch>
-        </p:blipFill>
-        <p:spPr>
-          <a:xfrm rot="19478952">
-            <a:off x="4141906" y="2332269"/>
-            <a:ext cx="629015" cy="629015"/>
-          </a:xfrm>
-          <a:prstGeom prst="rect">
-            <a:avLst/>
-          </a:prstGeom>
-        </p:spPr>
-      </p:pic>
-      <p:pic>
-        <p:nvPicPr>
-          <p:cNvPr id="12" name="Рисунок 11">
-            <a:extLst>
-              <a:ext uri="{FF2B5EF4-FFF2-40B4-BE49-F238E27FC236}">
-                <a16:creationId xmlns:a16="http://schemas.microsoft.com/office/drawing/2014/main" id="{DA73EEB4-118E-44DC-AEE9-17A560E10FA9}"/>
-              </a:ext>
-            </a:extLst>
-          </p:cNvPr>
-          <p:cNvPicPr>
-            <a:picLocks noChangeAspect="1"/>
-          </p:cNvPicPr>
-          <p:nvPr/>
-        </p:nvPicPr>
-        <p:blipFill>
-          <a:blip r:embed="rId2">
-            <a:extLst>
-              <a:ext uri="{BEBA8EAE-BF5A-486C-A8C5-ECC9F3942E4B}">
-                <a14:imgProps xmlns:a14="http://schemas.microsoft.com/office/drawing/2010/main">
-                  <a14:imgLayer r:embed="rId3">
-                    <a14:imgEffect>
-                      <a14:backgroundRemoval t="10000" b="90000" l="10000" r="90000"/>
-                    </a14:imgEffect>
-                  </a14:imgLayer>
-                </a14:imgProps>
-              </a:ext>
-            </a:extLst>
-          </a:blip>
-          <a:stretch>
-            <a:fillRect/>
-          </a:stretch>
-        </p:blipFill>
-        <p:spPr>
-          <a:xfrm rot="6209753">
-            <a:off x="6929840" y="1668613"/>
-            <a:ext cx="877674" cy="877674"/>
-          </a:xfrm>
-          <a:prstGeom prst="rect">
-            <a:avLst/>
-          </a:prstGeom>
-        </p:spPr>
-      </p:pic>
-      <p:pic>
-        <p:nvPicPr>
-          <p:cNvPr id="15" name="Рисунок 14">
-            <a:extLst>
-              <a:ext uri="{FF2B5EF4-FFF2-40B4-BE49-F238E27FC236}">
-                <a16:creationId xmlns:a16="http://schemas.microsoft.com/office/drawing/2014/main" id="{E9FBFDFE-BADB-4B9E-A23E-F1D32E4D597E}"/>
-              </a:ext>
-            </a:extLst>
-          </p:cNvPr>
-          <p:cNvPicPr>
-            <a:picLocks noChangeAspect="1"/>
-          </p:cNvPicPr>
-          <p:nvPr/>
-        </p:nvPicPr>
-        <p:blipFill>
-          <a:blip r:embed="rId2">
-            <a:extLst>
-              <a:ext uri="{BEBA8EAE-BF5A-486C-A8C5-ECC9F3942E4B}">
-                <a14:imgProps xmlns:a14="http://schemas.microsoft.com/office/drawing/2010/main">
-                  <a14:imgLayer r:embed="rId3">
-                    <a14:imgEffect>
-                      <a14:backgroundRemoval t="10000" b="90000" l="10000" r="90000"/>
-                    </a14:imgEffect>
-                  </a14:imgLayer>
-                </a14:imgProps>
-              </a:ext>
-            </a:extLst>
-          </a:blip>
-          <a:stretch>
-            <a:fillRect/>
-          </a:stretch>
-        </p:blipFill>
-        <p:spPr>
-          <a:xfrm rot="3526715">
-            <a:off x="8389689" y="1487863"/>
-            <a:ext cx="877674" cy="877674"/>
-          </a:xfrm>
-          <a:prstGeom prst="rect">
-            <a:avLst/>
-          </a:prstGeom>
-        </p:spPr>
-      </p:pic>
-      <p:pic>
-        <p:nvPicPr>
-          <p:cNvPr id="39" name="Рисунок 38">
-            <a:extLst>
-              <a:ext uri="{FF2B5EF4-FFF2-40B4-BE49-F238E27FC236}">
-                <a16:creationId xmlns:a16="http://schemas.microsoft.com/office/drawing/2014/main" id="{2064D78D-D424-413F-9884-41D809F08689}"/>
-              </a:ext>
-            </a:extLst>
-          </p:cNvPr>
-          <p:cNvPicPr>
-            <a:picLocks noChangeAspect="1"/>
-          </p:cNvPicPr>
-          <p:nvPr/>
-        </p:nvPicPr>
-        <p:blipFill>
-          <a:blip r:embed="rId2">
-            <a:extLst>
-              <a:ext uri="{BEBA8EAE-BF5A-486C-A8C5-ECC9F3942E4B}">
-                <a14:imgProps xmlns:a14="http://schemas.microsoft.com/office/drawing/2010/main">
-                  <a14:imgLayer r:embed="rId3">
-                    <a14:imgEffect>
-                      <a14:backgroundRemoval t="10000" b="90000" l="10000" r="90000"/>
-                    </a14:imgEffect>
-                  </a14:imgLayer>
-                </a14:imgProps>
-              </a:ext>
-            </a:extLst>
-          </a:blip>
-          <a:stretch>
-            <a:fillRect/>
-          </a:stretch>
-        </p:blipFill>
-        <p:spPr>
-          <a:xfrm rot="3526715">
-            <a:off x="8879525" y="1655676"/>
-            <a:ext cx="629015" cy="629015"/>
-          </a:xfrm>
-          <a:prstGeom prst="rect">
-            <a:avLst/>
-          </a:prstGeom>
-        </p:spPr>
-      </p:pic>
-      <p:pic>
-        <p:nvPicPr>
-          <p:cNvPr id="36" name="Рисунок 35">
-            <a:extLst>
-              <a:ext uri="{FF2B5EF4-FFF2-40B4-BE49-F238E27FC236}">
-                <a16:creationId xmlns:a16="http://schemas.microsoft.com/office/drawing/2014/main" id="{3628BCC2-E908-4C04-B050-CDE21F0A4118}"/>
-              </a:ext>
-            </a:extLst>
-          </p:cNvPr>
-          <p:cNvPicPr>
-            <a:picLocks noChangeAspect="1"/>
-          </p:cNvPicPr>
-          <p:nvPr/>
-        </p:nvPicPr>
-        <p:blipFill>
-          <a:blip r:embed="rId2">
-            <a:extLst>
-              <a:ext uri="{BEBA8EAE-BF5A-486C-A8C5-ECC9F3942E4B}">
-                <a14:imgProps xmlns:a14="http://schemas.microsoft.com/office/drawing/2010/main">
-                  <a14:imgLayer r:embed="rId3">
-                    <a14:imgEffect>
-                      <a14:backgroundRemoval t="10000" b="90000" l="10000" r="90000"/>
-                    </a14:imgEffect>
-                  </a14:imgLayer>
-                </a14:imgProps>
-              </a:ext>
-            </a:extLst>
-          </a:blip>
-          <a:stretch>
-            <a:fillRect/>
-          </a:stretch>
-        </p:blipFill>
-        <p:spPr>
-          <a:xfrm rot="6209753">
-            <a:off x="7416441" y="1101776"/>
-            <a:ext cx="629015" cy="629015"/>
-          </a:xfrm>
-          <a:prstGeom prst="rect">
-            <a:avLst/>
-          </a:prstGeom>
-        </p:spPr>
-      </p:pic>
-      <p:pic>
-        <p:nvPicPr>
-          <p:cNvPr id="47" name="Рисунок 46">
-            <a:extLst>
-              <a:ext uri="{FF2B5EF4-FFF2-40B4-BE49-F238E27FC236}">
-                <a16:creationId xmlns:a16="http://schemas.microsoft.com/office/drawing/2014/main" id="{D366AC33-70A9-4D42-8393-B9A8804A7358}"/>
-              </a:ext>
-            </a:extLst>
-          </p:cNvPr>
-          <p:cNvPicPr>
-            <a:picLocks noChangeAspect="1"/>
-          </p:cNvPicPr>
-          <p:nvPr/>
-        </p:nvPicPr>
-        <p:blipFill>
-          <a:blip r:embed="rId2">
-            <a:extLst>
-              <a:ext uri="{BEBA8EAE-BF5A-486C-A8C5-ECC9F3942E4B}">
-                <a14:imgProps xmlns:a14="http://schemas.microsoft.com/office/drawing/2010/main">
-                  <a14:imgLayer r:embed="rId3">
-                    <a14:imgEffect>
-                      <a14:backgroundRemoval t="10000" b="90000" l="10000" r="90000"/>
-                    </a14:imgEffect>
-                  </a14:imgLayer>
-                </a14:imgProps>
-              </a:ext>
-            </a:extLst>
-          </a:blip>
-          <a:stretch>
-            <a:fillRect/>
-          </a:stretch>
-        </p:blipFill>
-        <p:spPr>
-          <a:xfrm rot="16913277">
-            <a:off x="7792596" y="695561"/>
-            <a:ext cx="629015" cy="629015"/>
-          </a:xfrm>
-          <a:prstGeom prst="rect">
-            <a:avLst/>
-          </a:prstGeom>
-        </p:spPr>
-      </p:pic>
       <p:pic>
         <p:nvPicPr>
           <p:cNvPr id="56" name="Picture 2" descr="женщина пожимает руку PNG изображения с прозрачным фоном | Скачать  бесплатно на Lovepik.com">
             <a:extLst>
               <a:ext uri="{FF2B5EF4-FFF2-40B4-BE49-F238E27FC236}">
-                <a16:creationId xmlns:a16="http://schemas.microsoft.com/office/drawing/2014/main" id="{54EAB93D-45C3-44ED-A3D2-2B57094C36D5}"/>
+                <a16:creationId xmlns:a16="http://schemas.microsoft.com/office/drawing/2014/main" id="{92DDE0D6-A38F-109D-1388-5EED1F7D1785}"/>
               </a:ext>
             </a:extLst>
           </p:cNvPr>
@@ -5945,7 +5622,7 @@
         </p:blipFill>
         <p:spPr bwMode="auto">
           <a:xfrm>
-            <a:off x="782189" y="21640"/>
+            <a:off x="743607" y="69868"/>
             <a:ext cx="10253663" cy="6858000"/>
           </a:xfrm>
           <a:prstGeom prst="rect">
@@ -5963,2026 +5640,23 @@
           </a:extLst>
         </p:spPr>
       </p:pic>
-      <p:pic>
-        <p:nvPicPr>
-          <p:cNvPr id="49" name="Рисунок 48">
-            <a:extLst>
-              <a:ext uri="{FF2B5EF4-FFF2-40B4-BE49-F238E27FC236}">
-                <a16:creationId xmlns:a16="http://schemas.microsoft.com/office/drawing/2014/main" id="{BF3F1CA9-26CD-4A00-88E8-C52CAFF60502}"/>
-              </a:ext>
-            </a:extLst>
-          </p:cNvPr>
-          <p:cNvPicPr>
-            <a:picLocks noChangeAspect="1"/>
-          </p:cNvPicPr>
-          <p:nvPr/>
-        </p:nvPicPr>
-        <p:blipFill>
-          <a:blip r:embed="rId2">
-            <a:extLst>
-              <a:ext uri="{BEBA8EAE-BF5A-486C-A8C5-ECC9F3942E4B}">
-                <a14:imgProps xmlns:a14="http://schemas.microsoft.com/office/drawing/2010/main">
-                  <a14:imgLayer r:embed="rId3">
-                    <a14:imgEffect>
-                      <a14:backgroundRemoval t="10000" b="90000" l="10000" r="90000"/>
-                    </a14:imgEffect>
-                  </a14:imgLayer>
-                </a14:imgProps>
-              </a:ext>
-            </a:extLst>
-          </a:blip>
-          <a:stretch>
-            <a:fillRect/>
-          </a:stretch>
-        </p:blipFill>
-        <p:spPr>
-          <a:xfrm rot="3347866">
-            <a:off x="4011829" y="1254176"/>
-            <a:ext cx="629015" cy="629015"/>
-          </a:xfrm>
-          <a:prstGeom prst="rect">
-            <a:avLst/>
-          </a:prstGeom>
-        </p:spPr>
-      </p:pic>
-      <p:pic>
-        <p:nvPicPr>
-          <p:cNvPr id="30" name="Рисунок 29">
-            <a:extLst>
-              <a:ext uri="{FF2B5EF4-FFF2-40B4-BE49-F238E27FC236}">
-                <a16:creationId xmlns:a16="http://schemas.microsoft.com/office/drawing/2014/main" id="{CF0A00D4-0124-424E-A428-D2061D9DA5D5}"/>
-              </a:ext>
-            </a:extLst>
-          </p:cNvPr>
-          <p:cNvPicPr>
-            <a:picLocks noChangeAspect="1"/>
-          </p:cNvPicPr>
-          <p:nvPr/>
-        </p:nvPicPr>
-        <p:blipFill>
-          <a:blip r:embed="rId2">
-            <a:extLst>
-              <a:ext uri="{BEBA8EAE-BF5A-486C-A8C5-ECC9F3942E4B}">
-                <a14:imgProps xmlns:a14="http://schemas.microsoft.com/office/drawing/2010/main">
-                  <a14:imgLayer r:embed="rId3">
-                    <a14:imgEffect>
-                      <a14:backgroundRemoval t="10000" b="90000" l="10000" r="90000"/>
-                    </a14:imgEffect>
-                  </a14:imgLayer>
-                </a14:imgProps>
-              </a:ext>
-            </a:extLst>
-          </a:blip>
-          <a:stretch>
-            <a:fillRect/>
-          </a:stretch>
-        </p:blipFill>
-        <p:spPr>
-          <a:xfrm rot="4409753">
-            <a:off x="4197845" y="1550208"/>
-            <a:ext cx="629015" cy="629015"/>
-          </a:xfrm>
-          <a:prstGeom prst="rect">
-            <a:avLst/>
-          </a:prstGeom>
-        </p:spPr>
-      </p:pic>
-      <p:pic>
-        <p:nvPicPr>
-          <p:cNvPr id="50" name="Рисунок 49">
-            <a:extLst>
-              <a:ext uri="{FF2B5EF4-FFF2-40B4-BE49-F238E27FC236}">
-                <a16:creationId xmlns:a16="http://schemas.microsoft.com/office/drawing/2014/main" id="{E0A96B5C-F1CB-4D61-99E5-8F10C126B500}"/>
-              </a:ext>
-            </a:extLst>
-          </p:cNvPr>
-          <p:cNvPicPr>
-            <a:picLocks noChangeAspect="1"/>
-          </p:cNvPicPr>
-          <p:nvPr/>
-        </p:nvPicPr>
-        <p:blipFill>
-          <a:blip r:embed="rId2">
-            <a:extLst>
-              <a:ext uri="{BEBA8EAE-BF5A-486C-A8C5-ECC9F3942E4B}">
-                <a14:imgProps xmlns:a14="http://schemas.microsoft.com/office/drawing/2010/main">
-                  <a14:imgLayer r:embed="rId3">
-                    <a14:imgEffect>
-                      <a14:backgroundRemoval t="10000" b="90000" l="10000" r="90000"/>
-                    </a14:imgEffect>
-                  </a14:imgLayer>
-                </a14:imgProps>
-              </a:ext>
-            </a:extLst>
-          </a:blip>
-          <a:stretch>
-            <a:fillRect/>
-          </a:stretch>
-        </p:blipFill>
-        <p:spPr>
-          <a:xfrm rot="16751390">
-            <a:off x="2176953" y="695561"/>
-            <a:ext cx="629015" cy="629015"/>
-          </a:xfrm>
-          <a:prstGeom prst="rect">
-            <a:avLst/>
-          </a:prstGeom>
-        </p:spPr>
-      </p:pic>
-      <p:pic>
-        <p:nvPicPr>
-          <p:cNvPr id="4" name="Рисунок 3">
-            <a:extLst>
-              <a:ext uri="{FF2B5EF4-FFF2-40B4-BE49-F238E27FC236}">
-                <a16:creationId xmlns:a16="http://schemas.microsoft.com/office/drawing/2014/main" id="{BF52D68A-1309-457A-BFAD-812067AEFA5C}"/>
-              </a:ext>
-            </a:extLst>
-          </p:cNvPr>
-          <p:cNvPicPr>
-            <a:picLocks noChangeAspect="1"/>
-          </p:cNvPicPr>
-          <p:nvPr/>
-        </p:nvPicPr>
-        <p:blipFill>
-          <a:blip r:embed="rId2">
-            <a:extLst>
-              <a:ext uri="{BEBA8EAE-BF5A-486C-A8C5-ECC9F3942E4B}">
-                <a14:imgProps xmlns:a14="http://schemas.microsoft.com/office/drawing/2010/main">
-                  <a14:imgLayer r:embed="rId3">
-                    <a14:imgEffect>
-                      <a14:backgroundRemoval t="10000" b="90000" l="10000" r="90000"/>
-                    </a14:imgEffect>
-                  </a14:imgLayer>
-                </a14:imgProps>
-              </a:ext>
-            </a:extLst>
-          </a:blip>
-          <a:stretch>
-            <a:fillRect/>
-          </a:stretch>
-        </p:blipFill>
-        <p:spPr>
-          <a:xfrm>
-            <a:off x="5129787" y="4847137"/>
-            <a:ext cx="629015" cy="629015"/>
-          </a:xfrm>
-          <a:prstGeom prst="rect">
-            <a:avLst/>
-          </a:prstGeom>
-        </p:spPr>
-      </p:pic>
-      <p:pic>
-        <p:nvPicPr>
-          <p:cNvPr id="5" name="Рисунок 4">
-            <a:extLst>
-              <a:ext uri="{FF2B5EF4-FFF2-40B4-BE49-F238E27FC236}">
-                <a16:creationId xmlns:a16="http://schemas.microsoft.com/office/drawing/2014/main" id="{301F563D-DF1D-4253-A402-AF798FF55B2C}"/>
-              </a:ext>
-            </a:extLst>
-          </p:cNvPr>
-          <p:cNvPicPr>
-            <a:picLocks noChangeAspect="1"/>
-          </p:cNvPicPr>
-          <p:nvPr/>
-        </p:nvPicPr>
-        <p:blipFill>
-          <a:blip r:embed="rId2">
-            <a:extLst>
-              <a:ext uri="{BEBA8EAE-BF5A-486C-A8C5-ECC9F3942E4B}">
-                <a14:imgProps xmlns:a14="http://schemas.microsoft.com/office/drawing/2010/main">
-                  <a14:imgLayer r:embed="rId3">
-                    <a14:imgEffect>
-                      <a14:backgroundRemoval t="10000" b="90000" l="10000" r="90000"/>
-                    </a14:imgEffect>
-                  </a14:imgLayer>
-                </a14:imgProps>
-              </a:ext>
-            </a:extLst>
-          </a:blip>
-          <a:stretch>
-            <a:fillRect/>
-          </a:stretch>
-        </p:blipFill>
-        <p:spPr>
-          <a:xfrm rot="19478952">
-            <a:off x="4150253" y="4640542"/>
-            <a:ext cx="629015" cy="629015"/>
-          </a:xfrm>
-          <a:prstGeom prst="rect">
-            <a:avLst/>
-          </a:prstGeom>
-        </p:spPr>
-      </p:pic>
-      <p:pic>
-        <p:nvPicPr>
-          <p:cNvPr id="6" name="Рисунок 5">
-            <a:extLst>
-              <a:ext uri="{FF2B5EF4-FFF2-40B4-BE49-F238E27FC236}">
-                <a16:creationId xmlns:a16="http://schemas.microsoft.com/office/drawing/2014/main" id="{6B0380E0-170E-4FC6-BD94-0B6745FBB18D}"/>
-              </a:ext>
-            </a:extLst>
-          </p:cNvPr>
-          <p:cNvPicPr>
-            <a:picLocks noChangeAspect="1"/>
-          </p:cNvPicPr>
-          <p:nvPr/>
-        </p:nvPicPr>
-        <p:blipFill>
-          <a:blip r:embed="rId2">
-            <a:extLst>
-              <a:ext uri="{BEBA8EAE-BF5A-486C-A8C5-ECC9F3942E4B}">
-                <a14:imgProps xmlns:a14="http://schemas.microsoft.com/office/drawing/2010/main">
-                  <a14:imgLayer r:embed="rId3">
-                    <a14:imgEffect>
-                      <a14:backgroundRemoval t="10000" b="90000" l="10000" r="90000"/>
-                    </a14:imgEffect>
-                  </a14:imgLayer>
-                </a14:imgProps>
-              </a:ext>
-            </a:extLst>
-          </a:blip>
-          <a:stretch>
-            <a:fillRect/>
-          </a:stretch>
-        </p:blipFill>
-        <p:spPr>
-          <a:xfrm rot="6209753">
-            <a:off x="7040825" y="2747694"/>
-            <a:ext cx="629015" cy="629015"/>
-          </a:xfrm>
-          <a:prstGeom prst="rect">
-            <a:avLst/>
-          </a:prstGeom>
-        </p:spPr>
-      </p:pic>
-      <p:pic>
-        <p:nvPicPr>
-          <p:cNvPr id="7" name="Рисунок 6">
-            <a:extLst>
-              <a:ext uri="{FF2B5EF4-FFF2-40B4-BE49-F238E27FC236}">
-                <a16:creationId xmlns:a16="http://schemas.microsoft.com/office/drawing/2014/main" id="{55EFB671-D7C2-4AA7-A6F7-53D2670AAEED}"/>
-              </a:ext>
-            </a:extLst>
-          </p:cNvPr>
-          <p:cNvPicPr>
-            <a:picLocks noChangeAspect="1"/>
-          </p:cNvPicPr>
-          <p:nvPr/>
-        </p:nvPicPr>
-        <p:blipFill>
-          <a:blip r:embed="rId2">
-            <a:extLst>
-              <a:ext uri="{BEBA8EAE-BF5A-486C-A8C5-ECC9F3942E4B}">
-                <a14:imgProps xmlns:a14="http://schemas.microsoft.com/office/drawing/2010/main">
-                  <a14:imgLayer r:embed="rId3">
-                    <a14:imgEffect>
-                      <a14:backgroundRemoval t="10000" b="90000" l="10000" r="90000"/>
-                    </a14:imgEffect>
-                  </a14:imgLayer>
-                </a14:imgProps>
-              </a:ext>
-            </a:extLst>
-          </a:blip>
-          <a:stretch>
-            <a:fillRect/>
-          </a:stretch>
-        </p:blipFill>
-        <p:spPr>
-          <a:xfrm rot="1965398">
-            <a:off x="7125739" y="3565544"/>
-            <a:ext cx="629015" cy="629015"/>
-          </a:xfrm>
-          <a:prstGeom prst="rect">
-            <a:avLst/>
-          </a:prstGeom>
-        </p:spPr>
-      </p:pic>
-      <p:pic>
-        <p:nvPicPr>
-          <p:cNvPr id="8" name="Рисунок 7">
-            <a:extLst>
-              <a:ext uri="{FF2B5EF4-FFF2-40B4-BE49-F238E27FC236}">
-                <a16:creationId xmlns:a16="http://schemas.microsoft.com/office/drawing/2014/main" id="{B8288560-28E2-4C7B-878C-0B0D41E9EAC0}"/>
-              </a:ext>
-            </a:extLst>
-          </p:cNvPr>
-          <p:cNvPicPr>
-            <a:picLocks noChangeAspect="1"/>
-          </p:cNvPicPr>
-          <p:nvPr/>
-        </p:nvPicPr>
-        <p:blipFill>
-          <a:blip r:embed="rId2">
-            <a:extLst>
-              <a:ext uri="{BEBA8EAE-BF5A-486C-A8C5-ECC9F3942E4B}">
-                <a14:imgProps xmlns:a14="http://schemas.microsoft.com/office/drawing/2010/main">
-                  <a14:imgLayer r:embed="rId3">
-                    <a14:imgEffect>
-                      <a14:backgroundRemoval t="10000" b="90000" l="10000" r="90000"/>
-                    </a14:imgEffect>
-                  </a14:imgLayer>
-                </a14:imgProps>
-              </a:ext>
-            </a:extLst>
-          </a:blip>
-          <a:stretch>
-            <a:fillRect/>
-          </a:stretch>
-        </p:blipFill>
-        <p:spPr>
-          <a:xfrm rot="19613277">
-            <a:off x="5205949" y="2189079"/>
-            <a:ext cx="629015" cy="629015"/>
-          </a:xfrm>
-          <a:prstGeom prst="rect">
-            <a:avLst/>
-          </a:prstGeom>
-        </p:spPr>
-      </p:pic>
-      <p:pic>
-        <p:nvPicPr>
-          <p:cNvPr id="9" name="Рисунок 8">
-            <a:extLst>
-              <a:ext uri="{FF2B5EF4-FFF2-40B4-BE49-F238E27FC236}">
-                <a16:creationId xmlns:a16="http://schemas.microsoft.com/office/drawing/2014/main" id="{3A36F9C7-5F9D-4BA6-AAB9-C642F6886650}"/>
-              </a:ext>
-            </a:extLst>
-          </p:cNvPr>
-          <p:cNvPicPr>
-            <a:picLocks noChangeAspect="1"/>
-          </p:cNvPicPr>
-          <p:nvPr/>
-        </p:nvPicPr>
-        <p:blipFill>
-          <a:blip r:embed="rId2">
-            <a:extLst>
-              <a:ext uri="{BEBA8EAE-BF5A-486C-A8C5-ECC9F3942E4B}">
-                <a14:imgProps xmlns:a14="http://schemas.microsoft.com/office/drawing/2010/main">
-                  <a14:imgLayer r:embed="rId3">
-                    <a14:imgEffect>
-                      <a14:backgroundRemoval t="10000" b="90000" l="10000" r="90000"/>
-                    </a14:imgEffect>
-                  </a14:imgLayer>
-                </a14:imgProps>
-              </a:ext>
-            </a:extLst>
-          </a:blip>
-          <a:stretch>
-            <a:fillRect/>
-          </a:stretch>
-        </p:blipFill>
-        <p:spPr>
-          <a:xfrm rot="3526715">
-            <a:off x="8479817" y="2433186"/>
-            <a:ext cx="629015" cy="629015"/>
-          </a:xfrm>
-          <a:prstGeom prst="rect">
-            <a:avLst/>
-          </a:prstGeom>
-        </p:spPr>
-      </p:pic>
-      <p:pic>
-        <p:nvPicPr>
-          <p:cNvPr id="10" name="Рисунок 9">
-            <a:extLst>
-              <a:ext uri="{FF2B5EF4-FFF2-40B4-BE49-F238E27FC236}">
-                <a16:creationId xmlns:a16="http://schemas.microsoft.com/office/drawing/2014/main" id="{A5CADE92-3B6C-4E85-A8EE-15045178F3A6}"/>
-              </a:ext>
-            </a:extLst>
-          </p:cNvPr>
-          <p:cNvPicPr>
-            <a:picLocks noChangeAspect="1"/>
-          </p:cNvPicPr>
-          <p:nvPr/>
-        </p:nvPicPr>
-        <p:blipFill>
-          <a:blip r:embed="rId2">
-            <a:extLst>
-              <a:ext uri="{BEBA8EAE-BF5A-486C-A8C5-ECC9F3942E4B}">
-                <a14:imgProps xmlns:a14="http://schemas.microsoft.com/office/drawing/2010/main">
-                  <a14:imgLayer r:embed="rId3">
-                    <a14:imgEffect>
-                      <a14:backgroundRemoval t="10000" b="90000" l="10000" r="90000"/>
-                    </a14:imgEffect>
-                  </a14:imgLayer>
-                </a14:imgProps>
-              </a:ext>
-            </a:extLst>
-          </a:blip>
-          <a:stretch>
-            <a:fillRect/>
-          </a:stretch>
-        </p:blipFill>
-        <p:spPr>
-          <a:xfrm>
-            <a:off x="4391067" y="1827301"/>
-            <a:ext cx="877674" cy="877674"/>
-          </a:xfrm>
-          <a:prstGeom prst="rect">
-            <a:avLst/>
-          </a:prstGeom>
-        </p:spPr>
-      </p:pic>
-      <p:pic>
-        <p:nvPicPr>
-          <p:cNvPr id="11" name="Рисунок 10">
-            <a:extLst>
-              <a:ext uri="{FF2B5EF4-FFF2-40B4-BE49-F238E27FC236}">
-                <a16:creationId xmlns:a16="http://schemas.microsoft.com/office/drawing/2014/main" id="{9CAE16C6-7F22-4E5B-BAAE-871F6D00CCBC}"/>
-              </a:ext>
-            </a:extLst>
-          </p:cNvPr>
-          <p:cNvPicPr>
-            <a:picLocks noChangeAspect="1"/>
-          </p:cNvPicPr>
-          <p:nvPr/>
-        </p:nvPicPr>
-        <p:blipFill>
-          <a:blip r:embed="rId2">
-            <a:extLst>
-              <a:ext uri="{BEBA8EAE-BF5A-486C-A8C5-ECC9F3942E4B}">
-                <a14:imgProps xmlns:a14="http://schemas.microsoft.com/office/drawing/2010/main">
-                  <a14:imgLayer r:embed="rId3">
-                    <a14:imgEffect>
-                      <a14:backgroundRemoval t="10000" b="90000" l="10000" r="90000"/>
-                    </a14:imgEffect>
-                  </a14:imgLayer>
-                </a14:imgProps>
-              </a:ext>
-            </a:extLst>
-          </a:blip>
-          <a:stretch>
-            <a:fillRect/>
-          </a:stretch>
-        </p:blipFill>
-        <p:spPr>
-          <a:xfrm rot="19478952">
-            <a:off x="3489392" y="2105081"/>
-            <a:ext cx="877674" cy="877674"/>
-          </a:xfrm>
-          <a:prstGeom prst="rect">
-            <a:avLst/>
-          </a:prstGeom>
-        </p:spPr>
-      </p:pic>
-      <p:pic>
-        <p:nvPicPr>
-          <p:cNvPr id="13" name="Рисунок 12">
-            <a:extLst>
-              <a:ext uri="{FF2B5EF4-FFF2-40B4-BE49-F238E27FC236}">
-                <a16:creationId xmlns:a16="http://schemas.microsoft.com/office/drawing/2014/main" id="{62069250-EDCF-467C-8F5A-1965DBA9B6D4}"/>
-              </a:ext>
-            </a:extLst>
-          </p:cNvPr>
-          <p:cNvPicPr>
-            <a:picLocks noChangeAspect="1"/>
-          </p:cNvPicPr>
-          <p:nvPr/>
-        </p:nvPicPr>
-        <p:blipFill>
-          <a:blip r:embed="rId2">
-            <a:extLst>
-              <a:ext uri="{BEBA8EAE-BF5A-486C-A8C5-ECC9F3942E4B}">
-                <a14:imgProps xmlns:a14="http://schemas.microsoft.com/office/drawing/2010/main">
-                  <a14:imgLayer r:embed="rId3">
-                    <a14:imgEffect>
-                      <a14:backgroundRemoval t="10000" b="90000" l="10000" r="90000"/>
-                    </a14:imgEffect>
-                  </a14:imgLayer>
-                </a14:imgProps>
-              </a:ext>
-            </a:extLst>
-          </a:blip>
-          <a:stretch>
-            <a:fillRect/>
-          </a:stretch>
-        </p:blipFill>
-        <p:spPr>
-          <a:xfrm rot="1965398">
-            <a:off x="6001306" y="2034499"/>
-            <a:ext cx="877674" cy="877674"/>
-          </a:xfrm>
-          <a:prstGeom prst="rect">
-            <a:avLst/>
-          </a:prstGeom>
-        </p:spPr>
-      </p:pic>
-      <p:pic>
-        <p:nvPicPr>
-          <p:cNvPr id="14" name="Рисунок 13">
-            <a:extLst>
-              <a:ext uri="{FF2B5EF4-FFF2-40B4-BE49-F238E27FC236}">
-                <a16:creationId xmlns:a16="http://schemas.microsoft.com/office/drawing/2014/main" id="{6AC4185A-538C-434D-B299-39F3775EFC4D}"/>
-              </a:ext>
-            </a:extLst>
-          </p:cNvPr>
-          <p:cNvPicPr>
-            <a:picLocks noChangeAspect="1"/>
-          </p:cNvPicPr>
-          <p:nvPr/>
-        </p:nvPicPr>
-        <p:blipFill>
-          <a:blip r:embed="rId2">
-            <a:extLst>
-              <a:ext uri="{BEBA8EAE-BF5A-486C-A8C5-ECC9F3942E4B}">
-                <a14:imgProps xmlns:a14="http://schemas.microsoft.com/office/drawing/2010/main">
-                  <a14:imgLayer r:embed="rId3">
-                    <a14:imgEffect>
-                      <a14:backgroundRemoval t="10000" b="90000" l="10000" r="90000"/>
-                    </a14:imgEffect>
-                  </a14:imgLayer>
-                </a14:imgProps>
-              </a:ext>
-            </a:extLst>
-          </a:blip>
-          <a:stretch>
-            <a:fillRect/>
-          </a:stretch>
-        </p:blipFill>
-        <p:spPr>
-          <a:xfrm rot="19613277">
-            <a:off x="5915241" y="3340399"/>
-            <a:ext cx="877674" cy="877674"/>
-          </a:xfrm>
-          <a:prstGeom prst="rect">
-            <a:avLst/>
-          </a:prstGeom>
-        </p:spPr>
-      </p:pic>
-      <p:pic>
-        <p:nvPicPr>
-          <p:cNvPr id="16" name="Рисунок 15">
-            <a:extLst>
-              <a:ext uri="{FF2B5EF4-FFF2-40B4-BE49-F238E27FC236}">
-                <a16:creationId xmlns:a16="http://schemas.microsoft.com/office/drawing/2014/main" id="{3FBD16C1-7771-4ACC-AE5C-6FF1AA93AAF5}"/>
-              </a:ext>
-            </a:extLst>
-          </p:cNvPr>
-          <p:cNvPicPr>
-            <a:picLocks noChangeAspect="1"/>
-          </p:cNvPicPr>
-          <p:nvPr/>
-        </p:nvPicPr>
-        <p:blipFill>
-          <a:blip r:embed="rId2">
-            <a:extLst>
-              <a:ext uri="{BEBA8EAE-BF5A-486C-A8C5-ECC9F3942E4B}">
-                <a14:imgProps xmlns:a14="http://schemas.microsoft.com/office/drawing/2010/main">
-                  <a14:imgLayer r:embed="rId3">
-                    <a14:imgEffect>
-                      <a14:backgroundRemoval t="10000" b="90000" l="10000" r="90000"/>
-                    </a14:imgEffect>
-                  </a14:imgLayer>
-                </a14:imgProps>
-              </a:ext>
-            </a:extLst>
-          </a:blip>
-          <a:stretch>
-            <a:fillRect/>
-          </a:stretch>
-        </p:blipFill>
-        <p:spPr>
-          <a:xfrm rot="18900000">
-            <a:off x="7774031" y="3597788"/>
-            <a:ext cx="629015" cy="629015"/>
-          </a:xfrm>
-          <a:prstGeom prst="rect">
-            <a:avLst/>
-          </a:prstGeom>
-        </p:spPr>
-      </p:pic>
-      <p:pic>
-        <p:nvPicPr>
-          <p:cNvPr id="17" name="Рисунок 16">
-            <a:extLst>
-              <a:ext uri="{FF2B5EF4-FFF2-40B4-BE49-F238E27FC236}">
-                <a16:creationId xmlns:a16="http://schemas.microsoft.com/office/drawing/2014/main" id="{2401375C-1993-46AD-97C2-C4E76232BAFB}"/>
-              </a:ext>
-            </a:extLst>
-          </p:cNvPr>
-          <p:cNvPicPr>
-            <a:picLocks noChangeAspect="1"/>
-          </p:cNvPicPr>
-          <p:nvPr/>
-        </p:nvPicPr>
-        <p:blipFill>
-          <a:blip r:embed="rId2">
-            <a:extLst>
-              <a:ext uri="{BEBA8EAE-BF5A-486C-A8C5-ECC9F3942E4B}">
-                <a14:imgProps xmlns:a14="http://schemas.microsoft.com/office/drawing/2010/main">
-                  <a14:imgLayer r:embed="rId3">
-                    <a14:imgEffect>
-                      <a14:backgroundRemoval t="10000" b="90000" l="10000" r="90000"/>
-                    </a14:imgEffect>
-                  </a14:imgLayer>
-                </a14:imgProps>
-              </a:ext>
-            </a:extLst>
-          </a:blip>
-          <a:stretch>
-            <a:fillRect/>
-          </a:stretch>
-        </p:blipFill>
-        <p:spPr>
-          <a:xfrm rot="16778952">
-            <a:off x="6823344" y="3721768"/>
-            <a:ext cx="629015" cy="629015"/>
-          </a:xfrm>
-          <a:prstGeom prst="rect">
-            <a:avLst/>
-          </a:prstGeom>
-        </p:spPr>
-      </p:pic>
-      <p:pic>
-        <p:nvPicPr>
-          <p:cNvPr id="18" name="Рисунок 17">
-            <a:extLst>
-              <a:ext uri="{FF2B5EF4-FFF2-40B4-BE49-F238E27FC236}">
-                <a16:creationId xmlns:a16="http://schemas.microsoft.com/office/drawing/2014/main" id="{2F09B9F7-1394-47C7-9017-A9AEBC0D0274}"/>
-              </a:ext>
-            </a:extLst>
-          </p:cNvPr>
-          <p:cNvPicPr>
-            <a:picLocks noChangeAspect="1"/>
-          </p:cNvPicPr>
-          <p:nvPr/>
-        </p:nvPicPr>
-        <p:blipFill>
-          <a:blip r:embed="rId2">
-            <a:extLst>
-              <a:ext uri="{BEBA8EAE-BF5A-486C-A8C5-ECC9F3942E4B}">
-                <a14:imgProps xmlns:a14="http://schemas.microsoft.com/office/drawing/2010/main">
-                  <a14:imgLayer r:embed="rId3">
-                    <a14:imgEffect>
-                      <a14:backgroundRemoval t="10000" b="90000" l="10000" r="90000"/>
-                    </a14:imgEffect>
-                  </a14:imgLayer>
-                </a14:imgProps>
-              </a:ext>
-            </a:extLst>
-          </a:blip>
-          <a:stretch>
-            <a:fillRect/>
-          </a:stretch>
-        </p:blipFill>
-        <p:spPr>
-          <a:xfrm rot="3509753">
-            <a:off x="9275948" y="3768502"/>
-            <a:ext cx="629015" cy="629015"/>
-          </a:xfrm>
-          <a:prstGeom prst="rect">
-            <a:avLst/>
-          </a:prstGeom>
-        </p:spPr>
-      </p:pic>
-      <p:pic>
-        <p:nvPicPr>
-          <p:cNvPr id="19" name="Рисунок 18">
-            <a:extLst>
-              <a:ext uri="{FF2B5EF4-FFF2-40B4-BE49-F238E27FC236}">
-                <a16:creationId xmlns:a16="http://schemas.microsoft.com/office/drawing/2014/main" id="{9B934CFB-EF5E-4169-8642-2E8D154F6CCA}"/>
-              </a:ext>
-            </a:extLst>
-          </p:cNvPr>
-          <p:cNvPicPr>
-            <a:picLocks noChangeAspect="1"/>
-          </p:cNvPicPr>
-          <p:nvPr/>
-        </p:nvPicPr>
-        <p:blipFill>
-          <a:blip r:embed="rId2">
-            <a:extLst>
-              <a:ext uri="{BEBA8EAE-BF5A-486C-A8C5-ECC9F3942E4B}">
-                <a14:imgProps xmlns:a14="http://schemas.microsoft.com/office/drawing/2010/main">
-                  <a14:imgLayer r:embed="rId3">
-                    <a14:imgEffect>
-                      <a14:backgroundRemoval t="10000" b="90000" l="10000" r="90000"/>
-                    </a14:imgEffect>
-                  </a14:imgLayer>
-                </a14:imgProps>
-              </a:ext>
-            </a:extLst>
-          </a:blip>
-          <a:stretch>
-            <a:fillRect/>
-          </a:stretch>
-        </p:blipFill>
-        <p:spPr>
-          <a:xfrm rot="20865398">
-            <a:off x="9360862" y="4586352"/>
-            <a:ext cx="629015" cy="629015"/>
-          </a:xfrm>
-          <a:prstGeom prst="rect">
-            <a:avLst/>
-          </a:prstGeom>
-        </p:spPr>
-      </p:pic>
-      <p:pic>
-        <p:nvPicPr>
-          <p:cNvPr id="20" name="Рисунок 19">
-            <a:extLst>
-              <a:ext uri="{FF2B5EF4-FFF2-40B4-BE49-F238E27FC236}">
-                <a16:creationId xmlns:a16="http://schemas.microsoft.com/office/drawing/2014/main" id="{DABC7A28-BE41-4987-BF80-651F4F468504}"/>
-              </a:ext>
-            </a:extLst>
-          </p:cNvPr>
-          <p:cNvPicPr>
-            <a:picLocks noChangeAspect="1"/>
-          </p:cNvPicPr>
-          <p:nvPr/>
-        </p:nvPicPr>
-        <p:blipFill>
-          <a:blip r:embed="rId2">
-            <a:extLst>
-              <a:ext uri="{BEBA8EAE-BF5A-486C-A8C5-ECC9F3942E4B}">
-                <a14:imgProps xmlns:a14="http://schemas.microsoft.com/office/drawing/2010/main">
-                  <a14:imgLayer r:embed="rId3">
-                    <a14:imgEffect>
-                      <a14:backgroundRemoval t="10000" b="90000" l="10000" r="90000"/>
-                    </a14:imgEffect>
-                  </a14:imgLayer>
-                </a14:imgProps>
-              </a:ext>
-            </a:extLst>
-          </a:blip>
-          <a:stretch>
-            <a:fillRect/>
-          </a:stretch>
-        </p:blipFill>
-        <p:spPr>
-          <a:xfrm rot="16913277">
-            <a:off x="7416980" y="2341479"/>
-            <a:ext cx="629015" cy="629015"/>
-          </a:xfrm>
-          <a:prstGeom prst="rect">
-            <a:avLst/>
-          </a:prstGeom>
-        </p:spPr>
-      </p:pic>
-      <p:pic>
-        <p:nvPicPr>
-          <p:cNvPr id="21" name="Рисунок 20">
-            <a:extLst>
-              <a:ext uri="{FF2B5EF4-FFF2-40B4-BE49-F238E27FC236}">
-                <a16:creationId xmlns:a16="http://schemas.microsoft.com/office/drawing/2014/main" id="{6A1381BF-F1E2-41CE-A8DC-9CFA30962E8E}"/>
-              </a:ext>
-            </a:extLst>
-          </p:cNvPr>
-          <p:cNvPicPr>
-            <a:picLocks noChangeAspect="1"/>
-          </p:cNvPicPr>
-          <p:nvPr/>
-        </p:nvPicPr>
-        <p:blipFill>
-          <a:blip r:embed="rId2">
-            <a:extLst>
-              <a:ext uri="{BEBA8EAE-BF5A-486C-A8C5-ECC9F3942E4B}">
-                <a14:imgProps xmlns:a14="http://schemas.microsoft.com/office/drawing/2010/main">
-                  <a14:imgLayer r:embed="rId3">
-                    <a14:imgEffect>
-                      <a14:backgroundRemoval t="10000" b="90000" l="10000" r="90000"/>
-                    </a14:imgEffect>
-                  </a14:imgLayer>
-                </a14:imgProps>
-              </a:ext>
-            </a:extLst>
-          </a:blip>
-          <a:stretch>
-            <a:fillRect/>
-          </a:stretch>
-        </p:blipFill>
-        <p:spPr>
-          <a:xfrm rot="826715">
-            <a:off x="10714940" y="3453994"/>
-            <a:ext cx="629015" cy="629015"/>
-          </a:xfrm>
-          <a:prstGeom prst="rect">
-            <a:avLst/>
-          </a:prstGeom>
-        </p:spPr>
-      </p:pic>
-      <p:pic>
-        <p:nvPicPr>
-          <p:cNvPr id="24" name="Рисунок 23">
-            <a:extLst>
-              <a:ext uri="{FF2B5EF4-FFF2-40B4-BE49-F238E27FC236}">
-                <a16:creationId xmlns:a16="http://schemas.microsoft.com/office/drawing/2014/main" id="{FF7367C4-9474-4115-B3A8-05E4CB69F779}"/>
-              </a:ext>
-            </a:extLst>
-          </p:cNvPr>
-          <p:cNvPicPr>
-            <a:picLocks noChangeAspect="1"/>
-          </p:cNvPicPr>
-          <p:nvPr/>
-        </p:nvPicPr>
-        <p:blipFill>
-          <a:blip r:embed="rId2">
-            <a:extLst>
-              <a:ext uri="{BEBA8EAE-BF5A-486C-A8C5-ECC9F3942E4B}">
-                <a14:imgProps xmlns:a14="http://schemas.microsoft.com/office/drawing/2010/main">
-                  <a14:imgLayer r:embed="rId3">
-                    <a14:imgEffect>
-                      <a14:backgroundRemoval t="10000" b="90000" l="10000" r="90000"/>
-                    </a14:imgEffect>
-                  </a14:imgLayer>
-                </a14:imgProps>
-              </a:ext>
-            </a:extLst>
-          </a:blip>
-          <a:stretch>
-            <a:fillRect/>
-          </a:stretch>
-        </p:blipFill>
-        <p:spPr>
-          <a:xfrm rot="3347866">
-            <a:off x="3636213" y="2900094"/>
-            <a:ext cx="629015" cy="629015"/>
-          </a:xfrm>
-          <a:prstGeom prst="rect">
-            <a:avLst/>
-          </a:prstGeom>
-        </p:spPr>
-      </p:pic>
-      <p:pic>
-        <p:nvPicPr>
-          <p:cNvPr id="22" name="Рисунок 21">
-            <a:extLst>
-              <a:ext uri="{FF2B5EF4-FFF2-40B4-BE49-F238E27FC236}">
-                <a16:creationId xmlns:a16="http://schemas.microsoft.com/office/drawing/2014/main" id="{3B13A895-6050-4931-A9A5-586109059BDE}"/>
-              </a:ext>
-            </a:extLst>
-          </p:cNvPr>
-          <p:cNvPicPr>
-            <a:picLocks noChangeAspect="1"/>
-          </p:cNvPicPr>
-          <p:nvPr/>
-        </p:nvPicPr>
-        <p:blipFill>
-          <a:blip r:embed="rId2">
-            <a:extLst>
-              <a:ext uri="{BEBA8EAE-BF5A-486C-A8C5-ECC9F3942E4B}">
-                <a14:imgProps xmlns:a14="http://schemas.microsoft.com/office/drawing/2010/main">
-                  <a14:imgLayer r:embed="rId3">
-                    <a14:imgEffect>
-                      <a14:backgroundRemoval t="10000" b="90000" l="10000" r="90000"/>
-                    </a14:imgEffect>
-                  </a14:imgLayer>
-                </a14:imgProps>
-              </a:ext>
-            </a:extLst>
-          </a:blip>
-          <a:stretch>
-            <a:fillRect/>
-          </a:stretch>
-        </p:blipFill>
-        <p:spPr>
-          <a:xfrm rot="18738113">
-            <a:off x="2158388" y="3597788"/>
-            <a:ext cx="629015" cy="629015"/>
-          </a:xfrm>
-          <a:prstGeom prst="rect">
-            <a:avLst/>
-          </a:prstGeom>
-        </p:spPr>
-      </p:pic>
-      <p:pic>
-        <p:nvPicPr>
-          <p:cNvPr id="23" name="Рисунок 22">
-            <a:extLst>
-              <a:ext uri="{FF2B5EF4-FFF2-40B4-BE49-F238E27FC236}">
-                <a16:creationId xmlns:a16="http://schemas.microsoft.com/office/drawing/2014/main" id="{803B39DB-9CD9-4728-AAC3-80249F32C47B}"/>
-              </a:ext>
-            </a:extLst>
-          </p:cNvPr>
-          <p:cNvPicPr>
-            <a:picLocks noChangeAspect="1"/>
-          </p:cNvPicPr>
-          <p:nvPr/>
-        </p:nvPicPr>
-        <p:blipFill>
-          <a:blip r:embed="rId2">
-            <a:extLst>
-              <a:ext uri="{BEBA8EAE-BF5A-486C-A8C5-ECC9F3942E4B}">
-                <a14:imgProps xmlns:a14="http://schemas.microsoft.com/office/drawing/2010/main">
-                  <a14:imgLayer r:embed="rId3">
-                    <a14:imgEffect>
-                      <a14:backgroundRemoval t="10000" b="90000" l="10000" r="90000"/>
-                    </a14:imgEffect>
-                  </a14:imgLayer>
-                </a14:imgProps>
-              </a:ext>
-            </a:extLst>
-          </a:blip>
-          <a:stretch>
-            <a:fillRect/>
-          </a:stretch>
-        </p:blipFill>
-        <p:spPr>
-          <a:xfrm rot="16617065">
-            <a:off x="1207701" y="3721768"/>
-            <a:ext cx="629015" cy="629015"/>
-          </a:xfrm>
-          <a:prstGeom prst="rect">
-            <a:avLst/>
-          </a:prstGeom>
-        </p:spPr>
-      </p:pic>
-      <p:pic>
-        <p:nvPicPr>
-          <p:cNvPr id="25" name="Рисунок 24">
-            <a:extLst>
-              <a:ext uri="{FF2B5EF4-FFF2-40B4-BE49-F238E27FC236}">
-                <a16:creationId xmlns:a16="http://schemas.microsoft.com/office/drawing/2014/main" id="{8FE7A64B-CF66-453C-AF2B-F913BD8EB2BB}"/>
-              </a:ext>
-            </a:extLst>
-          </p:cNvPr>
-          <p:cNvPicPr>
-            <a:picLocks noChangeAspect="1"/>
-          </p:cNvPicPr>
-          <p:nvPr/>
-        </p:nvPicPr>
-        <p:blipFill>
-          <a:blip r:embed="rId2">
-            <a:extLst>
-              <a:ext uri="{BEBA8EAE-BF5A-486C-A8C5-ECC9F3942E4B}">
-                <a14:imgProps xmlns:a14="http://schemas.microsoft.com/office/drawing/2010/main">
-                  <a14:imgLayer r:embed="rId3">
-                    <a14:imgEffect>
-                      <a14:backgroundRemoval t="10000" b="90000" l="10000" r="90000"/>
-                    </a14:imgEffect>
-                  </a14:imgLayer>
-                </a14:imgProps>
-              </a:ext>
-            </a:extLst>
-          </a:blip>
-          <a:stretch>
-            <a:fillRect/>
-          </a:stretch>
-        </p:blipFill>
-        <p:spPr>
-          <a:xfrm rot="20703511">
-            <a:off x="2734015" y="4917594"/>
-            <a:ext cx="629015" cy="629015"/>
-          </a:xfrm>
-          <a:prstGeom prst="rect">
-            <a:avLst/>
-          </a:prstGeom>
-        </p:spPr>
-      </p:pic>
-      <p:pic>
-        <p:nvPicPr>
-          <p:cNvPr id="26" name="Рисунок 25">
-            <a:extLst>
-              <a:ext uri="{FF2B5EF4-FFF2-40B4-BE49-F238E27FC236}">
-                <a16:creationId xmlns:a16="http://schemas.microsoft.com/office/drawing/2014/main" id="{86CC4F35-9BB8-42B5-9829-F699D5CB96A0}"/>
-              </a:ext>
-            </a:extLst>
-          </p:cNvPr>
-          <p:cNvPicPr>
-            <a:picLocks noChangeAspect="1"/>
-          </p:cNvPicPr>
-          <p:nvPr/>
-        </p:nvPicPr>
-        <p:blipFill>
-          <a:blip r:embed="rId2">
-            <a:extLst>
-              <a:ext uri="{BEBA8EAE-BF5A-486C-A8C5-ECC9F3942E4B}">
-                <a14:imgProps xmlns:a14="http://schemas.microsoft.com/office/drawing/2010/main">
-                  <a14:imgLayer r:embed="rId3">
-                    <a14:imgEffect>
-                      <a14:backgroundRemoval t="10000" b="90000" l="10000" r="90000"/>
-                    </a14:imgEffect>
-                  </a14:imgLayer>
-                </a14:imgProps>
-              </a:ext>
-            </a:extLst>
-          </a:blip>
-          <a:stretch>
-            <a:fillRect/>
-          </a:stretch>
-        </p:blipFill>
-        <p:spPr>
-          <a:xfrm rot="16751390">
-            <a:off x="1801337" y="2341479"/>
-            <a:ext cx="629015" cy="629015"/>
-          </a:xfrm>
-          <a:prstGeom prst="rect">
-            <a:avLst/>
-          </a:prstGeom>
-        </p:spPr>
-      </p:pic>
-      <p:pic>
-        <p:nvPicPr>
-          <p:cNvPr id="27" name="Рисунок 26">
-            <a:extLst>
-              <a:ext uri="{FF2B5EF4-FFF2-40B4-BE49-F238E27FC236}">
-                <a16:creationId xmlns:a16="http://schemas.microsoft.com/office/drawing/2014/main" id="{D4D131A6-39D8-4E66-A30D-8B5522567ED0}"/>
-              </a:ext>
-            </a:extLst>
-          </p:cNvPr>
-          <p:cNvPicPr>
-            <a:picLocks noChangeAspect="1"/>
-          </p:cNvPicPr>
-          <p:nvPr/>
-        </p:nvPicPr>
-        <p:blipFill>
-          <a:blip r:embed="rId2">
-            <a:extLst>
-              <a:ext uri="{BEBA8EAE-BF5A-486C-A8C5-ECC9F3942E4B}">
-                <a14:imgProps xmlns:a14="http://schemas.microsoft.com/office/drawing/2010/main">
-                  <a14:imgLayer r:embed="rId3">
-                    <a14:imgEffect>
-                      <a14:backgroundRemoval t="10000" b="90000" l="10000" r="90000"/>
-                    </a14:imgEffect>
-                  </a14:imgLayer>
-                </a14:imgProps>
-              </a:ext>
-            </a:extLst>
-          </a:blip>
-          <a:stretch>
-            <a:fillRect/>
-          </a:stretch>
-        </p:blipFill>
-        <p:spPr>
-          <a:xfrm rot="664828">
-            <a:off x="5075205" y="2585586"/>
-            <a:ext cx="629015" cy="629015"/>
-          </a:xfrm>
-          <a:prstGeom prst="rect">
-            <a:avLst/>
-          </a:prstGeom>
-        </p:spPr>
-      </p:pic>
-      <p:pic>
-        <p:nvPicPr>
-          <p:cNvPr id="28" name="Рисунок 27">
-            <a:extLst>
-              <a:ext uri="{FF2B5EF4-FFF2-40B4-BE49-F238E27FC236}">
-                <a16:creationId xmlns:a16="http://schemas.microsoft.com/office/drawing/2014/main" id="{CB0AA568-9063-4059-AA48-1060FA0A1776}"/>
-              </a:ext>
-            </a:extLst>
-          </p:cNvPr>
-          <p:cNvPicPr>
-            <a:picLocks noChangeAspect="1"/>
-          </p:cNvPicPr>
-          <p:nvPr/>
-        </p:nvPicPr>
-        <p:blipFill>
-          <a:blip r:embed="rId2">
-            <a:extLst>
-              <a:ext uri="{BEBA8EAE-BF5A-486C-A8C5-ECC9F3942E4B}">
-                <a14:imgProps xmlns:a14="http://schemas.microsoft.com/office/drawing/2010/main">
-                  <a14:imgLayer r:embed="rId3">
-                    <a14:imgEffect>
-                      <a14:backgroundRemoval t="10000" b="90000" l="10000" r="90000"/>
-                    </a14:imgEffect>
-                  </a14:imgLayer>
-                </a14:imgProps>
-              </a:ext>
-            </a:extLst>
-          </a:blip>
-          <a:stretch>
-            <a:fillRect/>
-          </a:stretch>
-        </p:blipFill>
-        <p:spPr>
-          <a:xfrm rot="19800000">
-            <a:off x="1466972" y="1480965"/>
-            <a:ext cx="629015" cy="629015"/>
-          </a:xfrm>
-          <a:prstGeom prst="rect">
-            <a:avLst/>
-          </a:prstGeom>
-        </p:spPr>
-      </p:pic>
-      <p:pic>
-        <p:nvPicPr>
-          <p:cNvPr id="29" name="Рисунок 28">
-            <a:extLst>
-              <a:ext uri="{FF2B5EF4-FFF2-40B4-BE49-F238E27FC236}">
-                <a16:creationId xmlns:a16="http://schemas.microsoft.com/office/drawing/2014/main" id="{BFE99453-9A9C-409F-BC55-C61CDF2301C1}"/>
-              </a:ext>
-            </a:extLst>
-          </p:cNvPr>
-          <p:cNvPicPr>
-            <a:picLocks noChangeAspect="1"/>
-          </p:cNvPicPr>
-          <p:nvPr/>
-        </p:nvPicPr>
-        <p:blipFill>
-          <a:blip r:embed="rId2">
-            <a:extLst>
-              <a:ext uri="{BEBA8EAE-BF5A-486C-A8C5-ECC9F3942E4B}">
-                <a14:imgProps xmlns:a14="http://schemas.microsoft.com/office/drawing/2010/main">
-                  <a14:imgLayer r:embed="rId3">
-                    <a14:imgEffect>
-                      <a14:backgroundRemoval t="10000" b="90000" l="10000" r="90000"/>
-                    </a14:imgEffect>
-                  </a14:imgLayer>
-                </a14:imgProps>
-              </a:ext>
-            </a:extLst>
-          </a:blip>
-          <a:stretch>
-            <a:fillRect/>
-          </a:stretch>
-        </p:blipFill>
-        <p:spPr>
-          <a:xfrm rot="17678952">
-            <a:off x="516285" y="1604945"/>
-            <a:ext cx="629015" cy="629015"/>
-          </a:xfrm>
-          <a:prstGeom prst="rect">
-            <a:avLst/>
-          </a:prstGeom>
-        </p:spPr>
-      </p:pic>
-      <p:pic>
-        <p:nvPicPr>
-          <p:cNvPr id="32" name="Рисунок 31">
-            <a:extLst>
-              <a:ext uri="{FF2B5EF4-FFF2-40B4-BE49-F238E27FC236}">
-                <a16:creationId xmlns:a16="http://schemas.microsoft.com/office/drawing/2014/main" id="{C8DAF108-1FFB-4ECD-867C-D32F4533DEB1}"/>
-              </a:ext>
-            </a:extLst>
-          </p:cNvPr>
-          <p:cNvPicPr>
-            <a:picLocks noChangeAspect="1"/>
-          </p:cNvPicPr>
-          <p:nvPr/>
-        </p:nvPicPr>
-        <p:blipFill>
-          <a:blip r:embed="rId2">
-            <a:extLst>
-              <a:ext uri="{BEBA8EAE-BF5A-486C-A8C5-ECC9F3942E4B}">
-                <a14:imgProps xmlns:a14="http://schemas.microsoft.com/office/drawing/2010/main">
-                  <a14:imgLayer r:embed="rId3">
-                    <a14:imgEffect>
-                      <a14:backgroundRemoval t="10000" b="90000" l="10000" r="90000"/>
-                    </a14:imgEffect>
-                  </a14:imgLayer>
-                </a14:imgProps>
-              </a:ext>
-            </a:extLst>
-          </a:blip>
-          <a:stretch>
-            <a:fillRect/>
-          </a:stretch>
-        </p:blipFill>
-        <p:spPr>
-          <a:xfrm rot="17813277">
-            <a:off x="2145288" y="731214"/>
-            <a:ext cx="629015" cy="629015"/>
-          </a:xfrm>
-          <a:prstGeom prst="rect">
-            <a:avLst/>
-          </a:prstGeom>
-        </p:spPr>
-      </p:pic>
-      <p:pic>
-        <p:nvPicPr>
-          <p:cNvPr id="33" name="Рисунок 32">
-            <a:extLst>
-              <a:ext uri="{FF2B5EF4-FFF2-40B4-BE49-F238E27FC236}">
-                <a16:creationId xmlns:a16="http://schemas.microsoft.com/office/drawing/2014/main" id="{E09AC7B7-16A1-4EF9-AD79-F5C677053066}"/>
-              </a:ext>
-            </a:extLst>
-          </p:cNvPr>
-          <p:cNvPicPr>
-            <a:picLocks noChangeAspect="1"/>
-          </p:cNvPicPr>
-          <p:nvPr/>
-        </p:nvPicPr>
-        <p:blipFill>
-          <a:blip r:embed="rId2">
-            <a:extLst>
-              <a:ext uri="{BEBA8EAE-BF5A-486C-A8C5-ECC9F3942E4B}">
-                <a14:imgProps xmlns:a14="http://schemas.microsoft.com/office/drawing/2010/main">
-                  <a14:imgLayer r:embed="rId3">
-                    <a14:imgEffect>
-                      <a14:backgroundRemoval t="10000" b="90000" l="10000" r="90000"/>
-                    </a14:imgEffect>
-                  </a14:imgLayer>
-                </a14:imgProps>
-              </a:ext>
-            </a:extLst>
-          </a:blip>
-          <a:stretch>
-            <a:fillRect/>
-          </a:stretch>
-        </p:blipFill>
-        <p:spPr>
-          <a:xfrm rot="1726715">
-            <a:off x="5608162" y="3108971"/>
-            <a:ext cx="629015" cy="629015"/>
-          </a:xfrm>
-          <a:prstGeom prst="rect">
-            <a:avLst/>
-          </a:prstGeom>
-        </p:spPr>
-      </p:pic>
-      <p:pic>
-        <p:nvPicPr>
-          <p:cNvPr id="34" name="Рисунок 33">
-            <a:extLst>
-              <a:ext uri="{FF2B5EF4-FFF2-40B4-BE49-F238E27FC236}">
-                <a16:creationId xmlns:a16="http://schemas.microsoft.com/office/drawing/2014/main" id="{784B4486-77AC-45A1-8E95-D87EB272ACA3}"/>
-              </a:ext>
-            </a:extLst>
-          </p:cNvPr>
-          <p:cNvPicPr>
-            <a:picLocks noChangeAspect="1"/>
-          </p:cNvPicPr>
-          <p:nvPr/>
-        </p:nvPicPr>
-        <p:blipFill>
-          <a:blip r:embed="rId2">
-            <a:extLst>
-              <a:ext uri="{BEBA8EAE-BF5A-486C-A8C5-ECC9F3942E4B}">
-                <a14:imgProps xmlns:a14="http://schemas.microsoft.com/office/drawing/2010/main">
-                  <a14:imgLayer r:embed="rId3">
-                    <a14:imgEffect>
-                      <a14:backgroundRemoval t="10000" b="90000" l="10000" r="90000"/>
-                    </a14:imgEffect>
-                  </a14:imgLayer>
-                </a14:imgProps>
-              </a:ext>
-            </a:extLst>
-          </a:blip>
-          <a:stretch>
-            <a:fillRect/>
-          </a:stretch>
-        </p:blipFill>
-        <p:spPr>
-          <a:xfrm>
-            <a:off x="4903249" y="1292912"/>
-            <a:ext cx="629015" cy="629015"/>
-          </a:xfrm>
-          <a:prstGeom prst="rect">
-            <a:avLst/>
-          </a:prstGeom>
-        </p:spPr>
-      </p:pic>
-      <p:pic>
-        <p:nvPicPr>
-          <p:cNvPr id="37" name="Рисунок 36">
-            <a:extLst>
-              <a:ext uri="{FF2B5EF4-FFF2-40B4-BE49-F238E27FC236}">
-                <a16:creationId xmlns:a16="http://schemas.microsoft.com/office/drawing/2014/main" id="{7F5D0399-C226-4894-A63B-146BFB3D5BB7}"/>
-              </a:ext>
-            </a:extLst>
-          </p:cNvPr>
-          <p:cNvPicPr>
-            <a:picLocks noChangeAspect="1"/>
-          </p:cNvPicPr>
-          <p:nvPr/>
-        </p:nvPicPr>
-        <p:blipFill>
-          <a:blip r:embed="rId2">
-            <a:extLst>
-              <a:ext uri="{BEBA8EAE-BF5A-486C-A8C5-ECC9F3942E4B}">
-                <a14:imgProps xmlns:a14="http://schemas.microsoft.com/office/drawing/2010/main">
-                  <a14:imgLayer r:embed="rId3">
-                    <a14:imgEffect>
-                      <a14:backgroundRemoval t="10000" b="90000" l="10000" r="90000"/>
-                    </a14:imgEffect>
-                  </a14:imgLayer>
-                </a14:imgProps>
-              </a:ext>
-            </a:extLst>
-          </a:blip>
-          <a:stretch>
-            <a:fillRect/>
-          </a:stretch>
-        </p:blipFill>
-        <p:spPr>
-          <a:xfrm rot="1965398">
-            <a:off x="6465988" y="1413068"/>
-            <a:ext cx="629015" cy="629015"/>
-          </a:xfrm>
-          <a:prstGeom prst="rect">
-            <a:avLst/>
-          </a:prstGeom>
-        </p:spPr>
-      </p:pic>
-      <p:pic>
-        <p:nvPicPr>
-          <p:cNvPr id="38" name="Рисунок 37">
-            <a:extLst>
-              <a:ext uri="{FF2B5EF4-FFF2-40B4-BE49-F238E27FC236}">
-                <a16:creationId xmlns:a16="http://schemas.microsoft.com/office/drawing/2014/main" id="{EA01B5FD-A09B-44DD-96B5-DBCF6B5D74B0}"/>
-              </a:ext>
-            </a:extLst>
-          </p:cNvPr>
-          <p:cNvPicPr>
-            <a:picLocks noChangeAspect="1"/>
-          </p:cNvPicPr>
-          <p:nvPr/>
-        </p:nvPicPr>
-        <p:blipFill>
-          <a:blip r:embed="rId2">
-            <a:extLst>
-              <a:ext uri="{BEBA8EAE-BF5A-486C-A8C5-ECC9F3942E4B}">
-                <a14:imgProps xmlns:a14="http://schemas.microsoft.com/office/drawing/2010/main">
-                  <a14:imgLayer r:embed="rId3">
-                    <a14:imgEffect>
-                      <a14:backgroundRemoval t="10000" b="90000" l="10000" r="90000"/>
-                    </a14:imgEffect>
-                  </a14:imgLayer>
-                </a14:imgProps>
-              </a:ext>
-            </a:extLst>
-          </a:blip>
-          <a:stretch>
-            <a:fillRect/>
-          </a:stretch>
-        </p:blipFill>
-        <p:spPr>
-          <a:xfrm rot="19613277">
-            <a:off x="5798398" y="1401129"/>
-            <a:ext cx="629015" cy="629015"/>
-          </a:xfrm>
-          <a:prstGeom prst="rect">
-            <a:avLst/>
-          </a:prstGeom>
-        </p:spPr>
-      </p:pic>
-      <p:pic>
-        <p:nvPicPr>
-          <p:cNvPr id="40" name="Рисунок 39">
-            <a:extLst>
-              <a:ext uri="{FF2B5EF4-FFF2-40B4-BE49-F238E27FC236}">
-                <a16:creationId xmlns:a16="http://schemas.microsoft.com/office/drawing/2014/main" id="{0080831B-7E93-4D37-9B5C-87BCD61D582D}"/>
-              </a:ext>
-            </a:extLst>
-          </p:cNvPr>
-          <p:cNvPicPr>
-            <a:picLocks noChangeAspect="1"/>
-          </p:cNvPicPr>
-          <p:nvPr/>
-        </p:nvPicPr>
-        <p:blipFill>
-          <a:blip r:embed="rId2">
-            <a:extLst>
-              <a:ext uri="{BEBA8EAE-BF5A-486C-A8C5-ECC9F3942E4B}">
-                <a14:imgProps xmlns:a14="http://schemas.microsoft.com/office/drawing/2010/main">
-                  <a14:imgLayer r:embed="rId3">
-                    <a14:imgEffect>
-                      <a14:backgroundRemoval t="10000" b="90000" l="10000" r="90000"/>
-                    </a14:imgEffect>
-                  </a14:imgLayer>
-                </a14:imgProps>
-              </a:ext>
-            </a:extLst>
-          </a:blip>
-          <a:stretch>
-            <a:fillRect/>
-          </a:stretch>
-        </p:blipFill>
-        <p:spPr>
-          <a:xfrm>
-            <a:off x="4780633" y="632077"/>
-            <a:ext cx="877674" cy="877674"/>
-          </a:xfrm>
-          <a:prstGeom prst="rect">
-            <a:avLst/>
-          </a:prstGeom>
-        </p:spPr>
-      </p:pic>
-      <p:pic>
-        <p:nvPicPr>
-          <p:cNvPr id="41" name="Рисунок 40">
-            <a:extLst>
-              <a:ext uri="{FF2B5EF4-FFF2-40B4-BE49-F238E27FC236}">
-                <a16:creationId xmlns:a16="http://schemas.microsoft.com/office/drawing/2014/main" id="{FF96C6D1-7421-434A-A571-CA0B77FEA966}"/>
-              </a:ext>
-            </a:extLst>
-          </p:cNvPr>
-          <p:cNvPicPr>
-            <a:picLocks noChangeAspect="1"/>
-          </p:cNvPicPr>
-          <p:nvPr/>
-        </p:nvPicPr>
-        <p:blipFill>
-          <a:blip r:embed="rId2">
-            <a:extLst>
-              <a:ext uri="{BEBA8EAE-BF5A-486C-A8C5-ECC9F3942E4B}">
-                <a14:imgProps xmlns:a14="http://schemas.microsoft.com/office/drawing/2010/main">
-                  <a14:imgLayer r:embed="rId3">
-                    <a14:imgEffect>
-                      <a14:backgroundRemoval t="10000" b="90000" l="10000" r="90000"/>
-                    </a14:imgEffect>
-                  </a14:imgLayer>
-                </a14:imgProps>
-              </a:ext>
-            </a:extLst>
-          </a:blip>
-          <a:stretch>
-            <a:fillRect/>
-          </a:stretch>
-        </p:blipFill>
-        <p:spPr>
-          <a:xfrm rot="19478952">
-            <a:off x="4271291" y="182883"/>
-            <a:ext cx="877674" cy="877674"/>
-          </a:xfrm>
-          <a:prstGeom prst="rect">
-            <a:avLst/>
-          </a:prstGeom>
-        </p:spPr>
-      </p:pic>
-      <p:pic>
-        <p:nvPicPr>
-          <p:cNvPr id="42" name="Рисунок 41">
-            <a:extLst>
-              <a:ext uri="{FF2B5EF4-FFF2-40B4-BE49-F238E27FC236}">
-                <a16:creationId xmlns:a16="http://schemas.microsoft.com/office/drawing/2014/main" id="{A6D619EB-39FC-40AA-BFCE-FC71CE34621B}"/>
-              </a:ext>
-            </a:extLst>
-          </p:cNvPr>
-          <p:cNvPicPr>
-            <a:picLocks noChangeAspect="1"/>
-          </p:cNvPicPr>
-          <p:nvPr/>
-        </p:nvPicPr>
-        <p:blipFill>
-          <a:blip r:embed="rId2">
-            <a:extLst>
-              <a:ext uri="{BEBA8EAE-BF5A-486C-A8C5-ECC9F3942E4B}">
-                <a14:imgProps xmlns:a14="http://schemas.microsoft.com/office/drawing/2010/main">
-                  <a14:imgLayer r:embed="rId3">
-                    <a14:imgEffect>
-                      <a14:backgroundRemoval t="10000" b="90000" l="10000" r="90000"/>
-                    </a14:imgEffect>
-                  </a14:imgLayer>
-                </a14:imgProps>
-              </a:ext>
-            </a:extLst>
-          </a:blip>
-          <a:stretch>
-            <a:fillRect/>
-          </a:stretch>
-        </p:blipFill>
-        <p:spPr>
-          <a:xfrm rot="6209753">
-            <a:off x="7305456" y="22695"/>
-            <a:ext cx="877674" cy="877674"/>
-          </a:xfrm>
-          <a:prstGeom prst="rect">
-            <a:avLst/>
-          </a:prstGeom>
-        </p:spPr>
-      </p:pic>
-      <p:pic>
-        <p:nvPicPr>
-          <p:cNvPr id="43" name="Рисунок 42">
-            <a:extLst>
-              <a:ext uri="{FF2B5EF4-FFF2-40B4-BE49-F238E27FC236}">
-                <a16:creationId xmlns:a16="http://schemas.microsoft.com/office/drawing/2014/main" id="{E713189A-C834-424C-A9BE-02E173AE1C3B}"/>
-              </a:ext>
-            </a:extLst>
-          </p:cNvPr>
-          <p:cNvPicPr>
-            <a:picLocks noChangeAspect="1"/>
-          </p:cNvPicPr>
-          <p:nvPr/>
-        </p:nvPicPr>
-        <p:blipFill>
-          <a:blip r:embed="rId2">
-            <a:extLst>
-              <a:ext uri="{BEBA8EAE-BF5A-486C-A8C5-ECC9F3942E4B}">
-                <a14:imgProps xmlns:a14="http://schemas.microsoft.com/office/drawing/2010/main">
-                  <a14:imgLayer r:embed="rId3">
-                    <a14:imgEffect>
-                      <a14:backgroundRemoval t="10000" b="90000" l="10000" r="90000"/>
-                    </a14:imgEffect>
-                  </a14:imgLayer>
-                </a14:imgProps>
-              </a:ext>
-            </a:extLst>
-          </a:blip>
-          <a:stretch>
-            <a:fillRect/>
-          </a:stretch>
-        </p:blipFill>
-        <p:spPr>
-          <a:xfrm rot="1965398">
-            <a:off x="6376922" y="388581"/>
-            <a:ext cx="877674" cy="877674"/>
-          </a:xfrm>
-          <a:prstGeom prst="rect">
-            <a:avLst/>
-          </a:prstGeom>
-        </p:spPr>
-      </p:pic>
-      <p:pic>
-        <p:nvPicPr>
-          <p:cNvPr id="44" name="Рисунок 43">
-            <a:extLst>
-              <a:ext uri="{FF2B5EF4-FFF2-40B4-BE49-F238E27FC236}">
-                <a16:creationId xmlns:a16="http://schemas.microsoft.com/office/drawing/2014/main" id="{995A7447-36D5-4F2B-A0F1-33A65C945D91}"/>
-              </a:ext>
-            </a:extLst>
-          </p:cNvPr>
-          <p:cNvPicPr>
-            <a:picLocks noChangeAspect="1"/>
-          </p:cNvPicPr>
-          <p:nvPr/>
-        </p:nvPicPr>
-        <p:blipFill>
-          <a:blip r:embed="rId2">
-            <a:extLst>
-              <a:ext uri="{BEBA8EAE-BF5A-486C-A8C5-ECC9F3942E4B}">
-                <a14:imgProps xmlns:a14="http://schemas.microsoft.com/office/drawing/2010/main">
-                  <a14:imgLayer r:embed="rId3">
-                    <a14:imgEffect>
-                      <a14:backgroundRemoval t="10000" b="90000" l="10000" r="90000"/>
-                    </a14:imgEffect>
-                  </a14:imgLayer>
-                </a14:imgProps>
-              </a:ext>
-            </a:extLst>
-          </a:blip>
-          <a:stretch>
-            <a:fillRect/>
-          </a:stretch>
-        </p:blipFill>
-        <p:spPr>
-          <a:xfrm rot="19613277">
-            <a:off x="6528094" y="98739"/>
-            <a:ext cx="877674" cy="877674"/>
-          </a:xfrm>
-          <a:prstGeom prst="rect">
-            <a:avLst/>
-          </a:prstGeom>
-        </p:spPr>
-      </p:pic>
-      <p:pic>
-        <p:nvPicPr>
-          <p:cNvPr id="45" name="Рисунок 44">
-            <a:extLst>
-              <a:ext uri="{FF2B5EF4-FFF2-40B4-BE49-F238E27FC236}">
-                <a16:creationId xmlns:a16="http://schemas.microsoft.com/office/drawing/2014/main" id="{77F7D5D8-4218-41EC-A12F-4EACCEAC0E86}"/>
-              </a:ext>
-            </a:extLst>
-          </p:cNvPr>
-          <p:cNvPicPr>
-            <a:picLocks noChangeAspect="1"/>
-          </p:cNvPicPr>
-          <p:nvPr/>
-        </p:nvPicPr>
-        <p:blipFill>
-          <a:blip r:embed="rId2">
-            <a:extLst>
-              <a:ext uri="{BEBA8EAE-BF5A-486C-A8C5-ECC9F3942E4B}">
-                <a14:imgProps xmlns:a14="http://schemas.microsoft.com/office/drawing/2010/main">
-                  <a14:imgLayer r:embed="rId3">
-                    <a14:imgEffect>
-                      <a14:backgroundRemoval t="10000" b="90000" l="10000" r="90000"/>
-                    </a14:imgEffect>
-                  </a14:imgLayer>
-                </a14:imgProps>
-              </a:ext>
-            </a:extLst>
-          </a:blip>
-          <a:stretch>
-            <a:fillRect/>
-          </a:stretch>
-        </p:blipFill>
-        <p:spPr>
-          <a:xfrm rot="3526715">
-            <a:off x="9800672" y="348503"/>
-            <a:ext cx="877674" cy="877674"/>
-          </a:xfrm>
-          <a:prstGeom prst="rect">
-            <a:avLst/>
-          </a:prstGeom>
-        </p:spPr>
-      </p:pic>
-      <p:pic>
-        <p:nvPicPr>
-          <p:cNvPr id="46" name="Рисунок 45">
-            <a:extLst>
-              <a:ext uri="{FF2B5EF4-FFF2-40B4-BE49-F238E27FC236}">
-                <a16:creationId xmlns:a16="http://schemas.microsoft.com/office/drawing/2014/main" id="{510DC03C-4721-4EA8-908F-0B0175A95F81}"/>
-              </a:ext>
-            </a:extLst>
-          </p:cNvPr>
-          <p:cNvPicPr>
-            <a:picLocks noChangeAspect="1"/>
-          </p:cNvPicPr>
-          <p:nvPr/>
-        </p:nvPicPr>
-        <p:blipFill>
-          <a:blip r:embed="rId2">
-            <a:extLst>
-              <a:ext uri="{BEBA8EAE-BF5A-486C-A8C5-ECC9F3942E4B}">
-                <a14:imgProps xmlns:a14="http://schemas.microsoft.com/office/drawing/2010/main">
-                  <a14:imgLayer r:embed="rId3">
-                    <a14:imgEffect>
-                      <a14:backgroundRemoval t="10000" b="90000" l="10000" r="90000"/>
-                    </a14:imgEffect>
-                  </a14:imgLayer>
-                </a14:imgProps>
-              </a:ext>
-            </a:extLst>
-          </a:blip>
-          <a:stretch>
-            <a:fillRect/>
-          </a:stretch>
-        </p:blipFill>
-        <p:spPr>
-          <a:xfrm rot="3509753">
-            <a:off x="9651564" y="2122584"/>
-            <a:ext cx="629015" cy="629015"/>
-          </a:xfrm>
-          <a:prstGeom prst="rect">
-            <a:avLst/>
-          </a:prstGeom>
-        </p:spPr>
-      </p:pic>
-      <p:pic>
-        <p:nvPicPr>
-          <p:cNvPr id="48" name="Рисунок 47">
-            <a:extLst>
-              <a:ext uri="{FF2B5EF4-FFF2-40B4-BE49-F238E27FC236}">
-                <a16:creationId xmlns:a16="http://schemas.microsoft.com/office/drawing/2014/main" id="{EF9B202D-D96F-4888-83E5-726F1DE04481}"/>
-              </a:ext>
-            </a:extLst>
-          </p:cNvPr>
-          <p:cNvPicPr>
-            <a:picLocks noChangeAspect="1"/>
-          </p:cNvPicPr>
-          <p:nvPr/>
-        </p:nvPicPr>
-        <p:blipFill>
-          <a:blip r:embed="rId2">
-            <a:extLst>
-              <a:ext uri="{BEBA8EAE-BF5A-486C-A8C5-ECC9F3942E4B}">
-                <a14:imgProps xmlns:a14="http://schemas.microsoft.com/office/drawing/2010/main">
-                  <a14:imgLayer r:embed="rId3">
-                    <a14:imgEffect>
-                      <a14:backgroundRemoval t="10000" b="90000" l="10000" r="90000"/>
-                    </a14:imgEffect>
-                  </a14:imgLayer>
-                </a14:imgProps>
-              </a:ext>
-            </a:extLst>
-          </a:blip>
-          <a:stretch>
-            <a:fillRect/>
-          </a:stretch>
-        </p:blipFill>
-        <p:spPr>
-          <a:xfrm rot="826715">
-            <a:off x="11090556" y="1808076"/>
-            <a:ext cx="629015" cy="629015"/>
-          </a:xfrm>
-          <a:prstGeom prst="rect">
-            <a:avLst/>
-          </a:prstGeom>
-        </p:spPr>
-      </p:pic>
-      <p:pic>
-        <p:nvPicPr>
-          <p:cNvPr id="51" name="Рисунок 50">
-            <a:extLst>
-              <a:ext uri="{FF2B5EF4-FFF2-40B4-BE49-F238E27FC236}">
-                <a16:creationId xmlns:a16="http://schemas.microsoft.com/office/drawing/2014/main" id="{D82A7D6A-082D-4D0B-B260-D9407F581CA9}"/>
-              </a:ext>
-            </a:extLst>
-          </p:cNvPr>
-          <p:cNvPicPr>
-            <a:picLocks noChangeAspect="1"/>
-          </p:cNvPicPr>
-          <p:nvPr/>
-        </p:nvPicPr>
-        <p:blipFill>
-          <a:blip r:embed="rId2">
-            <a:extLst>
-              <a:ext uri="{BEBA8EAE-BF5A-486C-A8C5-ECC9F3942E4B}">
-                <a14:imgProps xmlns:a14="http://schemas.microsoft.com/office/drawing/2010/main">
-                  <a14:imgLayer r:embed="rId3">
-                    <a14:imgEffect>
-                      <a14:backgroundRemoval t="10000" b="90000" l="10000" r="90000"/>
-                    </a14:imgEffect>
-                  </a14:imgLayer>
-                </a14:imgProps>
-              </a:ext>
-            </a:extLst>
-          </a:blip>
-          <a:stretch>
-            <a:fillRect/>
-          </a:stretch>
-        </p:blipFill>
-        <p:spPr>
-          <a:xfrm rot="664828">
-            <a:off x="5550616" y="4000209"/>
-            <a:ext cx="629015" cy="629015"/>
-          </a:xfrm>
-          <a:prstGeom prst="rect">
-            <a:avLst/>
-          </a:prstGeom>
-        </p:spPr>
-      </p:pic>
-      <p:pic>
-        <p:nvPicPr>
-          <p:cNvPr id="52" name="Рисунок 51">
-            <a:extLst>
-              <a:ext uri="{FF2B5EF4-FFF2-40B4-BE49-F238E27FC236}">
-                <a16:creationId xmlns:a16="http://schemas.microsoft.com/office/drawing/2014/main" id="{70763F82-DD82-440A-B854-AC09C68C9129}"/>
-              </a:ext>
-            </a:extLst>
-          </p:cNvPr>
-          <p:cNvPicPr>
-            <a:picLocks noChangeAspect="1"/>
-          </p:cNvPicPr>
-          <p:nvPr/>
-        </p:nvPicPr>
-        <p:blipFill>
-          <a:blip r:embed="rId2">
-            <a:extLst>
-              <a:ext uri="{BEBA8EAE-BF5A-486C-A8C5-ECC9F3942E4B}">
-                <a14:imgProps xmlns:a14="http://schemas.microsoft.com/office/drawing/2010/main">
-                  <a14:imgLayer r:embed="rId3">
-                    <a14:imgEffect>
-                      <a14:backgroundRemoval t="10000" b="90000" l="10000" r="90000"/>
-                    </a14:imgEffect>
-                  </a14:imgLayer>
-                </a14:imgProps>
-              </a:ext>
-            </a:extLst>
-          </a:blip>
-          <a:stretch>
-            <a:fillRect/>
-          </a:stretch>
-        </p:blipFill>
-        <p:spPr>
-          <a:xfrm rot="19800000">
-            <a:off x="2877955" y="341605"/>
-            <a:ext cx="629015" cy="629015"/>
-          </a:xfrm>
-          <a:prstGeom prst="rect">
-            <a:avLst/>
-          </a:prstGeom>
-        </p:spPr>
-      </p:pic>
-      <p:pic>
-        <p:nvPicPr>
-          <p:cNvPr id="53" name="Рисунок 52">
-            <a:extLst>
-              <a:ext uri="{FF2B5EF4-FFF2-40B4-BE49-F238E27FC236}">
-                <a16:creationId xmlns:a16="http://schemas.microsoft.com/office/drawing/2014/main" id="{03D71E59-7CF4-4803-A2D0-58CC1C47A510}"/>
-              </a:ext>
-            </a:extLst>
-          </p:cNvPr>
-          <p:cNvPicPr>
-            <a:picLocks noChangeAspect="1"/>
-          </p:cNvPicPr>
-          <p:nvPr/>
-        </p:nvPicPr>
-        <p:blipFill>
-          <a:blip r:embed="rId2">
-            <a:extLst>
-              <a:ext uri="{BEBA8EAE-BF5A-486C-A8C5-ECC9F3942E4B}">
-                <a14:imgProps xmlns:a14="http://schemas.microsoft.com/office/drawing/2010/main">
-                  <a14:imgLayer r:embed="rId3">
-                    <a14:imgEffect>
-                      <a14:backgroundRemoval t="10000" b="90000" l="10000" r="90000"/>
-                    </a14:imgEffect>
-                  </a14:imgLayer>
-                </a14:imgProps>
-              </a:ext>
-            </a:extLst>
-          </a:blip>
-          <a:stretch>
-            <a:fillRect/>
-          </a:stretch>
-        </p:blipFill>
-        <p:spPr>
-          <a:xfrm rot="17678952">
-            <a:off x="891901" y="-40973"/>
-            <a:ext cx="629015" cy="629015"/>
-          </a:xfrm>
-          <a:prstGeom prst="rect">
-            <a:avLst/>
-          </a:prstGeom>
-        </p:spPr>
-      </p:pic>
-      <p:pic>
-        <p:nvPicPr>
-          <p:cNvPr id="54" name="Рисунок 53">
-            <a:extLst>
-              <a:ext uri="{FF2B5EF4-FFF2-40B4-BE49-F238E27FC236}">
-                <a16:creationId xmlns:a16="http://schemas.microsoft.com/office/drawing/2014/main" id="{7D304F23-10B8-4A2F-8187-DA1402C805E7}"/>
-              </a:ext>
-            </a:extLst>
-          </p:cNvPr>
-          <p:cNvPicPr>
-            <a:picLocks noChangeAspect="1"/>
-          </p:cNvPicPr>
-          <p:nvPr/>
-        </p:nvPicPr>
-        <p:blipFill>
-          <a:blip r:embed="rId2">
-            <a:extLst>
-              <a:ext uri="{BEBA8EAE-BF5A-486C-A8C5-ECC9F3942E4B}">
-                <a14:imgProps xmlns:a14="http://schemas.microsoft.com/office/drawing/2010/main">
-                  <a14:imgLayer r:embed="rId3">
-                    <a14:imgEffect>
-                      <a14:backgroundRemoval t="10000" b="90000" l="10000" r="90000"/>
-                    </a14:imgEffect>
-                  </a14:imgLayer>
-                </a14:imgProps>
-              </a:ext>
-            </a:extLst>
-          </a:blip>
-          <a:stretch>
-            <a:fillRect/>
-          </a:stretch>
-        </p:blipFill>
-        <p:spPr>
-          <a:xfrm rot="4409753">
-            <a:off x="5391147" y="150469"/>
-            <a:ext cx="629015" cy="629015"/>
-          </a:xfrm>
-          <a:prstGeom prst="rect">
-            <a:avLst/>
-          </a:prstGeom>
-        </p:spPr>
-      </p:pic>
-      <p:pic>
-        <p:nvPicPr>
-          <p:cNvPr id="55" name="Рисунок 54">
-            <a:extLst>
-              <a:ext uri="{FF2B5EF4-FFF2-40B4-BE49-F238E27FC236}">
-                <a16:creationId xmlns:a16="http://schemas.microsoft.com/office/drawing/2014/main" id="{5292AED1-EC3A-407B-8562-A901B9CF9EE3}"/>
-              </a:ext>
-            </a:extLst>
-          </p:cNvPr>
-          <p:cNvPicPr>
-            <a:picLocks noChangeAspect="1"/>
-          </p:cNvPicPr>
-          <p:nvPr/>
-        </p:nvPicPr>
-        <p:blipFill>
-          <a:blip r:embed="rId2">
-            <a:extLst>
-              <a:ext uri="{BEBA8EAE-BF5A-486C-A8C5-ECC9F3942E4B}">
-                <a14:imgProps xmlns:a14="http://schemas.microsoft.com/office/drawing/2010/main">
-                  <a14:imgLayer r:embed="rId3">
-                    <a14:imgEffect>
-                      <a14:backgroundRemoval t="10000" b="90000" l="10000" r="90000"/>
-                    </a14:imgEffect>
-                  </a14:imgLayer>
-                </a14:imgProps>
-              </a:ext>
-            </a:extLst>
-          </a:blip>
-          <a:stretch>
-            <a:fillRect/>
-          </a:stretch>
-        </p:blipFill>
-        <p:spPr>
-          <a:xfrm rot="165398">
-            <a:off x="3405327" y="-44797"/>
-            <a:ext cx="629015" cy="629015"/>
-          </a:xfrm>
-          <a:prstGeom prst="rect">
-            <a:avLst/>
-          </a:prstGeom>
-        </p:spPr>
-      </p:pic>
-      <p:pic>
-        <p:nvPicPr>
-          <p:cNvPr id="31" name="Рисунок 30">
-            <a:extLst>
-              <a:ext uri="{FF2B5EF4-FFF2-40B4-BE49-F238E27FC236}">
-                <a16:creationId xmlns:a16="http://schemas.microsoft.com/office/drawing/2014/main" id="{2D0222C5-811B-4A45-A57D-7D05CAF2C0F3}"/>
-              </a:ext>
-            </a:extLst>
-          </p:cNvPr>
-          <p:cNvPicPr>
-            <a:picLocks noChangeAspect="1"/>
-          </p:cNvPicPr>
-          <p:nvPr/>
-        </p:nvPicPr>
-        <p:blipFill>
-          <a:blip r:embed="rId2">
-            <a:extLst>
-              <a:ext uri="{BEBA8EAE-BF5A-486C-A8C5-ECC9F3942E4B}">
-                <a14:imgProps xmlns:a14="http://schemas.microsoft.com/office/drawing/2010/main">
-                  <a14:imgLayer r:embed="rId3">
-                    <a14:imgEffect>
-                      <a14:backgroundRemoval t="10000" b="90000" l="10000" r="90000"/>
-                    </a14:imgEffect>
-                  </a14:imgLayer>
-                </a14:imgProps>
-              </a:ext>
-            </a:extLst>
-          </a:blip>
-          <a:stretch>
-            <a:fillRect/>
-          </a:stretch>
-        </p:blipFill>
-        <p:spPr>
-          <a:xfrm rot="165398">
-            <a:off x="3029711" y="1601121"/>
-            <a:ext cx="629015" cy="629015"/>
-          </a:xfrm>
-          <a:prstGeom prst="rect">
-            <a:avLst/>
-          </a:prstGeom>
-        </p:spPr>
-      </p:pic>
-      <p:sp>
-        <p:nvSpPr>
-          <p:cNvPr id="3" name="Прямоугольник 2">
-            <a:extLst>
-              <a:ext uri="{FF2B5EF4-FFF2-40B4-BE49-F238E27FC236}">
-                <a16:creationId xmlns:a16="http://schemas.microsoft.com/office/drawing/2014/main" id="{EACE1AB5-BEE6-4FEE-88F7-981BAFBB0C89}"/>
-              </a:ext>
-            </a:extLst>
-          </p:cNvPr>
-          <p:cNvSpPr/>
-          <p:nvPr/>
-        </p:nvSpPr>
-        <p:spPr>
-          <a:xfrm>
-            <a:off x="-639058" y="3351482"/>
-            <a:ext cx="639058" cy="834037"/>
-          </a:xfrm>
-          <a:prstGeom prst="rect">
-            <a:avLst/>
-          </a:prstGeom>
-        </p:spPr>
-        <p:style>
-          <a:lnRef idx="2">
-            <a:schemeClr val="dk1">
-              <a:shade val="50000"/>
-            </a:schemeClr>
-          </a:lnRef>
-          <a:fillRef idx="1">
-            <a:schemeClr val="dk1"/>
-          </a:fillRef>
-          <a:effectRef idx="0">
-            <a:schemeClr val="dk1"/>
-          </a:effectRef>
-          <a:fontRef idx="minor">
-            <a:schemeClr val="lt1"/>
-          </a:fontRef>
-        </p:style>
-        <p:txBody>
-          <a:bodyPr rtlCol="0" anchor="ctr"/>
-          <a:lstStyle/>
-          <a:p>
-            <a:pPr algn="ctr"/>
-            <a:endParaRPr lang="ru-RU"/>
-          </a:p>
-        </p:txBody>
-      </p:sp>
-      <p:sp>
-        <p:nvSpPr>
-          <p:cNvPr id="58" name="Заголовок 57">
-            <a:extLst>
-              <a:ext uri="{FF2B5EF4-FFF2-40B4-BE49-F238E27FC236}">
-                <a16:creationId xmlns:a16="http://schemas.microsoft.com/office/drawing/2014/main" id="{C6BFF4AC-7F32-4576-88FD-533AA94AB01E}"/>
-              </a:ext>
-            </a:extLst>
-          </p:cNvPr>
-          <p:cNvSpPr>
-            <a:spLocks noGrp="1"/>
-          </p:cNvSpPr>
-          <p:nvPr>
-            <p:ph type="ctrTitle"/>
-          </p:nvPr>
-        </p:nvSpPr>
-        <p:spPr/>
-        <p:txBody>
-          <a:bodyPr/>
-          <a:lstStyle/>
-          <a:p>
-            <a:endParaRPr lang="ru-RU"/>
-          </a:p>
-        </p:txBody>
-      </p:sp>
     </p:spTree>
     <p:extLst>
       <p:ext uri="{BB962C8B-B14F-4D97-AF65-F5344CB8AC3E}">
-        <p14:creationId xmlns:p14="http://schemas.microsoft.com/office/powerpoint/2010/main" val="3202243130"/>
+        <p14:creationId xmlns:p14="http://schemas.microsoft.com/office/powerpoint/2010/main" val="2359047941"/>
       </p:ext>
     </p:extLst>
   </p:cSld>
   <p:clrMapOvr>
     <a:masterClrMapping/>
   </p:clrMapOvr>
-  <mc:AlternateContent xmlns:mc="http://schemas.openxmlformats.org/markup-compatibility/2006">
-    <mc:Choice xmlns:p159="http://schemas.microsoft.com/office/powerpoint/2015/09/main" Requires="p159">
+  <mc:AlternateContent xmlns:mc="http://schemas.openxmlformats.org/markup-compatibility/2006" xmlns:p159="http://schemas.microsoft.com/office/powerpoint/2015/09/main">
+    <mc:Choice Requires="p159">
       <p:transition xmlns:p14="http://schemas.microsoft.com/office/powerpoint/2010/main" spd="slow" p14:dur="2000">
         <p159:morph option="byObject"/>
       </p:transition>
     </mc:Choice>
-    <mc:Fallback>
+    <mc:Fallback xmlns="">
       <p:transition spd="slow">
         <p:fade/>
       </p:transition>
@@ -7991,7 +5665,7 @@
 </p:sld>
 </file>
 
-<file path=ppt/slides/slide3.xml><?xml version="1.0" encoding="utf-8"?>
+<file path=ppt/slides/slide2.xml><?xml version="1.0" encoding="utf-8"?>
 <p:sld xmlns:a="http://schemas.openxmlformats.org/drawingml/2006/main" xmlns:r="http://schemas.openxmlformats.org/officeDocument/2006/relationships" xmlns:p="http://schemas.openxmlformats.org/presentationml/2006/main">
   <p:cSld>
     <p:spTree>
@@ -10291,6 +7965,2388 @@
         </p:nvSpPr>
         <p:spPr>
           <a:xfrm>
+            <a:off x="-639058" y="3351482"/>
+            <a:ext cx="639058" cy="834037"/>
+          </a:xfrm>
+          <a:prstGeom prst="rect">
+            <a:avLst/>
+          </a:prstGeom>
+        </p:spPr>
+        <p:style>
+          <a:lnRef idx="2">
+            <a:schemeClr val="dk1">
+              <a:shade val="50000"/>
+            </a:schemeClr>
+          </a:lnRef>
+          <a:fillRef idx="1">
+            <a:schemeClr val="dk1"/>
+          </a:fillRef>
+          <a:effectRef idx="0">
+            <a:schemeClr val="dk1"/>
+          </a:effectRef>
+          <a:fontRef idx="minor">
+            <a:schemeClr val="lt1"/>
+          </a:fontRef>
+        </p:style>
+        <p:txBody>
+          <a:bodyPr rtlCol="0" anchor="ctr"/>
+          <a:lstStyle/>
+          <a:p>
+            <a:pPr algn="ctr"/>
+            <a:endParaRPr lang="ru-RU"/>
+          </a:p>
+        </p:txBody>
+      </p:sp>
+      <p:sp>
+        <p:nvSpPr>
+          <p:cNvPr id="58" name="Заголовок 57">
+            <a:extLst>
+              <a:ext uri="{FF2B5EF4-FFF2-40B4-BE49-F238E27FC236}">
+                <a16:creationId xmlns:a16="http://schemas.microsoft.com/office/drawing/2014/main" id="{C6BFF4AC-7F32-4576-88FD-533AA94AB01E}"/>
+              </a:ext>
+            </a:extLst>
+          </p:cNvPr>
+          <p:cNvSpPr>
+            <a:spLocks noGrp="1"/>
+          </p:cNvSpPr>
+          <p:nvPr>
+            <p:ph type="ctrTitle"/>
+          </p:nvPr>
+        </p:nvSpPr>
+        <p:spPr/>
+        <p:txBody>
+          <a:bodyPr/>
+          <a:lstStyle/>
+          <a:p>
+            <a:endParaRPr lang="ru-RU"/>
+          </a:p>
+        </p:txBody>
+      </p:sp>
+    </p:spTree>
+    <p:extLst>
+      <p:ext uri="{BB962C8B-B14F-4D97-AF65-F5344CB8AC3E}">
+        <p14:creationId xmlns:p14="http://schemas.microsoft.com/office/powerpoint/2010/main" val="3202243130"/>
+      </p:ext>
+    </p:extLst>
+  </p:cSld>
+  <p:clrMapOvr>
+    <a:masterClrMapping/>
+  </p:clrMapOvr>
+  <mc:AlternateContent xmlns:mc="http://schemas.openxmlformats.org/markup-compatibility/2006" xmlns:p159="http://schemas.microsoft.com/office/powerpoint/2015/09/main">
+    <mc:Choice Requires="p159">
+      <p:transition xmlns:p14="http://schemas.microsoft.com/office/powerpoint/2010/main" spd="slow" p14:dur="2000">
+        <p159:morph option="byObject"/>
+      </p:transition>
+    </mc:Choice>
+    <mc:Fallback xmlns="">
+      <p:transition spd="slow">
+        <p:fade/>
+      </p:transition>
+    </mc:Fallback>
+  </mc:AlternateContent>
+</p:sld>
+</file>
+
+<file path=ppt/slides/slide3.xml><?xml version="1.0" encoding="utf-8"?>
+<p:sld xmlns:a="http://schemas.openxmlformats.org/drawingml/2006/main" xmlns:r="http://schemas.openxmlformats.org/officeDocument/2006/relationships" xmlns:p="http://schemas.openxmlformats.org/presentationml/2006/main">
+  <p:cSld>
+    <p:spTree>
+      <p:nvGrpSpPr>
+        <p:cNvPr id="1" name=""/>
+        <p:cNvGrpSpPr/>
+        <p:nvPr/>
+      </p:nvGrpSpPr>
+      <p:grpSpPr>
+        <a:xfrm>
+          <a:off x="0" y="0"/>
+          <a:ext cx="0" cy="0"/>
+          <a:chOff x="0" y="0"/>
+          <a:chExt cx="0" cy="0"/>
+        </a:xfrm>
+      </p:grpSpPr>
+      <p:pic>
+        <p:nvPicPr>
+          <p:cNvPr id="35" name="Рисунок 34">
+            <a:extLst>
+              <a:ext uri="{FF2B5EF4-FFF2-40B4-BE49-F238E27FC236}">
+                <a16:creationId xmlns:a16="http://schemas.microsoft.com/office/drawing/2014/main" id="{06EBCA35-A943-4D39-9223-93FFF10BA12B}"/>
+              </a:ext>
+            </a:extLst>
+          </p:cNvPr>
+          <p:cNvPicPr>
+            <a:picLocks noChangeAspect="1"/>
+          </p:cNvPicPr>
+          <p:nvPr/>
+        </p:nvPicPr>
+        <p:blipFill>
+          <a:blip r:embed="rId2">
+            <a:extLst>
+              <a:ext uri="{BEBA8EAE-BF5A-486C-A8C5-ECC9F3942E4B}">
+                <a14:imgProps xmlns:a14="http://schemas.microsoft.com/office/drawing/2010/main">
+                  <a14:imgLayer r:embed="rId3">
+                    <a14:imgEffect>
+                      <a14:backgroundRemoval t="10000" b="90000" l="10000" r="90000"/>
+                    </a14:imgEffect>
+                  </a14:imgLayer>
+                </a14:imgProps>
+              </a:ext>
+            </a:extLst>
+          </a:blip>
+          <a:stretch>
+            <a:fillRect/>
+          </a:stretch>
+        </p:blipFill>
+        <p:spPr>
+          <a:xfrm rot="19478952">
+            <a:off x="4141906" y="2332269"/>
+            <a:ext cx="629015" cy="629015"/>
+          </a:xfrm>
+          <a:prstGeom prst="rect">
+            <a:avLst/>
+          </a:prstGeom>
+        </p:spPr>
+      </p:pic>
+      <p:pic>
+        <p:nvPicPr>
+          <p:cNvPr id="12" name="Рисунок 11">
+            <a:extLst>
+              <a:ext uri="{FF2B5EF4-FFF2-40B4-BE49-F238E27FC236}">
+                <a16:creationId xmlns:a16="http://schemas.microsoft.com/office/drawing/2014/main" id="{DA73EEB4-118E-44DC-AEE9-17A560E10FA9}"/>
+              </a:ext>
+            </a:extLst>
+          </p:cNvPr>
+          <p:cNvPicPr>
+            <a:picLocks noChangeAspect="1"/>
+          </p:cNvPicPr>
+          <p:nvPr/>
+        </p:nvPicPr>
+        <p:blipFill>
+          <a:blip r:embed="rId2">
+            <a:extLst>
+              <a:ext uri="{BEBA8EAE-BF5A-486C-A8C5-ECC9F3942E4B}">
+                <a14:imgProps xmlns:a14="http://schemas.microsoft.com/office/drawing/2010/main">
+                  <a14:imgLayer r:embed="rId3">
+                    <a14:imgEffect>
+                      <a14:backgroundRemoval t="10000" b="90000" l="10000" r="90000"/>
+                    </a14:imgEffect>
+                  </a14:imgLayer>
+                </a14:imgProps>
+              </a:ext>
+            </a:extLst>
+          </a:blip>
+          <a:stretch>
+            <a:fillRect/>
+          </a:stretch>
+        </p:blipFill>
+        <p:spPr>
+          <a:xfrm rot="6209753">
+            <a:off x="6929840" y="1668613"/>
+            <a:ext cx="877674" cy="877674"/>
+          </a:xfrm>
+          <a:prstGeom prst="rect">
+            <a:avLst/>
+          </a:prstGeom>
+        </p:spPr>
+      </p:pic>
+      <p:pic>
+        <p:nvPicPr>
+          <p:cNvPr id="15" name="Рисунок 14">
+            <a:extLst>
+              <a:ext uri="{FF2B5EF4-FFF2-40B4-BE49-F238E27FC236}">
+                <a16:creationId xmlns:a16="http://schemas.microsoft.com/office/drawing/2014/main" id="{E9FBFDFE-BADB-4B9E-A23E-F1D32E4D597E}"/>
+              </a:ext>
+            </a:extLst>
+          </p:cNvPr>
+          <p:cNvPicPr>
+            <a:picLocks noChangeAspect="1"/>
+          </p:cNvPicPr>
+          <p:nvPr/>
+        </p:nvPicPr>
+        <p:blipFill>
+          <a:blip r:embed="rId2">
+            <a:extLst>
+              <a:ext uri="{BEBA8EAE-BF5A-486C-A8C5-ECC9F3942E4B}">
+                <a14:imgProps xmlns:a14="http://schemas.microsoft.com/office/drawing/2010/main">
+                  <a14:imgLayer r:embed="rId3">
+                    <a14:imgEffect>
+                      <a14:backgroundRemoval t="10000" b="90000" l="10000" r="90000"/>
+                    </a14:imgEffect>
+                  </a14:imgLayer>
+                </a14:imgProps>
+              </a:ext>
+            </a:extLst>
+          </a:blip>
+          <a:stretch>
+            <a:fillRect/>
+          </a:stretch>
+        </p:blipFill>
+        <p:spPr>
+          <a:xfrm rot="3526715">
+            <a:off x="8389689" y="1487863"/>
+            <a:ext cx="877674" cy="877674"/>
+          </a:xfrm>
+          <a:prstGeom prst="rect">
+            <a:avLst/>
+          </a:prstGeom>
+        </p:spPr>
+      </p:pic>
+      <p:pic>
+        <p:nvPicPr>
+          <p:cNvPr id="39" name="Рисунок 38">
+            <a:extLst>
+              <a:ext uri="{FF2B5EF4-FFF2-40B4-BE49-F238E27FC236}">
+                <a16:creationId xmlns:a16="http://schemas.microsoft.com/office/drawing/2014/main" id="{2064D78D-D424-413F-9884-41D809F08689}"/>
+              </a:ext>
+            </a:extLst>
+          </p:cNvPr>
+          <p:cNvPicPr>
+            <a:picLocks noChangeAspect="1"/>
+          </p:cNvPicPr>
+          <p:nvPr/>
+        </p:nvPicPr>
+        <p:blipFill>
+          <a:blip r:embed="rId2">
+            <a:extLst>
+              <a:ext uri="{BEBA8EAE-BF5A-486C-A8C5-ECC9F3942E4B}">
+                <a14:imgProps xmlns:a14="http://schemas.microsoft.com/office/drawing/2010/main">
+                  <a14:imgLayer r:embed="rId3">
+                    <a14:imgEffect>
+                      <a14:backgroundRemoval t="10000" b="90000" l="10000" r="90000"/>
+                    </a14:imgEffect>
+                  </a14:imgLayer>
+                </a14:imgProps>
+              </a:ext>
+            </a:extLst>
+          </a:blip>
+          <a:stretch>
+            <a:fillRect/>
+          </a:stretch>
+        </p:blipFill>
+        <p:spPr>
+          <a:xfrm rot="3526715">
+            <a:off x="8879525" y="1655676"/>
+            <a:ext cx="629015" cy="629015"/>
+          </a:xfrm>
+          <a:prstGeom prst="rect">
+            <a:avLst/>
+          </a:prstGeom>
+        </p:spPr>
+      </p:pic>
+      <p:pic>
+        <p:nvPicPr>
+          <p:cNvPr id="36" name="Рисунок 35">
+            <a:extLst>
+              <a:ext uri="{FF2B5EF4-FFF2-40B4-BE49-F238E27FC236}">
+                <a16:creationId xmlns:a16="http://schemas.microsoft.com/office/drawing/2014/main" id="{3628BCC2-E908-4C04-B050-CDE21F0A4118}"/>
+              </a:ext>
+            </a:extLst>
+          </p:cNvPr>
+          <p:cNvPicPr>
+            <a:picLocks noChangeAspect="1"/>
+          </p:cNvPicPr>
+          <p:nvPr/>
+        </p:nvPicPr>
+        <p:blipFill>
+          <a:blip r:embed="rId2">
+            <a:extLst>
+              <a:ext uri="{BEBA8EAE-BF5A-486C-A8C5-ECC9F3942E4B}">
+                <a14:imgProps xmlns:a14="http://schemas.microsoft.com/office/drawing/2010/main">
+                  <a14:imgLayer r:embed="rId3">
+                    <a14:imgEffect>
+                      <a14:backgroundRemoval t="10000" b="90000" l="10000" r="90000"/>
+                    </a14:imgEffect>
+                  </a14:imgLayer>
+                </a14:imgProps>
+              </a:ext>
+            </a:extLst>
+          </a:blip>
+          <a:stretch>
+            <a:fillRect/>
+          </a:stretch>
+        </p:blipFill>
+        <p:spPr>
+          <a:xfrm rot="6209753">
+            <a:off x="7416441" y="1101776"/>
+            <a:ext cx="629015" cy="629015"/>
+          </a:xfrm>
+          <a:prstGeom prst="rect">
+            <a:avLst/>
+          </a:prstGeom>
+        </p:spPr>
+      </p:pic>
+      <p:pic>
+        <p:nvPicPr>
+          <p:cNvPr id="47" name="Рисунок 46">
+            <a:extLst>
+              <a:ext uri="{FF2B5EF4-FFF2-40B4-BE49-F238E27FC236}">
+                <a16:creationId xmlns:a16="http://schemas.microsoft.com/office/drawing/2014/main" id="{D366AC33-70A9-4D42-8393-B9A8804A7358}"/>
+              </a:ext>
+            </a:extLst>
+          </p:cNvPr>
+          <p:cNvPicPr>
+            <a:picLocks noChangeAspect="1"/>
+          </p:cNvPicPr>
+          <p:nvPr/>
+        </p:nvPicPr>
+        <p:blipFill>
+          <a:blip r:embed="rId2">
+            <a:extLst>
+              <a:ext uri="{BEBA8EAE-BF5A-486C-A8C5-ECC9F3942E4B}">
+                <a14:imgProps xmlns:a14="http://schemas.microsoft.com/office/drawing/2010/main">
+                  <a14:imgLayer r:embed="rId3">
+                    <a14:imgEffect>
+                      <a14:backgroundRemoval t="10000" b="90000" l="10000" r="90000"/>
+                    </a14:imgEffect>
+                  </a14:imgLayer>
+                </a14:imgProps>
+              </a:ext>
+            </a:extLst>
+          </a:blip>
+          <a:stretch>
+            <a:fillRect/>
+          </a:stretch>
+        </p:blipFill>
+        <p:spPr>
+          <a:xfrm rot="16913277">
+            <a:off x="7792596" y="695561"/>
+            <a:ext cx="629015" cy="629015"/>
+          </a:xfrm>
+          <a:prstGeom prst="rect">
+            <a:avLst/>
+          </a:prstGeom>
+        </p:spPr>
+      </p:pic>
+      <p:pic>
+        <p:nvPicPr>
+          <p:cNvPr id="56" name="Picture 2" descr="женщина пожимает руку PNG изображения с прозрачным фоном | Скачать  бесплатно на Lovepik.com">
+            <a:extLst>
+              <a:ext uri="{FF2B5EF4-FFF2-40B4-BE49-F238E27FC236}">
+                <a16:creationId xmlns:a16="http://schemas.microsoft.com/office/drawing/2014/main" id="{54EAB93D-45C3-44ED-A3D2-2B57094C36D5}"/>
+              </a:ext>
+            </a:extLst>
+          </p:cNvPr>
+          <p:cNvPicPr>
+            <a:picLocks noChangeAspect="1" noChangeArrowheads="1"/>
+          </p:cNvPicPr>
+          <p:nvPr/>
+        </p:nvPicPr>
+        <p:blipFill>
+          <a:blip r:embed="rId4">
+            <a:extLst>
+              <a:ext uri="{BEBA8EAE-BF5A-486C-A8C5-ECC9F3942E4B}">
+                <a14:imgProps xmlns:a14="http://schemas.microsoft.com/office/drawing/2010/main">
+                  <a14:imgLayer r:embed="rId5">
+                    <a14:imgEffect>
+                      <a14:backgroundRemoval t="8911" b="99752" l="10000" r="90000">
+                        <a14:foregroundMark x1="22020" y1="8960" x2="32790" y2="23319"/>
+                        <a14:foregroundMark x1="26987" y1="8960" x2="24139" y2="21238"/>
+                        <a14:foregroundMark x1="24139" y1="21238" x2="24139" y2="21238"/>
+                        <a14:foregroundMark x1="19901" y1="89208" x2="20033" y2="90693"/>
+                        <a14:foregroundMark x1="79205" y1="79901" x2="77649" y2="83713"/>
+                        <a14:foregroundMark x1="70430" y1="54901" x2="71556" y2="60000"/>
+                        <a14:foregroundMark x1="70596" y1="53416" x2="72417" y2="62525"/>
+                        <a14:foregroundMark x1="71159" y1="50446" x2="69669" y2="57970"/>
+                        <a14:foregroundMark x1="69669" y1="57970" x2="69735" y2="58317"/>
+                        <a14:foregroundMark x1="69603" y1="51089" x2="68411" y2="58119"/>
+                        <a14:foregroundMark x1="68411" y1="58119" x2="73344" y2="63020"/>
+                        <a14:foregroundMark x1="73344" y1="63020" x2="74536" y2="63168"/>
+                        <a14:foregroundMark x1="72417" y1="91931" x2="72417" y2="96584"/>
+                        <a14:foregroundMark x1="73974" y1="87921" x2="72152" y2="99752"/>
+                        <a14:foregroundMark x1="29801" y1="13020" x2="31656" y2="21386"/>
+                        <a14:foregroundMark x1="31656" y1="21386" x2="31656" y2="21485"/>
+                        <a14:foregroundMark x1="70861" y1="26139" x2="71854" y2="32030"/>
+                        <a14:foregroundMark x1="70596" y1="96188" x2="70596" y2="99554"/>
+                        <a14:foregroundMark x1="71424" y1="77772" x2="68510" y2="85990"/>
+                        <a14:foregroundMark x1="68510" y1="85990" x2="68444" y2="87079"/>
+                        <a14:foregroundMark x1="48940" y1="66980" x2="51623" y2="68663"/>
+                        <a14:backgroundMark x1="33079" y1="24010" x2="33642" y2="24010"/>
+                        <a14:backgroundMark x1="32649" y1="23564" x2="33344" y2="24010"/>
+                        <a14:backgroundMark x1="33212" y1="23812" x2="33212" y2="23812"/>
+                        <a14:backgroundMark x1="33079" y1="23564" x2="33079" y2="23564"/>
+                        <a14:backgroundMark x1="32781" y1="23564" x2="32781" y2="23564"/>
+                        <a14:backgroundMark x1="32914" y1="23366" x2="32914" y2="24010"/>
+                        <a14:backgroundMark x1="32351" y1="23366" x2="33212" y2="23564"/>
+                      </a14:backgroundRemoval>
+                    </a14:imgEffect>
+                  </a14:imgLayer>
+                </a14:imgProps>
+              </a:ext>
+              <a:ext uri="{28A0092B-C50C-407E-A947-70E740481C1C}">
+                <a14:useLocalDpi xmlns:a14="http://schemas.microsoft.com/office/drawing/2010/main" val="0"/>
+              </a:ext>
+            </a:extLst>
+          </a:blip>
+          <a:srcRect/>
+          <a:stretch>
+            <a:fillRect/>
+          </a:stretch>
+        </p:blipFill>
+        <p:spPr bwMode="auto">
+          <a:xfrm>
+            <a:off x="782189" y="21640"/>
+            <a:ext cx="10253663" cy="6858000"/>
+          </a:xfrm>
+          <a:prstGeom prst="rect">
+            <a:avLst/>
+          </a:prstGeom>
+          <a:noFill/>
+          <a:extLst>
+            <a:ext uri="{909E8E84-426E-40DD-AFC4-6F175D3DCCD1}">
+              <a14:hiddenFill xmlns:a14="http://schemas.microsoft.com/office/drawing/2010/main">
+                <a:solidFill>
+                  <a:srgbClr val="FFFFFF"/>
+                </a:solidFill>
+              </a14:hiddenFill>
+            </a:ext>
+          </a:extLst>
+        </p:spPr>
+      </p:pic>
+      <p:pic>
+        <p:nvPicPr>
+          <p:cNvPr id="49" name="Рисунок 48">
+            <a:extLst>
+              <a:ext uri="{FF2B5EF4-FFF2-40B4-BE49-F238E27FC236}">
+                <a16:creationId xmlns:a16="http://schemas.microsoft.com/office/drawing/2014/main" id="{BF3F1CA9-26CD-4A00-88E8-C52CAFF60502}"/>
+              </a:ext>
+            </a:extLst>
+          </p:cNvPr>
+          <p:cNvPicPr>
+            <a:picLocks noChangeAspect="1"/>
+          </p:cNvPicPr>
+          <p:nvPr/>
+        </p:nvPicPr>
+        <p:blipFill>
+          <a:blip r:embed="rId2">
+            <a:extLst>
+              <a:ext uri="{BEBA8EAE-BF5A-486C-A8C5-ECC9F3942E4B}">
+                <a14:imgProps xmlns:a14="http://schemas.microsoft.com/office/drawing/2010/main">
+                  <a14:imgLayer r:embed="rId3">
+                    <a14:imgEffect>
+                      <a14:backgroundRemoval t="10000" b="90000" l="10000" r="90000"/>
+                    </a14:imgEffect>
+                  </a14:imgLayer>
+                </a14:imgProps>
+              </a:ext>
+            </a:extLst>
+          </a:blip>
+          <a:stretch>
+            <a:fillRect/>
+          </a:stretch>
+        </p:blipFill>
+        <p:spPr>
+          <a:xfrm rot="3347866">
+            <a:off x="4011829" y="1254176"/>
+            <a:ext cx="629015" cy="629015"/>
+          </a:xfrm>
+          <a:prstGeom prst="rect">
+            <a:avLst/>
+          </a:prstGeom>
+        </p:spPr>
+      </p:pic>
+      <p:pic>
+        <p:nvPicPr>
+          <p:cNvPr id="30" name="Рисунок 29">
+            <a:extLst>
+              <a:ext uri="{FF2B5EF4-FFF2-40B4-BE49-F238E27FC236}">
+                <a16:creationId xmlns:a16="http://schemas.microsoft.com/office/drawing/2014/main" id="{CF0A00D4-0124-424E-A428-D2061D9DA5D5}"/>
+              </a:ext>
+            </a:extLst>
+          </p:cNvPr>
+          <p:cNvPicPr>
+            <a:picLocks noChangeAspect="1"/>
+          </p:cNvPicPr>
+          <p:nvPr/>
+        </p:nvPicPr>
+        <p:blipFill>
+          <a:blip r:embed="rId2">
+            <a:extLst>
+              <a:ext uri="{BEBA8EAE-BF5A-486C-A8C5-ECC9F3942E4B}">
+                <a14:imgProps xmlns:a14="http://schemas.microsoft.com/office/drawing/2010/main">
+                  <a14:imgLayer r:embed="rId3">
+                    <a14:imgEffect>
+                      <a14:backgroundRemoval t="10000" b="90000" l="10000" r="90000"/>
+                    </a14:imgEffect>
+                  </a14:imgLayer>
+                </a14:imgProps>
+              </a:ext>
+            </a:extLst>
+          </a:blip>
+          <a:stretch>
+            <a:fillRect/>
+          </a:stretch>
+        </p:blipFill>
+        <p:spPr>
+          <a:xfrm rot="4409753">
+            <a:off x="4197845" y="1550208"/>
+            <a:ext cx="629015" cy="629015"/>
+          </a:xfrm>
+          <a:prstGeom prst="rect">
+            <a:avLst/>
+          </a:prstGeom>
+        </p:spPr>
+      </p:pic>
+      <p:pic>
+        <p:nvPicPr>
+          <p:cNvPr id="50" name="Рисунок 49">
+            <a:extLst>
+              <a:ext uri="{FF2B5EF4-FFF2-40B4-BE49-F238E27FC236}">
+                <a16:creationId xmlns:a16="http://schemas.microsoft.com/office/drawing/2014/main" id="{E0A96B5C-F1CB-4D61-99E5-8F10C126B500}"/>
+              </a:ext>
+            </a:extLst>
+          </p:cNvPr>
+          <p:cNvPicPr>
+            <a:picLocks noChangeAspect="1"/>
+          </p:cNvPicPr>
+          <p:nvPr/>
+        </p:nvPicPr>
+        <p:blipFill>
+          <a:blip r:embed="rId2">
+            <a:extLst>
+              <a:ext uri="{BEBA8EAE-BF5A-486C-A8C5-ECC9F3942E4B}">
+                <a14:imgProps xmlns:a14="http://schemas.microsoft.com/office/drawing/2010/main">
+                  <a14:imgLayer r:embed="rId3">
+                    <a14:imgEffect>
+                      <a14:backgroundRemoval t="10000" b="90000" l="10000" r="90000"/>
+                    </a14:imgEffect>
+                  </a14:imgLayer>
+                </a14:imgProps>
+              </a:ext>
+            </a:extLst>
+          </a:blip>
+          <a:stretch>
+            <a:fillRect/>
+          </a:stretch>
+        </p:blipFill>
+        <p:spPr>
+          <a:xfrm rot="16751390">
+            <a:off x="2176953" y="695561"/>
+            <a:ext cx="629015" cy="629015"/>
+          </a:xfrm>
+          <a:prstGeom prst="rect">
+            <a:avLst/>
+          </a:prstGeom>
+        </p:spPr>
+      </p:pic>
+      <p:pic>
+        <p:nvPicPr>
+          <p:cNvPr id="4" name="Рисунок 3">
+            <a:extLst>
+              <a:ext uri="{FF2B5EF4-FFF2-40B4-BE49-F238E27FC236}">
+                <a16:creationId xmlns:a16="http://schemas.microsoft.com/office/drawing/2014/main" id="{BF52D68A-1309-457A-BFAD-812067AEFA5C}"/>
+              </a:ext>
+            </a:extLst>
+          </p:cNvPr>
+          <p:cNvPicPr>
+            <a:picLocks noChangeAspect="1"/>
+          </p:cNvPicPr>
+          <p:nvPr/>
+        </p:nvPicPr>
+        <p:blipFill>
+          <a:blip r:embed="rId2">
+            <a:extLst>
+              <a:ext uri="{BEBA8EAE-BF5A-486C-A8C5-ECC9F3942E4B}">
+                <a14:imgProps xmlns:a14="http://schemas.microsoft.com/office/drawing/2010/main">
+                  <a14:imgLayer r:embed="rId3">
+                    <a14:imgEffect>
+                      <a14:backgroundRemoval t="10000" b="90000" l="10000" r="90000"/>
+                    </a14:imgEffect>
+                  </a14:imgLayer>
+                </a14:imgProps>
+              </a:ext>
+            </a:extLst>
+          </a:blip>
+          <a:stretch>
+            <a:fillRect/>
+          </a:stretch>
+        </p:blipFill>
+        <p:spPr>
+          <a:xfrm>
+            <a:off x="5129787" y="4847137"/>
+            <a:ext cx="629015" cy="629015"/>
+          </a:xfrm>
+          <a:prstGeom prst="rect">
+            <a:avLst/>
+          </a:prstGeom>
+        </p:spPr>
+      </p:pic>
+      <p:pic>
+        <p:nvPicPr>
+          <p:cNvPr id="5" name="Рисунок 4">
+            <a:extLst>
+              <a:ext uri="{FF2B5EF4-FFF2-40B4-BE49-F238E27FC236}">
+                <a16:creationId xmlns:a16="http://schemas.microsoft.com/office/drawing/2014/main" id="{301F563D-DF1D-4253-A402-AF798FF55B2C}"/>
+              </a:ext>
+            </a:extLst>
+          </p:cNvPr>
+          <p:cNvPicPr>
+            <a:picLocks noChangeAspect="1"/>
+          </p:cNvPicPr>
+          <p:nvPr/>
+        </p:nvPicPr>
+        <p:blipFill>
+          <a:blip r:embed="rId2">
+            <a:extLst>
+              <a:ext uri="{BEBA8EAE-BF5A-486C-A8C5-ECC9F3942E4B}">
+                <a14:imgProps xmlns:a14="http://schemas.microsoft.com/office/drawing/2010/main">
+                  <a14:imgLayer r:embed="rId3">
+                    <a14:imgEffect>
+                      <a14:backgroundRemoval t="10000" b="90000" l="10000" r="90000"/>
+                    </a14:imgEffect>
+                  </a14:imgLayer>
+                </a14:imgProps>
+              </a:ext>
+            </a:extLst>
+          </a:blip>
+          <a:stretch>
+            <a:fillRect/>
+          </a:stretch>
+        </p:blipFill>
+        <p:spPr>
+          <a:xfrm rot="19478952">
+            <a:off x="4150253" y="4640542"/>
+            <a:ext cx="629015" cy="629015"/>
+          </a:xfrm>
+          <a:prstGeom prst="rect">
+            <a:avLst/>
+          </a:prstGeom>
+        </p:spPr>
+      </p:pic>
+      <p:pic>
+        <p:nvPicPr>
+          <p:cNvPr id="6" name="Рисунок 5">
+            <a:extLst>
+              <a:ext uri="{FF2B5EF4-FFF2-40B4-BE49-F238E27FC236}">
+                <a16:creationId xmlns:a16="http://schemas.microsoft.com/office/drawing/2014/main" id="{6B0380E0-170E-4FC6-BD94-0B6745FBB18D}"/>
+              </a:ext>
+            </a:extLst>
+          </p:cNvPr>
+          <p:cNvPicPr>
+            <a:picLocks noChangeAspect="1"/>
+          </p:cNvPicPr>
+          <p:nvPr/>
+        </p:nvPicPr>
+        <p:blipFill>
+          <a:blip r:embed="rId2">
+            <a:extLst>
+              <a:ext uri="{BEBA8EAE-BF5A-486C-A8C5-ECC9F3942E4B}">
+                <a14:imgProps xmlns:a14="http://schemas.microsoft.com/office/drawing/2010/main">
+                  <a14:imgLayer r:embed="rId3">
+                    <a14:imgEffect>
+                      <a14:backgroundRemoval t="10000" b="90000" l="10000" r="90000"/>
+                    </a14:imgEffect>
+                  </a14:imgLayer>
+                </a14:imgProps>
+              </a:ext>
+            </a:extLst>
+          </a:blip>
+          <a:stretch>
+            <a:fillRect/>
+          </a:stretch>
+        </p:blipFill>
+        <p:spPr>
+          <a:xfrm rot="6209753">
+            <a:off x="7040825" y="2747694"/>
+            <a:ext cx="629015" cy="629015"/>
+          </a:xfrm>
+          <a:prstGeom prst="rect">
+            <a:avLst/>
+          </a:prstGeom>
+        </p:spPr>
+      </p:pic>
+      <p:pic>
+        <p:nvPicPr>
+          <p:cNvPr id="7" name="Рисунок 6">
+            <a:extLst>
+              <a:ext uri="{FF2B5EF4-FFF2-40B4-BE49-F238E27FC236}">
+                <a16:creationId xmlns:a16="http://schemas.microsoft.com/office/drawing/2014/main" id="{55EFB671-D7C2-4AA7-A6F7-53D2670AAEED}"/>
+              </a:ext>
+            </a:extLst>
+          </p:cNvPr>
+          <p:cNvPicPr>
+            <a:picLocks noChangeAspect="1"/>
+          </p:cNvPicPr>
+          <p:nvPr/>
+        </p:nvPicPr>
+        <p:blipFill>
+          <a:blip r:embed="rId2">
+            <a:extLst>
+              <a:ext uri="{BEBA8EAE-BF5A-486C-A8C5-ECC9F3942E4B}">
+                <a14:imgProps xmlns:a14="http://schemas.microsoft.com/office/drawing/2010/main">
+                  <a14:imgLayer r:embed="rId3">
+                    <a14:imgEffect>
+                      <a14:backgroundRemoval t="10000" b="90000" l="10000" r="90000"/>
+                    </a14:imgEffect>
+                  </a14:imgLayer>
+                </a14:imgProps>
+              </a:ext>
+            </a:extLst>
+          </a:blip>
+          <a:stretch>
+            <a:fillRect/>
+          </a:stretch>
+        </p:blipFill>
+        <p:spPr>
+          <a:xfrm rot="1965398">
+            <a:off x="7125739" y="3565544"/>
+            <a:ext cx="629015" cy="629015"/>
+          </a:xfrm>
+          <a:prstGeom prst="rect">
+            <a:avLst/>
+          </a:prstGeom>
+        </p:spPr>
+      </p:pic>
+      <p:pic>
+        <p:nvPicPr>
+          <p:cNvPr id="8" name="Рисунок 7">
+            <a:extLst>
+              <a:ext uri="{FF2B5EF4-FFF2-40B4-BE49-F238E27FC236}">
+                <a16:creationId xmlns:a16="http://schemas.microsoft.com/office/drawing/2014/main" id="{B8288560-28E2-4C7B-878C-0B0D41E9EAC0}"/>
+              </a:ext>
+            </a:extLst>
+          </p:cNvPr>
+          <p:cNvPicPr>
+            <a:picLocks noChangeAspect="1"/>
+          </p:cNvPicPr>
+          <p:nvPr/>
+        </p:nvPicPr>
+        <p:blipFill>
+          <a:blip r:embed="rId2">
+            <a:extLst>
+              <a:ext uri="{BEBA8EAE-BF5A-486C-A8C5-ECC9F3942E4B}">
+                <a14:imgProps xmlns:a14="http://schemas.microsoft.com/office/drawing/2010/main">
+                  <a14:imgLayer r:embed="rId3">
+                    <a14:imgEffect>
+                      <a14:backgroundRemoval t="10000" b="90000" l="10000" r="90000"/>
+                    </a14:imgEffect>
+                  </a14:imgLayer>
+                </a14:imgProps>
+              </a:ext>
+            </a:extLst>
+          </a:blip>
+          <a:stretch>
+            <a:fillRect/>
+          </a:stretch>
+        </p:blipFill>
+        <p:spPr>
+          <a:xfrm rot="19613277">
+            <a:off x="5205949" y="2189079"/>
+            <a:ext cx="629015" cy="629015"/>
+          </a:xfrm>
+          <a:prstGeom prst="rect">
+            <a:avLst/>
+          </a:prstGeom>
+        </p:spPr>
+      </p:pic>
+      <p:pic>
+        <p:nvPicPr>
+          <p:cNvPr id="9" name="Рисунок 8">
+            <a:extLst>
+              <a:ext uri="{FF2B5EF4-FFF2-40B4-BE49-F238E27FC236}">
+                <a16:creationId xmlns:a16="http://schemas.microsoft.com/office/drawing/2014/main" id="{3A36F9C7-5F9D-4BA6-AAB9-C642F6886650}"/>
+              </a:ext>
+            </a:extLst>
+          </p:cNvPr>
+          <p:cNvPicPr>
+            <a:picLocks noChangeAspect="1"/>
+          </p:cNvPicPr>
+          <p:nvPr/>
+        </p:nvPicPr>
+        <p:blipFill>
+          <a:blip r:embed="rId2">
+            <a:extLst>
+              <a:ext uri="{BEBA8EAE-BF5A-486C-A8C5-ECC9F3942E4B}">
+                <a14:imgProps xmlns:a14="http://schemas.microsoft.com/office/drawing/2010/main">
+                  <a14:imgLayer r:embed="rId3">
+                    <a14:imgEffect>
+                      <a14:backgroundRemoval t="10000" b="90000" l="10000" r="90000"/>
+                    </a14:imgEffect>
+                  </a14:imgLayer>
+                </a14:imgProps>
+              </a:ext>
+            </a:extLst>
+          </a:blip>
+          <a:stretch>
+            <a:fillRect/>
+          </a:stretch>
+        </p:blipFill>
+        <p:spPr>
+          <a:xfrm rot="3526715">
+            <a:off x="8479817" y="2433186"/>
+            <a:ext cx="629015" cy="629015"/>
+          </a:xfrm>
+          <a:prstGeom prst="rect">
+            <a:avLst/>
+          </a:prstGeom>
+        </p:spPr>
+      </p:pic>
+      <p:pic>
+        <p:nvPicPr>
+          <p:cNvPr id="10" name="Рисунок 9">
+            <a:extLst>
+              <a:ext uri="{FF2B5EF4-FFF2-40B4-BE49-F238E27FC236}">
+                <a16:creationId xmlns:a16="http://schemas.microsoft.com/office/drawing/2014/main" id="{A5CADE92-3B6C-4E85-A8EE-15045178F3A6}"/>
+              </a:ext>
+            </a:extLst>
+          </p:cNvPr>
+          <p:cNvPicPr>
+            <a:picLocks noChangeAspect="1"/>
+          </p:cNvPicPr>
+          <p:nvPr/>
+        </p:nvPicPr>
+        <p:blipFill>
+          <a:blip r:embed="rId2">
+            <a:extLst>
+              <a:ext uri="{BEBA8EAE-BF5A-486C-A8C5-ECC9F3942E4B}">
+                <a14:imgProps xmlns:a14="http://schemas.microsoft.com/office/drawing/2010/main">
+                  <a14:imgLayer r:embed="rId3">
+                    <a14:imgEffect>
+                      <a14:backgroundRemoval t="10000" b="90000" l="10000" r="90000"/>
+                    </a14:imgEffect>
+                  </a14:imgLayer>
+                </a14:imgProps>
+              </a:ext>
+            </a:extLst>
+          </a:blip>
+          <a:stretch>
+            <a:fillRect/>
+          </a:stretch>
+        </p:blipFill>
+        <p:spPr>
+          <a:xfrm>
+            <a:off x="4391067" y="1827301"/>
+            <a:ext cx="877674" cy="877674"/>
+          </a:xfrm>
+          <a:prstGeom prst="rect">
+            <a:avLst/>
+          </a:prstGeom>
+        </p:spPr>
+      </p:pic>
+      <p:pic>
+        <p:nvPicPr>
+          <p:cNvPr id="11" name="Рисунок 10">
+            <a:extLst>
+              <a:ext uri="{FF2B5EF4-FFF2-40B4-BE49-F238E27FC236}">
+                <a16:creationId xmlns:a16="http://schemas.microsoft.com/office/drawing/2014/main" id="{9CAE16C6-7F22-4E5B-BAAE-871F6D00CCBC}"/>
+              </a:ext>
+            </a:extLst>
+          </p:cNvPr>
+          <p:cNvPicPr>
+            <a:picLocks noChangeAspect="1"/>
+          </p:cNvPicPr>
+          <p:nvPr/>
+        </p:nvPicPr>
+        <p:blipFill>
+          <a:blip r:embed="rId2">
+            <a:extLst>
+              <a:ext uri="{BEBA8EAE-BF5A-486C-A8C5-ECC9F3942E4B}">
+                <a14:imgProps xmlns:a14="http://schemas.microsoft.com/office/drawing/2010/main">
+                  <a14:imgLayer r:embed="rId3">
+                    <a14:imgEffect>
+                      <a14:backgroundRemoval t="10000" b="90000" l="10000" r="90000"/>
+                    </a14:imgEffect>
+                  </a14:imgLayer>
+                </a14:imgProps>
+              </a:ext>
+            </a:extLst>
+          </a:blip>
+          <a:stretch>
+            <a:fillRect/>
+          </a:stretch>
+        </p:blipFill>
+        <p:spPr>
+          <a:xfrm rot="19478952">
+            <a:off x="3489392" y="2105081"/>
+            <a:ext cx="877674" cy="877674"/>
+          </a:xfrm>
+          <a:prstGeom prst="rect">
+            <a:avLst/>
+          </a:prstGeom>
+        </p:spPr>
+      </p:pic>
+      <p:pic>
+        <p:nvPicPr>
+          <p:cNvPr id="13" name="Рисунок 12">
+            <a:extLst>
+              <a:ext uri="{FF2B5EF4-FFF2-40B4-BE49-F238E27FC236}">
+                <a16:creationId xmlns:a16="http://schemas.microsoft.com/office/drawing/2014/main" id="{62069250-EDCF-467C-8F5A-1965DBA9B6D4}"/>
+              </a:ext>
+            </a:extLst>
+          </p:cNvPr>
+          <p:cNvPicPr>
+            <a:picLocks noChangeAspect="1"/>
+          </p:cNvPicPr>
+          <p:nvPr/>
+        </p:nvPicPr>
+        <p:blipFill>
+          <a:blip r:embed="rId2">
+            <a:extLst>
+              <a:ext uri="{BEBA8EAE-BF5A-486C-A8C5-ECC9F3942E4B}">
+                <a14:imgProps xmlns:a14="http://schemas.microsoft.com/office/drawing/2010/main">
+                  <a14:imgLayer r:embed="rId3">
+                    <a14:imgEffect>
+                      <a14:backgroundRemoval t="10000" b="90000" l="10000" r="90000"/>
+                    </a14:imgEffect>
+                  </a14:imgLayer>
+                </a14:imgProps>
+              </a:ext>
+            </a:extLst>
+          </a:blip>
+          <a:stretch>
+            <a:fillRect/>
+          </a:stretch>
+        </p:blipFill>
+        <p:spPr>
+          <a:xfrm rot="1965398">
+            <a:off x="6001306" y="2034499"/>
+            <a:ext cx="877674" cy="877674"/>
+          </a:xfrm>
+          <a:prstGeom prst="rect">
+            <a:avLst/>
+          </a:prstGeom>
+        </p:spPr>
+      </p:pic>
+      <p:pic>
+        <p:nvPicPr>
+          <p:cNvPr id="14" name="Рисунок 13">
+            <a:extLst>
+              <a:ext uri="{FF2B5EF4-FFF2-40B4-BE49-F238E27FC236}">
+                <a16:creationId xmlns:a16="http://schemas.microsoft.com/office/drawing/2014/main" id="{6AC4185A-538C-434D-B299-39F3775EFC4D}"/>
+              </a:ext>
+            </a:extLst>
+          </p:cNvPr>
+          <p:cNvPicPr>
+            <a:picLocks noChangeAspect="1"/>
+          </p:cNvPicPr>
+          <p:nvPr/>
+        </p:nvPicPr>
+        <p:blipFill>
+          <a:blip r:embed="rId2">
+            <a:extLst>
+              <a:ext uri="{BEBA8EAE-BF5A-486C-A8C5-ECC9F3942E4B}">
+                <a14:imgProps xmlns:a14="http://schemas.microsoft.com/office/drawing/2010/main">
+                  <a14:imgLayer r:embed="rId3">
+                    <a14:imgEffect>
+                      <a14:backgroundRemoval t="10000" b="90000" l="10000" r="90000"/>
+                    </a14:imgEffect>
+                  </a14:imgLayer>
+                </a14:imgProps>
+              </a:ext>
+            </a:extLst>
+          </a:blip>
+          <a:stretch>
+            <a:fillRect/>
+          </a:stretch>
+        </p:blipFill>
+        <p:spPr>
+          <a:xfrm rot="19613277">
+            <a:off x="5915241" y="3340399"/>
+            <a:ext cx="877674" cy="877674"/>
+          </a:xfrm>
+          <a:prstGeom prst="rect">
+            <a:avLst/>
+          </a:prstGeom>
+        </p:spPr>
+      </p:pic>
+      <p:pic>
+        <p:nvPicPr>
+          <p:cNvPr id="16" name="Рисунок 15">
+            <a:extLst>
+              <a:ext uri="{FF2B5EF4-FFF2-40B4-BE49-F238E27FC236}">
+                <a16:creationId xmlns:a16="http://schemas.microsoft.com/office/drawing/2014/main" id="{3FBD16C1-7771-4ACC-AE5C-6FF1AA93AAF5}"/>
+              </a:ext>
+            </a:extLst>
+          </p:cNvPr>
+          <p:cNvPicPr>
+            <a:picLocks noChangeAspect="1"/>
+          </p:cNvPicPr>
+          <p:nvPr/>
+        </p:nvPicPr>
+        <p:blipFill>
+          <a:blip r:embed="rId2">
+            <a:extLst>
+              <a:ext uri="{BEBA8EAE-BF5A-486C-A8C5-ECC9F3942E4B}">
+                <a14:imgProps xmlns:a14="http://schemas.microsoft.com/office/drawing/2010/main">
+                  <a14:imgLayer r:embed="rId3">
+                    <a14:imgEffect>
+                      <a14:backgroundRemoval t="10000" b="90000" l="10000" r="90000"/>
+                    </a14:imgEffect>
+                  </a14:imgLayer>
+                </a14:imgProps>
+              </a:ext>
+            </a:extLst>
+          </a:blip>
+          <a:stretch>
+            <a:fillRect/>
+          </a:stretch>
+        </p:blipFill>
+        <p:spPr>
+          <a:xfrm rot="18900000">
+            <a:off x="7774031" y="3597788"/>
+            <a:ext cx="629015" cy="629015"/>
+          </a:xfrm>
+          <a:prstGeom prst="rect">
+            <a:avLst/>
+          </a:prstGeom>
+        </p:spPr>
+      </p:pic>
+      <p:pic>
+        <p:nvPicPr>
+          <p:cNvPr id="17" name="Рисунок 16">
+            <a:extLst>
+              <a:ext uri="{FF2B5EF4-FFF2-40B4-BE49-F238E27FC236}">
+                <a16:creationId xmlns:a16="http://schemas.microsoft.com/office/drawing/2014/main" id="{2401375C-1993-46AD-97C2-C4E76232BAFB}"/>
+              </a:ext>
+            </a:extLst>
+          </p:cNvPr>
+          <p:cNvPicPr>
+            <a:picLocks noChangeAspect="1"/>
+          </p:cNvPicPr>
+          <p:nvPr/>
+        </p:nvPicPr>
+        <p:blipFill>
+          <a:blip r:embed="rId2">
+            <a:extLst>
+              <a:ext uri="{BEBA8EAE-BF5A-486C-A8C5-ECC9F3942E4B}">
+                <a14:imgProps xmlns:a14="http://schemas.microsoft.com/office/drawing/2010/main">
+                  <a14:imgLayer r:embed="rId3">
+                    <a14:imgEffect>
+                      <a14:backgroundRemoval t="10000" b="90000" l="10000" r="90000"/>
+                    </a14:imgEffect>
+                  </a14:imgLayer>
+                </a14:imgProps>
+              </a:ext>
+            </a:extLst>
+          </a:blip>
+          <a:stretch>
+            <a:fillRect/>
+          </a:stretch>
+        </p:blipFill>
+        <p:spPr>
+          <a:xfrm rot="16778952">
+            <a:off x="6823344" y="3721768"/>
+            <a:ext cx="629015" cy="629015"/>
+          </a:xfrm>
+          <a:prstGeom prst="rect">
+            <a:avLst/>
+          </a:prstGeom>
+        </p:spPr>
+      </p:pic>
+      <p:pic>
+        <p:nvPicPr>
+          <p:cNvPr id="18" name="Рисунок 17">
+            <a:extLst>
+              <a:ext uri="{FF2B5EF4-FFF2-40B4-BE49-F238E27FC236}">
+                <a16:creationId xmlns:a16="http://schemas.microsoft.com/office/drawing/2014/main" id="{2F09B9F7-1394-47C7-9017-A9AEBC0D0274}"/>
+              </a:ext>
+            </a:extLst>
+          </p:cNvPr>
+          <p:cNvPicPr>
+            <a:picLocks noChangeAspect="1"/>
+          </p:cNvPicPr>
+          <p:nvPr/>
+        </p:nvPicPr>
+        <p:blipFill>
+          <a:blip r:embed="rId2">
+            <a:extLst>
+              <a:ext uri="{BEBA8EAE-BF5A-486C-A8C5-ECC9F3942E4B}">
+                <a14:imgProps xmlns:a14="http://schemas.microsoft.com/office/drawing/2010/main">
+                  <a14:imgLayer r:embed="rId3">
+                    <a14:imgEffect>
+                      <a14:backgroundRemoval t="10000" b="90000" l="10000" r="90000"/>
+                    </a14:imgEffect>
+                  </a14:imgLayer>
+                </a14:imgProps>
+              </a:ext>
+            </a:extLst>
+          </a:blip>
+          <a:stretch>
+            <a:fillRect/>
+          </a:stretch>
+        </p:blipFill>
+        <p:spPr>
+          <a:xfrm rot="3509753">
+            <a:off x="9275948" y="3768502"/>
+            <a:ext cx="629015" cy="629015"/>
+          </a:xfrm>
+          <a:prstGeom prst="rect">
+            <a:avLst/>
+          </a:prstGeom>
+        </p:spPr>
+      </p:pic>
+      <p:pic>
+        <p:nvPicPr>
+          <p:cNvPr id="19" name="Рисунок 18">
+            <a:extLst>
+              <a:ext uri="{FF2B5EF4-FFF2-40B4-BE49-F238E27FC236}">
+                <a16:creationId xmlns:a16="http://schemas.microsoft.com/office/drawing/2014/main" id="{9B934CFB-EF5E-4169-8642-2E8D154F6CCA}"/>
+              </a:ext>
+            </a:extLst>
+          </p:cNvPr>
+          <p:cNvPicPr>
+            <a:picLocks noChangeAspect="1"/>
+          </p:cNvPicPr>
+          <p:nvPr/>
+        </p:nvPicPr>
+        <p:blipFill>
+          <a:blip r:embed="rId2">
+            <a:extLst>
+              <a:ext uri="{BEBA8EAE-BF5A-486C-A8C5-ECC9F3942E4B}">
+                <a14:imgProps xmlns:a14="http://schemas.microsoft.com/office/drawing/2010/main">
+                  <a14:imgLayer r:embed="rId3">
+                    <a14:imgEffect>
+                      <a14:backgroundRemoval t="10000" b="90000" l="10000" r="90000"/>
+                    </a14:imgEffect>
+                  </a14:imgLayer>
+                </a14:imgProps>
+              </a:ext>
+            </a:extLst>
+          </a:blip>
+          <a:stretch>
+            <a:fillRect/>
+          </a:stretch>
+        </p:blipFill>
+        <p:spPr>
+          <a:xfrm rot="20865398">
+            <a:off x="9360862" y="4586352"/>
+            <a:ext cx="629015" cy="629015"/>
+          </a:xfrm>
+          <a:prstGeom prst="rect">
+            <a:avLst/>
+          </a:prstGeom>
+        </p:spPr>
+      </p:pic>
+      <p:pic>
+        <p:nvPicPr>
+          <p:cNvPr id="20" name="Рисунок 19">
+            <a:extLst>
+              <a:ext uri="{FF2B5EF4-FFF2-40B4-BE49-F238E27FC236}">
+                <a16:creationId xmlns:a16="http://schemas.microsoft.com/office/drawing/2014/main" id="{DABC7A28-BE41-4987-BF80-651F4F468504}"/>
+              </a:ext>
+            </a:extLst>
+          </p:cNvPr>
+          <p:cNvPicPr>
+            <a:picLocks noChangeAspect="1"/>
+          </p:cNvPicPr>
+          <p:nvPr/>
+        </p:nvPicPr>
+        <p:blipFill>
+          <a:blip r:embed="rId2">
+            <a:extLst>
+              <a:ext uri="{BEBA8EAE-BF5A-486C-A8C5-ECC9F3942E4B}">
+                <a14:imgProps xmlns:a14="http://schemas.microsoft.com/office/drawing/2010/main">
+                  <a14:imgLayer r:embed="rId3">
+                    <a14:imgEffect>
+                      <a14:backgroundRemoval t="10000" b="90000" l="10000" r="90000"/>
+                    </a14:imgEffect>
+                  </a14:imgLayer>
+                </a14:imgProps>
+              </a:ext>
+            </a:extLst>
+          </a:blip>
+          <a:stretch>
+            <a:fillRect/>
+          </a:stretch>
+        </p:blipFill>
+        <p:spPr>
+          <a:xfrm rot="16913277">
+            <a:off x="7416980" y="2341479"/>
+            <a:ext cx="629015" cy="629015"/>
+          </a:xfrm>
+          <a:prstGeom prst="rect">
+            <a:avLst/>
+          </a:prstGeom>
+        </p:spPr>
+      </p:pic>
+      <p:pic>
+        <p:nvPicPr>
+          <p:cNvPr id="21" name="Рисунок 20">
+            <a:extLst>
+              <a:ext uri="{FF2B5EF4-FFF2-40B4-BE49-F238E27FC236}">
+                <a16:creationId xmlns:a16="http://schemas.microsoft.com/office/drawing/2014/main" id="{6A1381BF-F1E2-41CE-A8DC-9CFA30962E8E}"/>
+              </a:ext>
+            </a:extLst>
+          </p:cNvPr>
+          <p:cNvPicPr>
+            <a:picLocks noChangeAspect="1"/>
+          </p:cNvPicPr>
+          <p:nvPr/>
+        </p:nvPicPr>
+        <p:blipFill>
+          <a:blip r:embed="rId2">
+            <a:extLst>
+              <a:ext uri="{BEBA8EAE-BF5A-486C-A8C5-ECC9F3942E4B}">
+                <a14:imgProps xmlns:a14="http://schemas.microsoft.com/office/drawing/2010/main">
+                  <a14:imgLayer r:embed="rId3">
+                    <a14:imgEffect>
+                      <a14:backgroundRemoval t="10000" b="90000" l="10000" r="90000"/>
+                    </a14:imgEffect>
+                  </a14:imgLayer>
+                </a14:imgProps>
+              </a:ext>
+            </a:extLst>
+          </a:blip>
+          <a:stretch>
+            <a:fillRect/>
+          </a:stretch>
+        </p:blipFill>
+        <p:spPr>
+          <a:xfrm rot="826715">
+            <a:off x="10714940" y="3453994"/>
+            <a:ext cx="629015" cy="629015"/>
+          </a:xfrm>
+          <a:prstGeom prst="rect">
+            <a:avLst/>
+          </a:prstGeom>
+        </p:spPr>
+      </p:pic>
+      <p:pic>
+        <p:nvPicPr>
+          <p:cNvPr id="24" name="Рисунок 23">
+            <a:extLst>
+              <a:ext uri="{FF2B5EF4-FFF2-40B4-BE49-F238E27FC236}">
+                <a16:creationId xmlns:a16="http://schemas.microsoft.com/office/drawing/2014/main" id="{FF7367C4-9474-4115-B3A8-05E4CB69F779}"/>
+              </a:ext>
+            </a:extLst>
+          </p:cNvPr>
+          <p:cNvPicPr>
+            <a:picLocks noChangeAspect="1"/>
+          </p:cNvPicPr>
+          <p:nvPr/>
+        </p:nvPicPr>
+        <p:blipFill>
+          <a:blip r:embed="rId2">
+            <a:extLst>
+              <a:ext uri="{BEBA8EAE-BF5A-486C-A8C5-ECC9F3942E4B}">
+                <a14:imgProps xmlns:a14="http://schemas.microsoft.com/office/drawing/2010/main">
+                  <a14:imgLayer r:embed="rId3">
+                    <a14:imgEffect>
+                      <a14:backgroundRemoval t="10000" b="90000" l="10000" r="90000"/>
+                    </a14:imgEffect>
+                  </a14:imgLayer>
+                </a14:imgProps>
+              </a:ext>
+            </a:extLst>
+          </a:blip>
+          <a:stretch>
+            <a:fillRect/>
+          </a:stretch>
+        </p:blipFill>
+        <p:spPr>
+          <a:xfrm rot="3347866">
+            <a:off x="3636213" y="2900094"/>
+            <a:ext cx="629015" cy="629015"/>
+          </a:xfrm>
+          <a:prstGeom prst="rect">
+            <a:avLst/>
+          </a:prstGeom>
+        </p:spPr>
+      </p:pic>
+      <p:pic>
+        <p:nvPicPr>
+          <p:cNvPr id="22" name="Рисунок 21">
+            <a:extLst>
+              <a:ext uri="{FF2B5EF4-FFF2-40B4-BE49-F238E27FC236}">
+                <a16:creationId xmlns:a16="http://schemas.microsoft.com/office/drawing/2014/main" id="{3B13A895-6050-4931-A9A5-586109059BDE}"/>
+              </a:ext>
+            </a:extLst>
+          </p:cNvPr>
+          <p:cNvPicPr>
+            <a:picLocks noChangeAspect="1"/>
+          </p:cNvPicPr>
+          <p:nvPr/>
+        </p:nvPicPr>
+        <p:blipFill>
+          <a:blip r:embed="rId2">
+            <a:extLst>
+              <a:ext uri="{BEBA8EAE-BF5A-486C-A8C5-ECC9F3942E4B}">
+                <a14:imgProps xmlns:a14="http://schemas.microsoft.com/office/drawing/2010/main">
+                  <a14:imgLayer r:embed="rId3">
+                    <a14:imgEffect>
+                      <a14:backgroundRemoval t="10000" b="90000" l="10000" r="90000"/>
+                    </a14:imgEffect>
+                  </a14:imgLayer>
+                </a14:imgProps>
+              </a:ext>
+            </a:extLst>
+          </a:blip>
+          <a:stretch>
+            <a:fillRect/>
+          </a:stretch>
+        </p:blipFill>
+        <p:spPr>
+          <a:xfrm rot="18738113">
+            <a:off x="2158388" y="3597788"/>
+            <a:ext cx="629015" cy="629015"/>
+          </a:xfrm>
+          <a:prstGeom prst="rect">
+            <a:avLst/>
+          </a:prstGeom>
+        </p:spPr>
+      </p:pic>
+      <p:pic>
+        <p:nvPicPr>
+          <p:cNvPr id="23" name="Рисунок 22">
+            <a:extLst>
+              <a:ext uri="{FF2B5EF4-FFF2-40B4-BE49-F238E27FC236}">
+                <a16:creationId xmlns:a16="http://schemas.microsoft.com/office/drawing/2014/main" id="{803B39DB-9CD9-4728-AAC3-80249F32C47B}"/>
+              </a:ext>
+            </a:extLst>
+          </p:cNvPr>
+          <p:cNvPicPr>
+            <a:picLocks noChangeAspect="1"/>
+          </p:cNvPicPr>
+          <p:nvPr/>
+        </p:nvPicPr>
+        <p:blipFill>
+          <a:blip r:embed="rId2">
+            <a:extLst>
+              <a:ext uri="{BEBA8EAE-BF5A-486C-A8C5-ECC9F3942E4B}">
+                <a14:imgProps xmlns:a14="http://schemas.microsoft.com/office/drawing/2010/main">
+                  <a14:imgLayer r:embed="rId3">
+                    <a14:imgEffect>
+                      <a14:backgroundRemoval t="10000" b="90000" l="10000" r="90000"/>
+                    </a14:imgEffect>
+                  </a14:imgLayer>
+                </a14:imgProps>
+              </a:ext>
+            </a:extLst>
+          </a:blip>
+          <a:stretch>
+            <a:fillRect/>
+          </a:stretch>
+        </p:blipFill>
+        <p:spPr>
+          <a:xfrm rot="16617065">
+            <a:off x="1207701" y="3721768"/>
+            <a:ext cx="629015" cy="629015"/>
+          </a:xfrm>
+          <a:prstGeom prst="rect">
+            <a:avLst/>
+          </a:prstGeom>
+        </p:spPr>
+      </p:pic>
+      <p:pic>
+        <p:nvPicPr>
+          <p:cNvPr id="25" name="Рисунок 24">
+            <a:extLst>
+              <a:ext uri="{FF2B5EF4-FFF2-40B4-BE49-F238E27FC236}">
+                <a16:creationId xmlns:a16="http://schemas.microsoft.com/office/drawing/2014/main" id="{8FE7A64B-CF66-453C-AF2B-F913BD8EB2BB}"/>
+              </a:ext>
+            </a:extLst>
+          </p:cNvPr>
+          <p:cNvPicPr>
+            <a:picLocks noChangeAspect="1"/>
+          </p:cNvPicPr>
+          <p:nvPr/>
+        </p:nvPicPr>
+        <p:blipFill>
+          <a:blip r:embed="rId2">
+            <a:extLst>
+              <a:ext uri="{BEBA8EAE-BF5A-486C-A8C5-ECC9F3942E4B}">
+                <a14:imgProps xmlns:a14="http://schemas.microsoft.com/office/drawing/2010/main">
+                  <a14:imgLayer r:embed="rId3">
+                    <a14:imgEffect>
+                      <a14:backgroundRemoval t="10000" b="90000" l="10000" r="90000"/>
+                    </a14:imgEffect>
+                  </a14:imgLayer>
+                </a14:imgProps>
+              </a:ext>
+            </a:extLst>
+          </a:blip>
+          <a:stretch>
+            <a:fillRect/>
+          </a:stretch>
+        </p:blipFill>
+        <p:spPr>
+          <a:xfrm rot="20703511">
+            <a:off x="2734015" y="4917594"/>
+            <a:ext cx="629015" cy="629015"/>
+          </a:xfrm>
+          <a:prstGeom prst="rect">
+            <a:avLst/>
+          </a:prstGeom>
+        </p:spPr>
+      </p:pic>
+      <p:pic>
+        <p:nvPicPr>
+          <p:cNvPr id="26" name="Рисунок 25">
+            <a:extLst>
+              <a:ext uri="{FF2B5EF4-FFF2-40B4-BE49-F238E27FC236}">
+                <a16:creationId xmlns:a16="http://schemas.microsoft.com/office/drawing/2014/main" id="{86CC4F35-9BB8-42B5-9829-F699D5CB96A0}"/>
+              </a:ext>
+            </a:extLst>
+          </p:cNvPr>
+          <p:cNvPicPr>
+            <a:picLocks noChangeAspect="1"/>
+          </p:cNvPicPr>
+          <p:nvPr/>
+        </p:nvPicPr>
+        <p:blipFill>
+          <a:blip r:embed="rId2">
+            <a:extLst>
+              <a:ext uri="{BEBA8EAE-BF5A-486C-A8C5-ECC9F3942E4B}">
+                <a14:imgProps xmlns:a14="http://schemas.microsoft.com/office/drawing/2010/main">
+                  <a14:imgLayer r:embed="rId3">
+                    <a14:imgEffect>
+                      <a14:backgroundRemoval t="10000" b="90000" l="10000" r="90000"/>
+                    </a14:imgEffect>
+                  </a14:imgLayer>
+                </a14:imgProps>
+              </a:ext>
+            </a:extLst>
+          </a:blip>
+          <a:stretch>
+            <a:fillRect/>
+          </a:stretch>
+        </p:blipFill>
+        <p:spPr>
+          <a:xfrm rot="16751390">
+            <a:off x="1801337" y="2341479"/>
+            <a:ext cx="629015" cy="629015"/>
+          </a:xfrm>
+          <a:prstGeom prst="rect">
+            <a:avLst/>
+          </a:prstGeom>
+        </p:spPr>
+      </p:pic>
+      <p:pic>
+        <p:nvPicPr>
+          <p:cNvPr id="27" name="Рисунок 26">
+            <a:extLst>
+              <a:ext uri="{FF2B5EF4-FFF2-40B4-BE49-F238E27FC236}">
+                <a16:creationId xmlns:a16="http://schemas.microsoft.com/office/drawing/2014/main" id="{D4D131A6-39D8-4E66-A30D-8B5522567ED0}"/>
+              </a:ext>
+            </a:extLst>
+          </p:cNvPr>
+          <p:cNvPicPr>
+            <a:picLocks noChangeAspect="1"/>
+          </p:cNvPicPr>
+          <p:nvPr/>
+        </p:nvPicPr>
+        <p:blipFill>
+          <a:blip r:embed="rId2">
+            <a:extLst>
+              <a:ext uri="{BEBA8EAE-BF5A-486C-A8C5-ECC9F3942E4B}">
+                <a14:imgProps xmlns:a14="http://schemas.microsoft.com/office/drawing/2010/main">
+                  <a14:imgLayer r:embed="rId3">
+                    <a14:imgEffect>
+                      <a14:backgroundRemoval t="10000" b="90000" l="10000" r="90000"/>
+                    </a14:imgEffect>
+                  </a14:imgLayer>
+                </a14:imgProps>
+              </a:ext>
+            </a:extLst>
+          </a:blip>
+          <a:stretch>
+            <a:fillRect/>
+          </a:stretch>
+        </p:blipFill>
+        <p:spPr>
+          <a:xfrm rot="664828">
+            <a:off x="5075205" y="2585586"/>
+            <a:ext cx="629015" cy="629015"/>
+          </a:xfrm>
+          <a:prstGeom prst="rect">
+            <a:avLst/>
+          </a:prstGeom>
+        </p:spPr>
+      </p:pic>
+      <p:pic>
+        <p:nvPicPr>
+          <p:cNvPr id="28" name="Рисунок 27">
+            <a:extLst>
+              <a:ext uri="{FF2B5EF4-FFF2-40B4-BE49-F238E27FC236}">
+                <a16:creationId xmlns:a16="http://schemas.microsoft.com/office/drawing/2014/main" id="{CB0AA568-9063-4059-AA48-1060FA0A1776}"/>
+              </a:ext>
+            </a:extLst>
+          </p:cNvPr>
+          <p:cNvPicPr>
+            <a:picLocks noChangeAspect="1"/>
+          </p:cNvPicPr>
+          <p:nvPr/>
+        </p:nvPicPr>
+        <p:blipFill>
+          <a:blip r:embed="rId2">
+            <a:extLst>
+              <a:ext uri="{BEBA8EAE-BF5A-486C-A8C5-ECC9F3942E4B}">
+                <a14:imgProps xmlns:a14="http://schemas.microsoft.com/office/drawing/2010/main">
+                  <a14:imgLayer r:embed="rId3">
+                    <a14:imgEffect>
+                      <a14:backgroundRemoval t="10000" b="90000" l="10000" r="90000"/>
+                    </a14:imgEffect>
+                  </a14:imgLayer>
+                </a14:imgProps>
+              </a:ext>
+            </a:extLst>
+          </a:blip>
+          <a:stretch>
+            <a:fillRect/>
+          </a:stretch>
+        </p:blipFill>
+        <p:spPr>
+          <a:xfrm rot="19800000">
+            <a:off x="1466972" y="1480965"/>
+            <a:ext cx="629015" cy="629015"/>
+          </a:xfrm>
+          <a:prstGeom prst="rect">
+            <a:avLst/>
+          </a:prstGeom>
+        </p:spPr>
+      </p:pic>
+      <p:pic>
+        <p:nvPicPr>
+          <p:cNvPr id="29" name="Рисунок 28">
+            <a:extLst>
+              <a:ext uri="{FF2B5EF4-FFF2-40B4-BE49-F238E27FC236}">
+                <a16:creationId xmlns:a16="http://schemas.microsoft.com/office/drawing/2014/main" id="{BFE99453-9A9C-409F-BC55-C61CDF2301C1}"/>
+              </a:ext>
+            </a:extLst>
+          </p:cNvPr>
+          <p:cNvPicPr>
+            <a:picLocks noChangeAspect="1"/>
+          </p:cNvPicPr>
+          <p:nvPr/>
+        </p:nvPicPr>
+        <p:blipFill>
+          <a:blip r:embed="rId2">
+            <a:extLst>
+              <a:ext uri="{BEBA8EAE-BF5A-486C-A8C5-ECC9F3942E4B}">
+                <a14:imgProps xmlns:a14="http://schemas.microsoft.com/office/drawing/2010/main">
+                  <a14:imgLayer r:embed="rId3">
+                    <a14:imgEffect>
+                      <a14:backgroundRemoval t="10000" b="90000" l="10000" r="90000"/>
+                    </a14:imgEffect>
+                  </a14:imgLayer>
+                </a14:imgProps>
+              </a:ext>
+            </a:extLst>
+          </a:blip>
+          <a:stretch>
+            <a:fillRect/>
+          </a:stretch>
+        </p:blipFill>
+        <p:spPr>
+          <a:xfrm rot="17678952">
+            <a:off x="516285" y="1604945"/>
+            <a:ext cx="629015" cy="629015"/>
+          </a:xfrm>
+          <a:prstGeom prst="rect">
+            <a:avLst/>
+          </a:prstGeom>
+        </p:spPr>
+      </p:pic>
+      <p:pic>
+        <p:nvPicPr>
+          <p:cNvPr id="32" name="Рисунок 31">
+            <a:extLst>
+              <a:ext uri="{FF2B5EF4-FFF2-40B4-BE49-F238E27FC236}">
+                <a16:creationId xmlns:a16="http://schemas.microsoft.com/office/drawing/2014/main" id="{C8DAF108-1FFB-4ECD-867C-D32F4533DEB1}"/>
+              </a:ext>
+            </a:extLst>
+          </p:cNvPr>
+          <p:cNvPicPr>
+            <a:picLocks noChangeAspect="1"/>
+          </p:cNvPicPr>
+          <p:nvPr/>
+        </p:nvPicPr>
+        <p:blipFill>
+          <a:blip r:embed="rId2">
+            <a:extLst>
+              <a:ext uri="{BEBA8EAE-BF5A-486C-A8C5-ECC9F3942E4B}">
+                <a14:imgProps xmlns:a14="http://schemas.microsoft.com/office/drawing/2010/main">
+                  <a14:imgLayer r:embed="rId3">
+                    <a14:imgEffect>
+                      <a14:backgroundRemoval t="10000" b="90000" l="10000" r="90000"/>
+                    </a14:imgEffect>
+                  </a14:imgLayer>
+                </a14:imgProps>
+              </a:ext>
+            </a:extLst>
+          </a:blip>
+          <a:stretch>
+            <a:fillRect/>
+          </a:stretch>
+        </p:blipFill>
+        <p:spPr>
+          <a:xfrm rot="17813277">
+            <a:off x="2145288" y="731214"/>
+            <a:ext cx="629015" cy="629015"/>
+          </a:xfrm>
+          <a:prstGeom prst="rect">
+            <a:avLst/>
+          </a:prstGeom>
+        </p:spPr>
+      </p:pic>
+      <p:pic>
+        <p:nvPicPr>
+          <p:cNvPr id="33" name="Рисунок 32">
+            <a:extLst>
+              <a:ext uri="{FF2B5EF4-FFF2-40B4-BE49-F238E27FC236}">
+                <a16:creationId xmlns:a16="http://schemas.microsoft.com/office/drawing/2014/main" id="{E09AC7B7-16A1-4EF9-AD79-F5C677053066}"/>
+              </a:ext>
+            </a:extLst>
+          </p:cNvPr>
+          <p:cNvPicPr>
+            <a:picLocks noChangeAspect="1"/>
+          </p:cNvPicPr>
+          <p:nvPr/>
+        </p:nvPicPr>
+        <p:blipFill>
+          <a:blip r:embed="rId2">
+            <a:extLst>
+              <a:ext uri="{BEBA8EAE-BF5A-486C-A8C5-ECC9F3942E4B}">
+                <a14:imgProps xmlns:a14="http://schemas.microsoft.com/office/drawing/2010/main">
+                  <a14:imgLayer r:embed="rId3">
+                    <a14:imgEffect>
+                      <a14:backgroundRemoval t="10000" b="90000" l="10000" r="90000"/>
+                    </a14:imgEffect>
+                  </a14:imgLayer>
+                </a14:imgProps>
+              </a:ext>
+            </a:extLst>
+          </a:blip>
+          <a:stretch>
+            <a:fillRect/>
+          </a:stretch>
+        </p:blipFill>
+        <p:spPr>
+          <a:xfrm rot="1726715">
+            <a:off x="5608162" y="3108971"/>
+            <a:ext cx="629015" cy="629015"/>
+          </a:xfrm>
+          <a:prstGeom prst="rect">
+            <a:avLst/>
+          </a:prstGeom>
+        </p:spPr>
+      </p:pic>
+      <p:pic>
+        <p:nvPicPr>
+          <p:cNvPr id="34" name="Рисунок 33">
+            <a:extLst>
+              <a:ext uri="{FF2B5EF4-FFF2-40B4-BE49-F238E27FC236}">
+                <a16:creationId xmlns:a16="http://schemas.microsoft.com/office/drawing/2014/main" id="{784B4486-77AC-45A1-8E95-D87EB272ACA3}"/>
+              </a:ext>
+            </a:extLst>
+          </p:cNvPr>
+          <p:cNvPicPr>
+            <a:picLocks noChangeAspect="1"/>
+          </p:cNvPicPr>
+          <p:nvPr/>
+        </p:nvPicPr>
+        <p:blipFill>
+          <a:blip r:embed="rId2">
+            <a:extLst>
+              <a:ext uri="{BEBA8EAE-BF5A-486C-A8C5-ECC9F3942E4B}">
+                <a14:imgProps xmlns:a14="http://schemas.microsoft.com/office/drawing/2010/main">
+                  <a14:imgLayer r:embed="rId3">
+                    <a14:imgEffect>
+                      <a14:backgroundRemoval t="10000" b="90000" l="10000" r="90000"/>
+                    </a14:imgEffect>
+                  </a14:imgLayer>
+                </a14:imgProps>
+              </a:ext>
+            </a:extLst>
+          </a:blip>
+          <a:stretch>
+            <a:fillRect/>
+          </a:stretch>
+        </p:blipFill>
+        <p:spPr>
+          <a:xfrm>
+            <a:off x="4903249" y="1292912"/>
+            <a:ext cx="629015" cy="629015"/>
+          </a:xfrm>
+          <a:prstGeom prst="rect">
+            <a:avLst/>
+          </a:prstGeom>
+        </p:spPr>
+      </p:pic>
+      <p:pic>
+        <p:nvPicPr>
+          <p:cNvPr id="37" name="Рисунок 36">
+            <a:extLst>
+              <a:ext uri="{FF2B5EF4-FFF2-40B4-BE49-F238E27FC236}">
+                <a16:creationId xmlns:a16="http://schemas.microsoft.com/office/drawing/2014/main" id="{7F5D0399-C226-4894-A63B-146BFB3D5BB7}"/>
+              </a:ext>
+            </a:extLst>
+          </p:cNvPr>
+          <p:cNvPicPr>
+            <a:picLocks noChangeAspect="1"/>
+          </p:cNvPicPr>
+          <p:nvPr/>
+        </p:nvPicPr>
+        <p:blipFill>
+          <a:blip r:embed="rId2">
+            <a:extLst>
+              <a:ext uri="{BEBA8EAE-BF5A-486C-A8C5-ECC9F3942E4B}">
+                <a14:imgProps xmlns:a14="http://schemas.microsoft.com/office/drawing/2010/main">
+                  <a14:imgLayer r:embed="rId3">
+                    <a14:imgEffect>
+                      <a14:backgroundRemoval t="10000" b="90000" l="10000" r="90000"/>
+                    </a14:imgEffect>
+                  </a14:imgLayer>
+                </a14:imgProps>
+              </a:ext>
+            </a:extLst>
+          </a:blip>
+          <a:stretch>
+            <a:fillRect/>
+          </a:stretch>
+        </p:blipFill>
+        <p:spPr>
+          <a:xfrm rot="1965398">
+            <a:off x="6465988" y="1413068"/>
+            <a:ext cx="629015" cy="629015"/>
+          </a:xfrm>
+          <a:prstGeom prst="rect">
+            <a:avLst/>
+          </a:prstGeom>
+        </p:spPr>
+      </p:pic>
+      <p:pic>
+        <p:nvPicPr>
+          <p:cNvPr id="38" name="Рисунок 37">
+            <a:extLst>
+              <a:ext uri="{FF2B5EF4-FFF2-40B4-BE49-F238E27FC236}">
+                <a16:creationId xmlns:a16="http://schemas.microsoft.com/office/drawing/2014/main" id="{EA01B5FD-A09B-44DD-96B5-DBCF6B5D74B0}"/>
+              </a:ext>
+            </a:extLst>
+          </p:cNvPr>
+          <p:cNvPicPr>
+            <a:picLocks noChangeAspect="1"/>
+          </p:cNvPicPr>
+          <p:nvPr/>
+        </p:nvPicPr>
+        <p:blipFill>
+          <a:blip r:embed="rId2">
+            <a:extLst>
+              <a:ext uri="{BEBA8EAE-BF5A-486C-A8C5-ECC9F3942E4B}">
+                <a14:imgProps xmlns:a14="http://schemas.microsoft.com/office/drawing/2010/main">
+                  <a14:imgLayer r:embed="rId3">
+                    <a14:imgEffect>
+                      <a14:backgroundRemoval t="10000" b="90000" l="10000" r="90000"/>
+                    </a14:imgEffect>
+                  </a14:imgLayer>
+                </a14:imgProps>
+              </a:ext>
+            </a:extLst>
+          </a:blip>
+          <a:stretch>
+            <a:fillRect/>
+          </a:stretch>
+        </p:blipFill>
+        <p:spPr>
+          <a:xfrm rot="19613277">
+            <a:off x="5798398" y="1401129"/>
+            <a:ext cx="629015" cy="629015"/>
+          </a:xfrm>
+          <a:prstGeom prst="rect">
+            <a:avLst/>
+          </a:prstGeom>
+        </p:spPr>
+      </p:pic>
+      <p:pic>
+        <p:nvPicPr>
+          <p:cNvPr id="40" name="Рисунок 39">
+            <a:extLst>
+              <a:ext uri="{FF2B5EF4-FFF2-40B4-BE49-F238E27FC236}">
+                <a16:creationId xmlns:a16="http://schemas.microsoft.com/office/drawing/2014/main" id="{0080831B-7E93-4D37-9B5C-87BCD61D582D}"/>
+              </a:ext>
+            </a:extLst>
+          </p:cNvPr>
+          <p:cNvPicPr>
+            <a:picLocks noChangeAspect="1"/>
+          </p:cNvPicPr>
+          <p:nvPr/>
+        </p:nvPicPr>
+        <p:blipFill>
+          <a:blip r:embed="rId2">
+            <a:extLst>
+              <a:ext uri="{BEBA8EAE-BF5A-486C-A8C5-ECC9F3942E4B}">
+                <a14:imgProps xmlns:a14="http://schemas.microsoft.com/office/drawing/2010/main">
+                  <a14:imgLayer r:embed="rId3">
+                    <a14:imgEffect>
+                      <a14:backgroundRemoval t="10000" b="90000" l="10000" r="90000"/>
+                    </a14:imgEffect>
+                  </a14:imgLayer>
+                </a14:imgProps>
+              </a:ext>
+            </a:extLst>
+          </a:blip>
+          <a:stretch>
+            <a:fillRect/>
+          </a:stretch>
+        </p:blipFill>
+        <p:spPr>
+          <a:xfrm>
+            <a:off x="4780633" y="632077"/>
+            <a:ext cx="877674" cy="877674"/>
+          </a:xfrm>
+          <a:prstGeom prst="rect">
+            <a:avLst/>
+          </a:prstGeom>
+        </p:spPr>
+      </p:pic>
+      <p:pic>
+        <p:nvPicPr>
+          <p:cNvPr id="41" name="Рисунок 40">
+            <a:extLst>
+              <a:ext uri="{FF2B5EF4-FFF2-40B4-BE49-F238E27FC236}">
+                <a16:creationId xmlns:a16="http://schemas.microsoft.com/office/drawing/2014/main" id="{FF96C6D1-7421-434A-A571-CA0B77FEA966}"/>
+              </a:ext>
+            </a:extLst>
+          </p:cNvPr>
+          <p:cNvPicPr>
+            <a:picLocks noChangeAspect="1"/>
+          </p:cNvPicPr>
+          <p:nvPr/>
+        </p:nvPicPr>
+        <p:blipFill>
+          <a:blip r:embed="rId2">
+            <a:extLst>
+              <a:ext uri="{BEBA8EAE-BF5A-486C-A8C5-ECC9F3942E4B}">
+                <a14:imgProps xmlns:a14="http://schemas.microsoft.com/office/drawing/2010/main">
+                  <a14:imgLayer r:embed="rId3">
+                    <a14:imgEffect>
+                      <a14:backgroundRemoval t="10000" b="90000" l="10000" r="90000"/>
+                    </a14:imgEffect>
+                  </a14:imgLayer>
+                </a14:imgProps>
+              </a:ext>
+            </a:extLst>
+          </a:blip>
+          <a:stretch>
+            <a:fillRect/>
+          </a:stretch>
+        </p:blipFill>
+        <p:spPr>
+          <a:xfrm rot="19478952">
+            <a:off x="4271291" y="182883"/>
+            <a:ext cx="877674" cy="877674"/>
+          </a:xfrm>
+          <a:prstGeom prst="rect">
+            <a:avLst/>
+          </a:prstGeom>
+        </p:spPr>
+      </p:pic>
+      <p:pic>
+        <p:nvPicPr>
+          <p:cNvPr id="42" name="Рисунок 41">
+            <a:extLst>
+              <a:ext uri="{FF2B5EF4-FFF2-40B4-BE49-F238E27FC236}">
+                <a16:creationId xmlns:a16="http://schemas.microsoft.com/office/drawing/2014/main" id="{A6D619EB-39FC-40AA-BFCE-FC71CE34621B}"/>
+              </a:ext>
+            </a:extLst>
+          </p:cNvPr>
+          <p:cNvPicPr>
+            <a:picLocks noChangeAspect="1"/>
+          </p:cNvPicPr>
+          <p:nvPr/>
+        </p:nvPicPr>
+        <p:blipFill>
+          <a:blip r:embed="rId2">
+            <a:extLst>
+              <a:ext uri="{BEBA8EAE-BF5A-486C-A8C5-ECC9F3942E4B}">
+                <a14:imgProps xmlns:a14="http://schemas.microsoft.com/office/drawing/2010/main">
+                  <a14:imgLayer r:embed="rId3">
+                    <a14:imgEffect>
+                      <a14:backgroundRemoval t="10000" b="90000" l="10000" r="90000"/>
+                    </a14:imgEffect>
+                  </a14:imgLayer>
+                </a14:imgProps>
+              </a:ext>
+            </a:extLst>
+          </a:blip>
+          <a:stretch>
+            <a:fillRect/>
+          </a:stretch>
+        </p:blipFill>
+        <p:spPr>
+          <a:xfrm rot="6209753">
+            <a:off x="7305456" y="22695"/>
+            <a:ext cx="877674" cy="877674"/>
+          </a:xfrm>
+          <a:prstGeom prst="rect">
+            <a:avLst/>
+          </a:prstGeom>
+        </p:spPr>
+      </p:pic>
+      <p:pic>
+        <p:nvPicPr>
+          <p:cNvPr id="43" name="Рисунок 42">
+            <a:extLst>
+              <a:ext uri="{FF2B5EF4-FFF2-40B4-BE49-F238E27FC236}">
+                <a16:creationId xmlns:a16="http://schemas.microsoft.com/office/drawing/2014/main" id="{E713189A-C834-424C-A9BE-02E173AE1C3B}"/>
+              </a:ext>
+            </a:extLst>
+          </p:cNvPr>
+          <p:cNvPicPr>
+            <a:picLocks noChangeAspect="1"/>
+          </p:cNvPicPr>
+          <p:nvPr/>
+        </p:nvPicPr>
+        <p:blipFill>
+          <a:blip r:embed="rId2">
+            <a:extLst>
+              <a:ext uri="{BEBA8EAE-BF5A-486C-A8C5-ECC9F3942E4B}">
+                <a14:imgProps xmlns:a14="http://schemas.microsoft.com/office/drawing/2010/main">
+                  <a14:imgLayer r:embed="rId3">
+                    <a14:imgEffect>
+                      <a14:backgroundRemoval t="10000" b="90000" l="10000" r="90000"/>
+                    </a14:imgEffect>
+                  </a14:imgLayer>
+                </a14:imgProps>
+              </a:ext>
+            </a:extLst>
+          </a:blip>
+          <a:stretch>
+            <a:fillRect/>
+          </a:stretch>
+        </p:blipFill>
+        <p:spPr>
+          <a:xfrm rot="1965398">
+            <a:off x="6376922" y="388581"/>
+            <a:ext cx="877674" cy="877674"/>
+          </a:xfrm>
+          <a:prstGeom prst="rect">
+            <a:avLst/>
+          </a:prstGeom>
+        </p:spPr>
+      </p:pic>
+      <p:pic>
+        <p:nvPicPr>
+          <p:cNvPr id="44" name="Рисунок 43">
+            <a:extLst>
+              <a:ext uri="{FF2B5EF4-FFF2-40B4-BE49-F238E27FC236}">
+                <a16:creationId xmlns:a16="http://schemas.microsoft.com/office/drawing/2014/main" id="{995A7447-36D5-4F2B-A0F1-33A65C945D91}"/>
+              </a:ext>
+            </a:extLst>
+          </p:cNvPr>
+          <p:cNvPicPr>
+            <a:picLocks noChangeAspect="1"/>
+          </p:cNvPicPr>
+          <p:nvPr/>
+        </p:nvPicPr>
+        <p:blipFill>
+          <a:blip r:embed="rId2">
+            <a:extLst>
+              <a:ext uri="{BEBA8EAE-BF5A-486C-A8C5-ECC9F3942E4B}">
+                <a14:imgProps xmlns:a14="http://schemas.microsoft.com/office/drawing/2010/main">
+                  <a14:imgLayer r:embed="rId3">
+                    <a14:imgEffect>
+                      <a14:backgroundRemoval t="10000" b="90000" l="10000" r="90000"/>
+                    </a14:imgEffect>
+                  </a14:imgLayer>
+                </a14:imgProps>
+              </a:ext>
+            </a:extLst>
+          </a:blip>
+          <a:stretch>
+            <a:fillRect/>
+          </a:stretch>
+        </p:blipFill>
+        <p:spPr>
+          <a:xfrm rot="19613277">
+            <a:off x="6528094" y="98739"/>
+            <a:ext cx="877674" cy="877674"/>
+          </a:xfrm>
+          <a:prstGeom prst="rect">
+            <a:avLst/>
+          </a:prstGeom>
+        </p:spPr>
+      </p:pic>
+      <p:pic>
+        <p:nvPicPr>
+          <p:cNvPr id="45" name="Рисунок 44">
+            <a:extLst>
+              <a:ext uri="{FF2B5EF4-FFF2-40B4-BE49-F238E27FC236}">
+                <a16:creationId xmlns:a16="http://schemas.microsoft.com/office/drawing/2014/main" id="{77F7D5D8-4218-41EC-A12F-4EACCEAC0E86}"/>
+              </a:ext>
+            </a:extLst>
+          </p:cNvPr>
+          <p:cNvPicPr>
+            <a:picLocks noChangeAspect="1"/>
+          </p:cNvPicPr>
+          <p:nvPr/>
+        </p:nvPicPr>
+        <p:blipFill>
+          <a:blip r:embed="rId2">
+            <a:extLst>
+              <a:ext uri="{BEBA8EAE-BF5A-486C-A8C5-ECC9F3942E4B}">
+                <a14:imgProps xmlns:a14="http://schemas.microsoft.com/office/drawing/2010/main">
+                  <a14:imgLayer r:embed="rId3">
+                    <a14:imgEffect>
+                      <a14:backgroundRemoval t="10000" b="90000" l="10000" r="90000"/>
+                    </a14:imgEffect>
+                  </a14:imgLayer>
+                </a14:imgProps>
+              </a:ext>
+            </a:extLst>
+          </a:blip>
+          <a:stretch>
+            <a:fillRect/>
+          </a:stretch>
+        </p:blipFill>
+        <p:spPr>
+          <a:xfrm rot="3526715">
+            <a:off x="9800672" y="348503"/>
+            <a:ext cx="877674" cy="877674"/>
+          </a:xfrm>
+          <a:prstGeom prst="rect">
+            <a:avLst/>
+          </a:prstGeom>
+        </p:spPr>
+      </p:pic>
+      <p:pic>
+        <p:nvPicPr>
+          <p:cNvPr id="46" name="Рисунок 45">
+            <a:extLst>
+              <a:ext uri="{FF2B5EF4-FFF2-40B4-BE49-F238E27FC236}">
+                <a16:creationId xmlns:a16="http://schemas.microsoft.com/office/drawing/2014/main" id="{510DC03C-4721-4EA8-908F-0B0175A95F81}"/>
+              </a:ext>
+            </a:extLst>
+          </p:cNvPr>
+          <p:cNvPicPr>
+            <a:picLocks noChangeAspect="1"/>
+          </p:cNvPicPr>
+          <p:nvPr/>
+        </p:nvPicPr>
+        <p:blipFill>
+          <a:blip r:embed="rId2">
+            <a:extLst>
+              <a:ext uri="{BEBA8EAE-BF5A-486C-A8C5-ECC9F3942E4B}">
+                <a14:imgProps xmlns:a14="http://schemas.microsoft.com/office/drawing/2010/main">
+                  <a14:imgLayer r:embed="rId3">
+                    <a14:imgEffect>
+                      <a14:backgroundRemoval t="10000" b="90000" l="10000" r="90000"/>
+                    </a14:imgEffect>
+                  </a14:imgLayer>
+                </a14:imgProps>
+              </a:ext>
+            </a:extLst>
+          </a:blip>
+          <a:stretch>
+            <a:fillRect/>
+          </a:stretch>
+        </p:blipFill>
+        <p:spPr>
+          <a:xfrm rot="3509753">
+            <a:off x="9651564" y="2122584"/>
+            <a:ext cx="629015" cy="629015"/>
+          </a:xfrm>
+          <a:prstGeom prst="rect">
+            <a:avLst/>
+          </a:prstGeom>
+        </p:spPr>
+      </p:pic>
+      <p:pic>
+        <p:nvPicPr>
+          <p:cNvPr id="48" name="Рисунок 47">
+            <a:extLst>
+              <a:ext uri="{FF2B5EF4-FFF2-40B4-BE49-F238E27FC236}">
+                <a16:creationId xmlns:a16="http://schemas.microsoft.com/office/drawing/2014/main" id="{EF9B202D-D96F-4888-83E5-726F1DE04481}"/>
+              </a:ext>
+            </a:extLst>
+          </p:cNvPr>
+          <p:cNvPicPr>
+            <a:picLocks noChangeAspect="1"/>
+          </p:cNvPicPr>
+          <p:nvPr/>
+        </p:nvPicPr>
+        <p:blipFill>
+          <a:blip r:embed="rId2">
+            <a:extLst>
+              <a:ext uri="{BEBA8EAE-BF5A-486C-A8C5-ECC9F3942E4B}">
+                <a14:imgProps xmlns:a14="http://schemas.microsoft.com/office/drawing/2010/main">
+                  <a14:imgLayer r:embed="rId3">
+                    <a14:imgEffect>
+                      <a14:backgroundRemoval t="10000" b="90000" l="10000" r="90000"/>
+                    </a14:imgEffect>
+                  </a14:imgLayer>
+                </a14:imgProps>
+              </a:ext>
+            </a:extLst>
+          </a:blip>
+          <a:stretch>
+            <a:fillRect/>
+          </a:stretch>
+        </p:blipFill>
+        <p:spPr>
+          <a:xfrm rot="826715">
+            <a:off x="11090556" y="1808076"/>
+            <a:ext cx="629015" cy="629015"/>
+          </a:xfrm>
+          <a:prstGeom prst="rect">
+            <a:avLst/>
+          </a:prstGeom>
+        </p:spPr>
+      </p:pic>
+      <p:pic>
+        <p:nvPicPr>
+          <p:cNvPr id="51" name="Рисунок 50">
+            <a:extLst>
+              <a:ext uri="{FF2B5EF4-FFF2-40B4-BE49-F238E27FC236}">
+                <a16:creationId xmlns:a16="http://schemas.microsoft.com/office/drawing/2014/main" id="{D82A7D6A-082D-4D0B-B260-D9407F581CA9}"/>
+              </a:ext>
+            </a:extLst>
+          </p:cNvPr>
+          <p:cNvPicPr>
+            <a:picLocks noChangeAspect="1"/>
+          </p:cNvPicPr>
+          <p:nvPr/>
+        </p:nvPicPr>
+        <p:blipFill>
+          <a:blip r:embed="rId2">
+            <a:extLst>
+              <a:ext uri="{BEBA8EAE-BF5A-486C-A8C5-ECC9F3942E4B}">
+                <a14:imgProps xmlns:a14="http://schemas.microsoft.com/office/drawing/2010/main">
+                  <a14:imgLayer r:embed="rId3">
+                    <a14:imgEffect>
+                      <a14:backgroundRemoval t="10000" b="90000" l="10000" r="90000"/>
+                    </a14:imgEffect>
+                  </a14:imgLayer>
+                </a14:imgProps>
+              </a:ext>
+            </a:extLst>
+          </a:blip>
+          <a:stretch>
+            <a:fillRect/>
+          </a:stretch>
+        </p:blipFill>
+        <p:spPr>
+          <a:xfrm rot="664828">
+            <a:off x="5550616" y="4000209"/>
+            <a:ext cx="629015" cy="629015"/>
+          </a:xfrm>
+          <a:prstGeom prst="rect">
+            <a:avLst/>
+          </a:prstGeom>
+        </p:spPr>
+      </p:pic>
+      <p:pic>
+        <p:nvPicPr>
+          <p:cNvPr id="52" name="Рисунок 51">
+            <a:extLst>
+              <a:ext uri="{FF2B5EF4-FFF2-40B4-BE49-F238E27FC236}">
+                <a16:creationId xmlns:a16="http://schemas.microsoft.com/office/drawing/2014/main" id="{70763F82-DD82-440A-B854-AC09C68C9129}"/>
+              </a:ext>
+            </a:extLst>
+          </p:cNvPr>
+          <p:cNvPicPr>
+            <a:picLocks noChangeAspect="1"/>
+          </p:cNvPicPr>
+          <p:nvPr/>
+        </p:nvPicPr>
+        <p:blipFill>
+          <a:blip r:embed="rId2">
+            <a:extLst>
+              <a:ext uri="{BEBA8EAE-BF5A-486C-A8C5-ECC9F3942E4B}">
+                <a14:imgProps xmlns:a14="http://schemas.microsoft.com/office/drawing/2010/main">
+                  <a14:imgLayer r:embed="rId3">
+                    <a14:imgEffect>
+                      <a14:backgroundRemoval t="10000" b="90000" l="10000" r="90000"/>
+                    </a14:imgEffect>
+                  </a14:imgLayer>
+                </a14:imgProps>
+              </a:ext>
+            </a:extLst>
+          </a:blip>
+          <a:stretch>
+            <a:fillRect/>
+          </a:stretch>
+        </p:blipFill>
+        <p:spPr>
+          <a:xfrm rot="19800000">
+            <a:off x="2877955" y="341605"/>
+            <a:ext cx="629015" cy="629015"/>
+          </a:xfrm>
+          <a:prstGeom prst="rect">
+            <a:avLst/>
+          </a:prstGeom>
+        </p:spPr>
+      </p:pic>
+      <p:pic>
+        <p:nvPicPr>
+          <p:cNvPr id="53" name="Рисунок 52">
+            <a:extLst>
+              <a:ext uri="{FF2B5EF4-FFF2-40B4-BE49-F238E27FC236}">
+                <a16:creationId xmlns:a16="http://schemas.microsoft.com/office/drawing/2014/main" id="{03D71E59-7CF4-4803-A2D0-58CC1C47A510}"/>
+              </a:ext>
+            </a:extLst>
+          </p:cNvPr>
+          <p:cNvPicPr>
+            <a:picLocks noChangeAspect="1"/>
+          </p:cNvPicPr>
+          <p:nvPr/>
+        </p:nvPicPr>
+        <p:blipFill>
+          <a:blip r:embed="rId2">
+            <a:extLst>
+              <a:ext uri="{BEBA8EAE-BF5A-486C-A8C5-ECC9F3942E4B}">
+                <a14:imgProps xmlns:a14="http://schemas.microsoft.com/office/drawing/2010/main">
+                  <a14:imgLayer r:embed="rId3">
+                    <a14:imgEffect>
+                      <a14:backgroundRemoval t="10000" b="90000" l="10000" r="90000"/>
+                    </a14:imgEffect>
+                  </a14:imgLayer>
+                </a14:imgProps>
+              </a:ext>
+            </a:extLst>
+          </a:blip>
+          <a:stretch>
+            <a:fillRect/>
+          </a:stretch>
+        </p:blipFill>
+        <p:spPr>
+          <a:xfrm rot="17678952">
+            <a:off x="891901" y="-40973"/>
+            <a:ext cx="629015" cy="629015"/>
+          </a:xfrm>
+          <a:prstGeom prst="rect">
+            <a:avLst/>
+          </a:prstGeom>
+        </p:spPr>
+      </p:pic>
+      <p:pic>
+        <p:nvPicPr>
+          <p:cNvPr id="54" name="Рисунок 53">
+            <a:extLst>
+              <a:ext uri="{FF2B5EF4-FFF2-40B4-BE49-F238E27FC236}">
+                <a16:creationId xmlns:a16="http://schemas.microsoft.com/office/drawing/2014/main" id="{7D304F23-10B8-4A2F-8187-DA1402C805E7}"/>
+              </a:ext>
+            </a:extLst>
+          </p:cNvPr>
+          <p:cNvPicPr>
+            <a:picLocks noChangeAspect="1"/>
+          </p:cNvPicPr>
+          <p:nvPr/>
+        </p:nvPicPr>
+        <p:blipFill>
+          <a:blip r:embed="rId2">
+            <a:extLst>
+              <a:ext uri="{BEBA8EAE-BF5A-486C-A8C5-ECC9F3942E4B}">
+                <a14:imgProps xmlns:a14="http://schemas.microsoft.com/office/drawing/2010/main">
+                  <a14:imgLayer r:embed="rId3">
+                    <a14:imgEffect>
+                      <a14:backgroundRemoval t="10000" b="90000" l="10000" r="90000"/>
+                    </a14:imgEffect>
+                  </a14:imgLayer>
+                </a14:imgProps>
+              </a:ext>
+            </a:extLst>
+          </a:blip>
+          <a:stretch>
+            <a:fillRect/>
+          </a:stretch>
+        </p:blipFill>
+        <p:spPr>
+          <a:xfrm rot="4409753">
+            <a:off x="5391147" y="150469"/>
+            <a:ext cx="629015" cy="629015"/>
+          </a:xfrm>
+          <a:prstGeom prst="rect">
+            <a:avLst/>
+          </a:prstGeom>
+        </p:spPr>
+      </p:pic>
+      <p:pic>
+        <p:nvPicPr>
+          <p:cNvPr id="55" name="Рисунок 54">
+            <a:extLst>
+              <a:ext uri="{FF2B5EF4-FFF2-40B4-BE49-F238E27FC236}">
+                <a16:creationId xmlns:a16="http://schemas.microsoft.com/office/drawing/2014/main" id="{5292AED1-EC3A-407B-8562-A901B9CF9EE3}"/>
+              </a:ext>
+            </a:extLst>
+          </p:cNvPr>
+          <p:cNvPicPr>
+            <a:picLocks noChangeAspect="1"/>
+          </p:cNvPicPr>
+          <p:nvPr/>
+        </p:nvPicPr>
+        <p:blipFill>
+          <a:blip r:embed="rId2">
+            <a:extLst>
+              <a:ext uri="{BEBA8EAE-BF5A-486C-A8C5-ECC9F3942E4B}">
+                <a14:imgProps xmlns:a14="http://schemas.microsoft.com/office/drawing/2010/main">
+                  <a14:imgLayer r:embed="rId3">
+                    <a14:imgEffect>
+                      <a14:backgroundRemoval t="10000" b="90000" l="10000" r="90000"/>
+                    </a14:imgEffect>
+                  </a14:imgLayer>
+                </a14:imgProps>
+              </a:ext>
+            </a:extLst>
+          </a:blip>
+          <a:stretch>
+            <a:fillRect/>
+          </a:stretch>
+        </p:blipFill>
+        <p:spPr>
+          <a:xfrm rot="165398">
+            <a:off x="3405327" y="-44797"/>
+            <a:ext cx="629015" cy="629015"/>
+          </a:xfrm>
+          <a:prstGeom prst="rect">
+            <a:avLst/>
+          </a:prstGeom>
+        </p:spPr>
+      </p:pic>
+      <p:pic>
+        <p:nvPicPr>
+          <p:cNvPr id="31" name="Рисунок 30">
+            <a:extLst>
+              <a:ext uri="{FF2B5EF4-FFF2-40B4-BE49-F238E27FC236}">
+                <a16:creationId xmlns:a16="http://schemas.microsoft.com/office/drawing/2014/main" id="{2D0222C5-811B-4A45-A57D-7D05CAF2C0F3}"/>
+              </a:ext>
+            </a:extLst>
+          </p:cNvPr>
+          <p:cNvPicPr>
+            <a:picLocks noChangeAspect="1"/>
+          </p:cNvPicPr>
+          <p:nvPr/>
+        </p:nvPicPr>
+        <p:blipFill>
+          <a:blip r:embed="rId2">
+            <a:extLst>
+              <a:ext uri="{BEBA8EAE-BF5A-486C-A8C5-ECC9F3942E4B}">
+                <a14:imgProps xmlns:a14="http://schemas.microsoft.com/office/drawing/2010/main">
+                  <a14:imgLayer r:embed="rId3">
+                    <a14:imgEffect>
+                      <a14:backgroundRemoval t="10000" b="90000" l="10000" r="90000"/>
+                    </a14:imgEffect>
+                  </a14:imgLayer>
+                </a14:imgProps>
+              </a:ext>
+            </a:extLst>
+          </a:blip>
+          <a:stretch>
+            <a:fillRect/>
+          </a:stretch>
+        </p:blipFill>
+        <p:spPr>
+          <a:xfrm rot="165398">
+            <a:off x="3029711" y="1601121"/>
+            <a:ext cx="629015" cy="629015"/>
+          </a:xfrm>
+          <a:prstGeom prst="rect">
+            <a:avLst/>
+          </a:prstGeom>
+        </p:spPr>
+      </p:pic>
+      <p:sp>
+        <p:nvSpPr>
+          <p:cNvPr id="3" name="Прямоугольник 2">
+            <a:extLst>
+              <a:ext uri="{FF2B5EF4-FFF2-40B4-BE49-F238E27FC236}">
+                <a16:creationId xmlns:a16="http://schemas.microsoft.com/office/drawing/2014/main" id="{EACE1AB5-BEE6-4FEE-88F7-981BAFBB0C89}"/>
+              </a:ext>
+            </a:extLst>
+          </p:cNvPr>
+          <p:cNvSpPr/>
+          <p:nvPr/>
+        </p:nvSpPr>
+        <p:spPr>
+          <a:xfrm>
             <a:off x="0" y="3742871"/>
             <a:ext cx="12192000" cy="834037"/>
           </a:xfrm>
@@ -10372,13 +10428,13 @@
   <p:clrMapOvr>
     <a:masterClrMapping/>
   </p:clrMapOvr>
-  <mc:AlternateContent xmlns:mc="http://schemas.openxmlformats.org/markup-compatibility/2006">
-    <mc:Choice xmlns:p159="http://schemas.microsoft.com/office/powerpoint/2015/09/main" Requires="p159">
+  <mc:AlternateContent xmlns:mc="http://schemas.openxmlformats.org/markup-compatibility/2006" xmlns:p159="http://schemas.microsoft.com/office/powerpoint/2015/09/main">
+    <mc:Choice Requires="p159">
       <p:transition xmlns:p14="http://schemas.microsoft.com/office/powerpoint/2010/main" spd="slow" p14:dur="2000">
         <p159:morph option="byObject"/>
       </p:transition>
     </mc:Choice>
-    <mc:Fallback>
+    <mc:Fallback xmlns="">
       <p:transition spd="slow">
         <p:fade/>
       </p:transition>
@@ -10460,6 +10516,2670 @@
     </p:tnLst>
     <p:bldLst>
       <p:bldP spid="58" grpId="0"/>
+    </p:bldLst>
+  </p:timing>
+</p:sld>
+</file>
+
+<file path=ppt/slides/slide4.xml><?xml version="1.0" encoding="utf-8"?>
+<p:sld xmlns:a="http://schemas.openxmlformats.org/drawingml/2006/main" xmlns:r="http://schemas.openxmlformats.org/officeDocument/2006/relationships" xmlns:p="http://schemas.openxmlformats.org/presentationml/2006/main">
+  <p:cSld>
+    <p:spTree>
+      <p:nvGrpSpPr>
+        <p:cNvPr id="1" name=""/>
+        <p:cNvGrpSpPr/>
+        <p:nvPr/>
+      </p:nvGrpSpPr>
+      <p:grpSpPr>
+        <a:xfrm>
+          <a:off x="0" y="0"/>
+          <a:ext cx="0" cy="0"/>
+          <a:chOff x="0" y="0"/>
+          <a:chExt cx="0" cy="0"/>
+        </a:xfrm>
+      </p:grpSpPr>
+      <p:sp>
+        <p:nvSpPr>
+          <p:cNvPr id="3" name="Прямоугольник 2">
+            <a:extLst>
+              <a:ext uri="{FF2B5EF4-FFF2-40B4-BE49-F238E27FC236}">
+                <a16:creationId xmlns:a16="http://schemas.microsoft.com/office/drawing/2014/main" id="{EACE1AB5-BEE6-4FEE-88F7-981BAFBB0C89}"/>
+              </a:ext>
+            </a:extLst>
+          </p:cNvPr>
+          <p:cNvSpPr/>
+          <p:nvPr/>
+        </p:nvSpPr>
+        <p:spPr>
+          <a:xfrm>
+            <a:off x="0" y="-1277"/>
+            <a:ext cx="12192000" cy="834037"/>
+          </a:xfrm>
+          <a:prstGeom prst="rect">
+            <a:avLst/>
+          </a:prstGeom>
+        </p:spPr>
+        <p:style>
+          <a:lnRef idx="2">
+            <a:schemeClr val="dk1">
+              <a:shade val="50000"/>
+            </a:schemeClr>
+          </a:lnRef>
+          <a:fillRef idx="1">
+            <a:schemeClr val="dk1"/>
+          </a:fillRef>
+          <a:effectRef idx="0">
+            <a:schemeClr val="dk1"/>
+          </a:effectRef>
+          <a:fontRef idx="minor">
+            <a:schemeClr val="lt1"/>
+          </a:fontRef>
+        </p:style>
+        <p:txBody>
+          <a:bodyPr rtlCol="0" anchor="ctr"/>
+          <a:lstStyle/>
+          <a:p>
+            <a:pPr algn="ctr"/>
+            <a:endParaRPr lang="ru-RU" sz="4000" dirty="0"/>
+          </a:p>
+        </p:txBody>
+      </p:sp>
+      <p:sp>
+        <p:nvSpPr>
+          <p:cNvPr id="57" name="Заголовок 56">
+            <a:extLst>
+              <a:ext uri="{FF2B5EF4-FFF2-40B4-BE49-F238E27FC236}">
+                <a16:creationId xmlns:a16="http://schemas.microsoft.com/office/drawing/2014/main" id="{41F13FE0-CD3F-C522-9DDE-F7B53D110205}"/>
+              </a:ext>
+            </a:extLst>
+          </p:cNvPr>
+          <p:cNvSpPr>
+            <a:spLocks noGrp="1"/>
+          </p:cNvSpPr>
+          <p:nvPr>
+            <p:ph type="title"/>
+          </p:nvPr>
+        </p:nvSpPr>
+        <p:spPr>
+          <a:xfrm>
+            <a:off x="481314" y="-1407"/>
+            <a:ext cx="10515600" cy="833639"/>
+          </a:xfrm>
+        </p:spPr>
+        <p:txBody>
+          <a:bodyPr>
+            <a:normAutofit/>
+          </a:bodyPr>
+          <a:lstStyle/>
+          <a:p>
+            <a:r>
+              <a:rPr lang="ru-RU" sz="3600" dirty="0">
+                <a:solidFill>
+                  <a:schemeClr val="bg1"/>
+                </a:solidFill>
+                <a:latin typeface="Arial"/>
+                <a:cs typeface="Arial"/>
+              </a:rPr>
+              <a:t>Оценка экономической эффективности </a:t>
+            </a:r>
+            <a:endParaRPr lang="ru-RU" sz="3600">
+              <a:solidFill>
+                <a:schemeClr val="bg1"/>
+              </a:solidFill>
+            </a:endParaRPr>
+          </a:p>
+        </p:txBody>
+      </p:sp>
+      <p:sp>
+        <p:nvSpPr>
+          <p:cNvPr id="59" name="Объект 58">
+            <a:extLst>
+              <a:ext uri="{FF2B5EF4-FFF2-40B4-BE49-F238E27FC236}">
+                <a16:creationId xmlns:a16="http://schemas.microsoft.com/office/drawing/2014/main" id="{5827FD96-0C8B-CB94-2DB3-4C1E165915F3}"/>
+              </a:ext>
+            </a:extLst>
+          </p:cNvPr>
+          <p:cNvSpPr>
+            <a:spLocks noGrp="1"/>
+          </p:cNvSpPr>
+          <p:nvPr>
+            <p:ph idx="1"/>
+          </p:nvPr>
+        </p:nvSpPr>
+        <p:spPr>
+          <a:xfrm>
+            <a:off x="365568" y="986461"/>
+            <a:ext cx="11460864" cy="5190502"/>
+          </a:xfrm>
+        </p:spPr>
+        <p:txBody>
+          <a:bodyPr vert="horz" lIns="91440" tIns="45720" rIns="91440" bIns="45720" rtlCol="0" anchor="t">
+            <a:normAutofit/>
+          </a:bodyPr>
+          <a:lstStyle/>
+          <a:p>
+            <a:r>
+              <a:rPr lang="ru-RU" sz="2000" dirty="0">
+                <a:ea typeface="+mn-lt"/>
+                <a:cs typeface="+mn-lt"/>
+              </a:rPr>
+              <a:t>Это размер доходов, которые генерируются всеми бизнес-процессами в компании минус расходы, необходимые для их достижения.</a:t>
+            </a:r>
+            <a:endParaRPr lang="ru-RU" sz="2000">
+              <a:cs typeface="Calibri" panose="020F0502020204030204"/>
+            </a:endParaRPr>
+          </a:p>
+          <a:p>
+            <a:r>
+              <a:rPr lang="ru-RU" sz="2000" dirty="0">
+                <a:ea typeface="+mn-lt"/>
+                <a:cs typeface="+mn-lt"/>
+              </a:rPr>
+              <a:t>Оценка экономической эффективности предприятия изучает фундаментальные критерии деятельности организаций. Чем более объективной будет оценка, тем больше будет путей поступления инвестиций, а их целесообразность будет обоснованной. Также это дает характеристику всему менеджменту компании, формируют его авторитет и имидж.</a:t>
+            </a:r>
+            <a:endParaRPr lang="ru-RU" sz="2000" dirty="0"/>
+          </a:p>
+        </p:txBody>
+      </p:sp>
+      <p:pic>
+        <p:nvPicPr>
+          <p:cNvPr id="60" name="Рисунок 59" descr="Изображение выглядит как снимок экрана, дизайн, искусство&#10;&#10;Автоматически созданное описание">
+            <a:extLst>
+              <a:ext uri="{FF2B5EF4-FFF2-40B4-BE49-F238E27FC236}">
+                <a16:creationId xmlns:a16="http://schemas.microsoft.com/office/drawing/2014/main" id="{BC815F3C-9AB7-ED52-09B0-A466209A09C5}"/>
+              </a:ext>
+            </a:extLst>
+          </p:cNvPr>
+          <p:cNvPicPr>
+            <a:picLocks noChangeAspect="1"/>
+          </p:cNvPicPr>
+          <p:nvPr/>
+        </p:nvPicPr>
+        <p:blipFill>
+          <a:blip r:embed="rId2"/>
+          <a:stretch>
+            <a:fillRect/>
+          </a:stretch>
+        </p:blipFill>
+        <p:spPr>
+          <a:xfrm>
+            <a:off x="609845" y="3065559"/>
+            <a:ext cx="5463250" cy="3356906"/>
+          </a:xfrm>
+          <a:prstGeom prst="rect">
+            <a:avLst/>
+          </a:prstGeom>
+        </p:spPr>
+      </p:pic>
+      <p:pic>
+        <p:nvPicPr>
+          <p:cNvPr id="61" name="Рисунок 60" descr="Изображение выглядит как Графика, дизайн, Красочность&#10;&#10;Автоматически созданное описание">
+            <a:extLst>
+              <a:ext uri="{FF2B5EF4-FFF2-40B4-BE49-F238E27FC236}">
+                <a16:creationId xmlns:a16="http://schemas.microsoft.com/office/drawing/2014/main" id="{7FA27145-9835-3253-0B4F-F10744E20EFD}"/>
+              </a:ext>
+            </a:extLst>
+          </p:cNvPr>
+          <p:cNvPicPr>
+            <a:picLocks noChangeAspect="1"/>
+          </p:cNvPicPr>
+          <p:nvPr/>
+        </p:nvPicPr>
+        <p:blipFill>
+          <a:blip r:embed="rId3"/>
+          <a:stretch>
+            <a:fillRect/>
+          </a:stretch>
+        </p:blipFill>
+        <p:spPr>
+          <a:xfrm>
+            <a:off x="10689021" y="5359400"/>
+            <a:ext cx="1499476" cy="1499476"/>
+          </a:xfrm>
+          <a:prstGeom prst="rect">
+            <a:avLst/>
+          </a:prstGeom>
+        </p:spPr>
+      </p:pic>
+    </p:spTree>
+    <p:extLst>
+      <p:ext uri="{BB962C8B-B14F-4D97-AF65-F5344CB8AC3E}">
+        <p14:creationId xmlns:p14="http://schemas.microsoft.com/office/powerpoint/2010/main" val="2859679774"/>
+      </p:ext>
+    </p:extLst>
+  </p:cSld>
+  <p:clrMapOvr>
+    <a:masterClrMapping/>
+  </p:clrMapOvr>
+  <mc:AlternateContent xmlns:mc="http://schemas.openxmlformats.org/markup-compatibility/2006" xmlns:p159="http://schemas.microsoft.com/office/powerpoint/2015/09/main">
+    <mc:Choice Requires="p159">
+      <p:transition xmlns:p14="http://schemas.microsoft.com/office/powerpoint/2010/main" spd="slow" p14:dur="2000">
+        <p159:morph option="byObject"/>
+      </p:transition>
+    </mc:Choice>
+    <mc:Fallback xmlns="">
+      <p:transition spd="slow">
+        <p:fade/>
+      </p:transition>
+    </mc:Fallback>
+  </mc:AlternateContent>
+  <p:timing>
+    <p:tnLst>
+      <p:par>
+        <p:cTn id="1" dur="indefinite" restart="never" nodeType="tmRoot">
+          <p:childTnLst>
+            <p:seq concurrent="1" nextAc="seek">
+              <p:cTn id="2" dur="indefinite" nodeType="mainSeq">
+                <p:childTnLst>
+                  <p:par>
+                    <p:cTn id="3" fill="hold">
+                      <p:stCondLst>
+                        <p:cond delay="indefinite"/>
+                      </p:stCondLst>
+                      <p:childTnLst>
+                        <p:par>
+                          <p:cTn id="4" fill="hold">
+                            <p:stCondLst>
+                              <p:cond delay="0"/>
+                            </p:stCondLst>
+                            <p:childTnLst>
+                              <p:par>
+                                <p:cTn id="5" presetID="10" presetClass="entr" presetSubtype="0" fill="hold" grpId="0" nodeType="clickEffect">
+                                  <p:stCondLst>
+                                    <p:cond delay="0"/>
+                                  </p:stCondLst>
+                                  <p:childTnLst>
+                                    <p:set>
+                                      <p:cBhvr>
+                                        <p:cTn id="6" dur="1" fill="hold">
+                                          <p:stCondLst>
+                                            <p:cond delay="0"/>
+                                          </p:stCondLst>
+                                        </p:cTn>
+                                        <p:tgtEl>
+                                          <p:spTgt spid="57"/>
+                                        </p:tgtEl>
+                                        <p:attrNameLst>
+                                          <p:attrName>style.visibility</p:attrName>
+                                        </p:attrNameLst>
+                                      </p:cBhvr>
+                                      <p:to>
+                                        <p:strVal val="visible"/>
+                                      </p:to>
+                                    </p:set>
+                                    <p:animEffect transition="in" filter="fade">
+                                      <p:cBhvr>
+                                        <p:cTn id="7" dur="500"/>
+                                        <p:tgtEl>
+                                          <p:spTgt spid="57"/>
+                                        </p:tgtEl>
+                                      </p:cBhvr>
+                                    </p:animEffect>
+                                  </p:childTnLst>
+                                </p:cTn>
+                              </p:par>
+                              <p:par>
+                                <p:cTn id="8" presetID="22" presetClass="entr" presetSubtype="4" fill="hold" grpId="0" nodeType="withEffect">
+                                  <p:stCondLst>
+                                    <p:cond delay="0"/>
+                                  </p:stCondLst>
+                                  <p:childTnLst>
+                                    <p:set>
+                                      <p:cBhvr>
+                                        <p:cTn id="9" dur="1" fill="hold">
+                                          <p:stCondLst>
+                                            <p:cond delay="0"/>
+                                          </p:stCondLst>
+                                        </p:cTn>
+                                        <p:tgtEl>
+                                          <p:spTgt spid="59">
+                                            <p:txEl>
+                                              <p:pRg st="0" end="0"/>
+                                            </p:txEl>
+                                          </p:spTgt>
+                                        </p:tgtEl>
+                                        <p:attrNameLst>
+                                          <p:attrName>style.visibility</p:attrName>
+                                        </p:attrNameLst>
+                                      </p:cBhvr>
+                                      <p:to>
+                                        <p:strVal val="visible"/>
+                                      </p:to>
+                                    </p:set>
+                                    <p:animEffect transition="in" filter="wipe(down)">
+                                      <p:cBhvr>
+                                        <p:cTn id="10" dur="500"/>
+                                        <p:tgtEl>
+                                          <p:spTgt spid="59">
+                                            <p:txEl>
+                                              <p:pRg st="0" end="0"/>
+                                            </p:txEl>
+                                          </p:spTgt>
+                                        </p:tgtEl>
+                                      </p:cBhvr>
+                                    </p:animEffect>
+                                  </p:childTnLst>
+                                </p:cTn>
+                              </p:par>
+                              <p:par>
+                                <p:cTn id="11" presetID="22" presetClass="entr" presetSubtype="4" fill="hold" grpId="0" nodeType="withEffect">
+                                  <p:stCondLst>
+                                    <p:cond delay="0"/>
+                                  </p:stCondLst>
+                                  <p:childTnLst>
+                                    <p:set>
+                                      <p:cBhvr>
+                                        <p:cTn id="12" dur="1" fill="hold">
+                                          <p:stCondLst>
+                                            <p:cond delay="0"/>
+                                          </p:stCondLst>
+                                        </p:cTn>
+                                        <p:tgtEl>
+                                          <p:spTgt spid="59">
+                                            <p:txEl>
+                                              <p:pRg st="1" end="1"/>
+                                            </p:txEl>
+                                          </p:spTgt>
+                                        </p:tgtEl>
+                                        <p:attrNameLst>
+                                          <p:attrName>style.visibility</p:attrName>
+                                        </p:attrNameLst>
+                                      </p:cBhvr>
+                                      <p:to>
+                                        <p:strVal val="visible"/>
+                                      </p:to>
+                                    </p:set>
+                                    <p:animEffect transition="in" filter="wipe(down)">
+                                      <p:cBhvr>
+                                        <p:cTn id="13" dur="500"/>
+                                        <p:tgtEl>
+                                          <p:spTgt spid="59">
+                                            <p:txEl>
+                                              <p:pRg st="1" end="1"/>
+                                            </p:txEl>
+                                          </p:spTgt>
+                                        </p:tgtEl>
+                                      </p:cBhvr>
+                                    </p:animEffect>
+                                  </p:childTnLst>
+                                </p:cTn>
+                              </p:par>
+                              <p:par>
+                                <p:cTn id="14" presetID="22" presetClass="entr" presetSubtype="4" fill="hold" nodeType="withEffect">
+                                  <p:stCondLst>
+                                    <p:cond delay="0"/>
+                                  </p:stCondLst>
+                                  <p:childTnLst>
+                                    <p:set>
+                                      <p:cBhvr>
+                                        <p:cTn id="15" dur="1" fill="hold">
+                                          <p:stCondLst>
+                                            <p:cond delay="0"/>
+                                          </p:stCondLst>
+                                        </p:cTn>
+                                        <p:tgtEl>
+                                          <p:spTgt spid="60"/>
+                                        </p:tgtEl>
+                                        <p:attrNameLst>
+                                          <p:attrName>style.visibility</p:attrName>
+                                        </p:attrNameLst>
+                                      </p:cBhvr>
+                                      <p:to>
+                                        <p:strVal val="visible"/>
+                                      </p:to>
+                                    </p:set>
+                                    <p:animEffect transition="in" filter="wipe(down)">
+                                      <p:cBhvr>
+                                        <p:cTn id="16" dur="500"/>
+                                        <p:tgtEl>
+                                          <p:spTgt spid="60"/>
+                                        </p:tgtEl>
+                                      </p:cBhvr>
+                                    </p:animEffect>
+                                  </p:childTnLst>
+                                </p:cTn>
+                              </p:par>
+                            </p:childTnLst>
+                          </p:cTn>
+                        </p:par>
+                        <p:par>
+                          <p:cTn id="17" fill="hold">
+                            <p:stCondLst>
+                              <p:cond delay="500"/>
+                            </p:stCondLst>
+                            <p:childTnLst>
+                              <p:par>
+                                <p:cTn id="18" presetID="22" presetClass="entr" presetSubtype="4" fill="hold" nodeType="afterEffect">
+                                  <p:stCondLst>
+                                    <p:cond delay="0"/>
+                                  </p:stCondLst>
+                                  <p:childTnLst>
+                                    <p:set>
+                                      <p:cBhvr>
+                                        <p:cTn id="19" dur="1" fill="hold">
+                                          <p:stCondLst>
+                                            <p:cond delay="0"/>
+                                          </p:stCondLst>
+                                        </p:cTn>
+                                        <p:tgtEl>
+                                          <p:spTgt spid="61"/>
+                                        </p:tgtEl>
+                                        <p:attrNameLst>
+                                          <p:attrName>style.visibility</p:attrName>
+                                        </p:attrNameLst>
+                                      </p:cBhvr>
+                                      <p:to>
+                                        <p:strVal val="visible"/>
+                                      </p:to>
+                                    </p:set>
+                                    <p:animEffect transition="in" filter="wipe(down)">
+                                      <p:cBhvr>
+                                        <p:cTn id="20" dur="500"/>
+                                        <p:tgtEl>
+                                          <p:spTgt spid="61"/>
+                                        </p:tgtEl>
+                                      </p:cBhvr>
+                                    </p:animEffect>
+                                  </p:childTnLst>
+                                </p:cTn>
+                              </p:par>
+                            </p:childTnLst>
+                          </p:cTn>
+                        </p:par>
+                      </p:childTnLst>
+                    </p:cTn>
+                  </p:par>
+                </p:childTnLst>
+              </p:cTn>
+              <p:prevCondLst>
+                <p:cond evt="onPrev" delay="0">
+                  <p:tgtEl>
+                    <p:sldTgt/>
+                  </p:tgtEl>
+                </p:cond>
+              </p:prevCondLst>
+              <p:nextCondLst>
+                <p:cond evt="onNext" delay="0">
+                  <p:tgtEl>
+                    <p:sldTgt/>
+                  </p:tgtEl>
+                </p:cond>
+              </p:nextCondLst>
+            </p:seq>
+          </p:childTnLst>
+        </p:cTn>
+      </p:par>
+    </p:tnLst>
+    <p:bldLst>
+      <p:bldP spid="57" grpId="0"/>
+      <p:bldP spid="59" grpId="0" build="p"/>
+    </p:bldLst>
+  </p:timing>
+</p:sld>
+</file>
+
+<file path=ppt/slides/slide5.xml><?xml version="1.0" encoding="utf-8"?>
+<p:sld xmlns:a="http://schemas.openxmlformats.org/drawingml/2006/main" xmlns:r="http://schemas.openxmlformats.org/officeDocument/2006/relationships" xmlns:p="http://schemas.openxmlformats.org/presentationml/2006/main">
+  <p:cSld>
+    <p:spTree>
+      <p:nvGrpSpPr>
+        <p:cNvPr id="1" name=""/>
+        <p:cNvGrpSpPr/>
+        <p:nvPr/>
+      </p:nvGrpSpPr>
+      <p:grpSpPr>
+        <a:xfrm>
+          <a:off x="0" y="0"/>
+          <a:ext cx="0" cy="0"/>
+          <a:chOff x="0" y="0"/>
+          <a:chExt cx="0" cy="0"/>
+        </a:xfrm>
+      </p:grpSpPr>
+      <p:sp>
+        <p:nvSpPr>
+          <p:cNvPr id="3" name="Прямоугольник 2">
+            <a:extLst>
+              <a:ext uri="{FF2B5EF4-FFF2-40B4-BE49-F238E27FC236}">
+                <a16:creationId xmlns:a16="http://schemas.microsoft.com/office/drawing/2014/main" id="{EACE1AB5-BEE6-4FEE-88F7-981BAFBB0C89}"/>
+              </a:ext>
+            </a:extLst>
+          </p:cNvPr>
+          <p:cNvSpPr/>
+          <p:nvPr/>
+        </p:nvSpPr>
+        <p:spPr>
+          <a:xfrm>
+            <a:off x="0" y="-1277"/>
+            <a:ext cx="12192000" cy="834037"/>
+          </a:xfrm>
+          <a:prstGeom prst="rect">
+            <a:avLst/>
+          </a:prstGeom>
+        </p:spPr>
+        <p:style>
+          <a:lnRef idx="2">
+            <a:schemeClr val="dk1">
+              <a:shade val="50000"/>
+            </a:schemeClr>
+          </a:lnRef>
+          <a:fillRef idx="1">
+            <a:schemeClr val="dk1"/>
+          </a:fillRef>
+          <a:effectRef idx="0">
+            <a:schemeClr val="dk1"/>
+          </a:effectRef>
+          <a:fontRef idx="minor">
+            <a:schemeClr val="lt1"/>
+          </a:fontRef>
+        </p:style>
+        <p:txBody>
+          <a:bodyPr rtlCol="0" anchor="ctr"/>
+          <a:lstStyle/>
+          <a:p>
+            <a:pPr algn="ctr"/>
+            <a:endParaRPr lang="ru-RU" sz="4000" dirty="0"/>
+          </a:p>
+        </p:txBody>
+      </p:sp>
+      <p:sp>
+        <p:nvSpPr>
+          <p:cNvPr id="57" name="Заголовок 56">
+            <a:extLst>
+              <a:ext uri="{FF2B5EF4-FFF2-40B4-BE49-F238E27FC236}">
+                <a16:creationId xmlns:a16="http://schemas.microsoft.com/office/drawing/2014/main" id="{41F13FE0-CD3F-C522-9DDE-F7B53D110205}"/>
+              </a:ext>
+            </a:extLst>
+          </p:cNvPr>
+          <p:cNvSpPr>
+            <a:spLocks noGrp="1"/>
+          </p:cNvSpPr>
+          <p:nvPr>
+            <p:ph type="title"/>
+          </p:nvPr>
+        </p:nvSpPr>
+        <p:spPr>
+          <a:xfrm>
+            <a:off x="481314" y="-1407"/>
+            <a:ext cx="10515600" cy="833639"/>
+          </a:xfrm>
+        </p:spPr>
+        <p:txBody>
+          <a:bodyPr>
+            <a:normAutofit/>
+          </a:bodyPr>
+          <a:lstStyle/>
+          <a:p>
+            <a:r>
+              <a:rPr lang="ru-RU" sz="3600" dirty="0">
+                <a:solidFill>
+                  <a:schemeClr val="bg1"/>
+                </a:solidFill>
+                <a:latin typeface="Arial"/>
+                <a:cs typeface="Arial"/>
+              </a:rPr>
+              <a:t>Оценка экономической эффективности </a:t>
+            </a:r>
+            <a:endParaRPr lang="ru-RU" sz="3600">
+              <a:solidFill>
+                <a:schemeClr val="bg1"/>
+              </a:solidFill>
+            </a:endParaRPr>
+          </a:p>
+        </p:txBody>
+      </p:sp>
+      <p:sp>
+        <p:nvSpPr>
+          <p:cNvPr id="59" name="Объект 58">
+            <a:extLst>
+              <a:ext uri="{FF2B5EF4-FFF2-40B4-BE49-F238E27FC236}">
+                <a16:creationId xmlns:a16="http://schemas.microsoft.com/office/drawing/2014/main" id="{5827FD96-0C8B-CB94-2DB3-4C1E165915F3}"/>
+              </a:ext>
+            </a:extLst>
+          </p:cNvPr>
+          <p:cNvSpPr>
+            <a:spLocks noGrp="1"/>
+          </p:cNvSpPr>
+          <p:nvPr>
+            <p:ph idx="1"/>
+          </p:nvPr>
+        </p:nvSpPr>
+        <p:spPr>
+          <a:xfrm>
+            <a:off x="365568" y="986461"/>
+            <a:ext cx="5303554" cy="5190502"/>
+          </a:xfrm>
+        </p:spPr>
+        <p:txBody>
+          <a:bodyPr vert="horz" lIns="91440" tIns="45720" rIns="91440" bIns="45720" rtlCol="0" anchor="t">
+            <a:normAutofit/>
+          </a:bodyPr>
+          <a:lstStyle/>
+          <a:p>
+            <a:r>
+              <a:rPr lang="ru-RU" sz="2400" dirty="0">
+                <a:latin typeface="Arial"/>
+                <a:ea typeface="+mn-lt"/>
+                <a:cs typeface="Arial"/>
+              </a:rPr>
+              <a:t>Оценка экономической эффективности информационных систем (ИС) является важным этапом в процессе разработки и внедрения проекта.</a:t>
+            </a:r>
+            <a:endParaRPr lang="ru-RU" sz="2400" dirty="0">
+              <a:latin typeface="Arial"/>
+              <a:cs typeface="Arial"/>
+            </a:endParaRPr>
+          </a:p>
+        </p:txBody>
+      </p:sp>
+      <p:pic>
+        <p:nvPicPr>
+          <p:cNvPr id="2" name="Рисунок 1" descr="Изображение выглядит как обувь, одежда, человек, иллюстрация&#10;&#10;Автоматически созданное описание">
+            <a:extLst>
+              <a:ext uri="{FF2B5EF4-FFF2-40B4-BE49-F238E27FC236}">
+                <a16:creationId xmlns:a16="http://schemas.microsoft.com/office/drawing/2014/main" id="{5A0FD578-E303-CCC0-7F49-00AEC2833608}"/>
+              </a:ext>
+            </a:extLst>
+          </p:cNvPr>
+          <p:cNvPicPr>
+            <a:picLocks noChangeAspect="1"/>
+          </p:cNvPicPr>
+          <p:nvPr/>
+        </p:nvPicPr>
+        <p:blipFill>
+          <a:blip r:embed="rId2"/>
+          <a:stretch>
+            <a:fillRect/>
+          </a:stretch>
+        </p:blipFill>
+        <p:spPr>
+          <a:xfrm>
+            <a:off x="6038194" y="982772"/>
+            <a:ext cx="5537199" cy="4375698"/>
+          </a:xfrm>
+          <a:prstGeom prst="rect">
+            <a:avLst/>
+          </a:prstGeom>
+        </p:spPr>
+      </p:pic>
+      <p:pic>
+        <p:nvPicPr>
+          <p:cNvPr id="5" name="Рисунок 4" descr="Изображение выглядит как Графика, дизайн, Красочность&#10;&#10;Автоматически созданное описание">
+            <a:extLst>
+              <a:ext uri="{FF2B5EF4-FFF2-40B4-BE49-F238E27FC236}">
+                <a16:creationId xmlns:a16="http://schemas.microsoft.com/office/drawing/2014/main" id="{0149CB77-52E1-0E38-6CA1-511E8F455AD1}"/>
+              </a:ext>
+            </a:extLst>
+          </p:cNvPr>
+          <p:cNvPicPr>
+            <a:picLocks noChangeAspect="1"/>
+          </p:cNvPicPr>
+          <p:nvPr/>
+        </p:nvPicPr>
+        <p:blipFill>
+          <a:blip r:embed="rId3"/>
+          <a:stretch>
+            <a:fillRect/>
+          </a:stretch>
+        </p:blipFill>
+        <p:spPr>
+          <a:xfrm>
+            <a:off x="10689021" y="5359400"/>
+            <a:ext cx="1499476" cy="1499476"/>
+          </a:xfrm>
+          <a:prstGeom prst="rect">
+            <a:avLst/>
+          </a:prstGeom>
+        </p:spPr>
+      </p:pic>
+    </p:spTree>
+    <p:extLst>
+      <p:ext uri="{BB962C8B-B14F-4D97-AF65-F5344CB8AC3E}">
+        <p14:creationId xmlns:p14="http://schemas.microsoft.com/office/powerpoint/2010/main" val="2299250671"/>
+      </p:ext>
+    </p:extLst>
+  </p:cSld>
+  <p:clrMapOvr>
+    <a:masterClrMapping/>
+  </p:clrMapOvr>
+  <mc:AlternateContent xmlns:mc="http://schemas.openxmlformats.org/markup-compatibility/2006">
+    <mc:Choice xmlns:p14="http://schemas.microsoft.com/office/powerpoint/2010/main" Requires="p14">
+      <p:transition spd="med" p14:dur="700">
+        <p:fade/>
+      </p:transition>
+    </mc:Choice>
+    <mc:Fallback>
+      <p:transition spd="med">
+        <p:fade/>
+      </p:transition>
+    </mc:Fallback>
+  </mc:AlternateContent>
+  <p:timing>
+    <p:tnLst>
+      <p:par>
+        <p:cTn id="1" dur="indefinite" restart="never" nodeType="tmRoot">
+          <p:childTnLst>
+            <p:seq concurrent="1" nextAc="seek">
+              <p:cTn id="2" dur="indefinite" nodeType="mainSeq">
+                <p:childTnLst>
+                  <p:par>
+                    <p:cTn id="3" fill="hold">
+                      <p:stCondLst>
+                        <p:cond delay="indefinite"/>
+                      </p:stCondLst>
+                      <p:childTnLst>
+                        <p:par>
+                          <p:cTn id="4" fill="hold">
+                            <p:stCondLst>
+                              <p:cond delay="0"/>
+                            </p:stCondLst>
+                            <p:childTnLst>
+                              <p:par>
+                                <p:cTn id="5" presetID="10" presetClass="entr" presetSubtype="0" fill="hold" grpId="0" nodeType="clickEffect">
+                                  <p:stCondLst>
+                                    <p:cond delay="0"/>
+                                  </p:stCondLst>
+                                  <p:childTnLst>
+                                    <p:set>
+                                      <p:cBhvr>
+                                        <p:cTn id="6" dur="1" fill="hold">
+                                          <p:stCondLst>
+                                            <p:cond delay="0"/>
+                                          </p:stCondLst>
+                                        </p:cTn>
+                                        <p:tgtEl>
+                                          <p:spTgt spid="57"/>
+                                        </p:tgtEl>
+                                        <p:attrNameLst>
+                                          <p:attrName>style.visibility</p:attrName>
+                                        </p:attrNameLst>
+                                      </p:cBhvr>
+                                      <p:to>
+                                        <p:strVal val="visible"/>
+                                      </p:to>
+                                    </p:set>
+                                    <p:animEffect transition="in" filter="fade">
+                                      <p:cBhvr>
+                                        <p:cTn id="7" dur="500"/>
+                                        <p:tgtEl>
+                                          <p:spTgt spid="57"/>
+                                        </p:tgtEl>
+                                      </p:cBhvr>
+                                    </p:animEffect>
+                                  </p:childTnLst>
+                                </p:cTn>
+                              </p:par>
+                              <p:par>
+                                <p:cTn id="8" presetID="22" presetClass="entr" presetSubtype="4" fill="hold" grpId="0" nodeType="withEffect">
+                                  <p:stCondLst>
+                                    <p:cond delay="0"/>
+                                  </p:stCondLst>
+                                  <p:childTnLst>
+                                    <p:set>
+                                      <p:cBhvr>
+                                        <p:cTn id="9" dur="1" fill="hold">
+                                          <p:stCondLst>
+                                            <p:cond delay="0"/>
+                                          </p:stCondLst>
+                                        </p:cTn>
+                                        <p:tgtEl>
+                                          <p:spTgt spid="59">
+                                            <p:txEl>
+                                              <p:pRg st="0" end="0"/>
+                                            </p:txEl>
+                                          </p:spTgt>
+                                        </p:tgtEl>
+                                        <p:attrNameLst>
+                                          <p:attrName>style.visibility</p:attrName>
+                                        </p:attrNameLst>
+                                      </p:cBhvr>
+                                      <p:to>
+                                        <p:strVal val="visible"/>
+                                      </p:to>
+                                    </p:set>
+                                    <p:animEffect transition="in" filter="wipe(down)">
+                                      <p:cBhvr>
+                                        <p:cTn id="10" dur="500"/>
+                                        <p:tgtEl>
+                                          <p:spTgt spid="59">
+                                            <p:txEl>
+                                              <p:pRg st="0" end="0"/>
+                                            </p:txEl>
+                                          </p:spTgt>
+                                        </p:tgtEl>
+                                      </p:cBhvr>
+                                    </p:animEffect>
+                                  </p:childTnLst>
+                                </p:cTn>
+                              </p:par>
+                            </p:childTnLst>
+                          </p:cTn>
+                        </p:par>
+                        <p:par>
+                          <p:cTn id="11" fill="hold">
+                            <p:stCondLst>
+                              <p:cond delay="500"/>
+                            </p:stCondLst>
+                            <p:childTnLst>
+                              <p:par>
+                                <p:cTn id="12" presetID="22" presetClass="entr" presetSubtype="4" fill="hold" nodeType="afterEffect">
+                                  <p:stCondLst>
+                                    <p:cond delay="0"/>
+                                  </p:stCondLst>
+                                  <p:childTnLst>
+                                    <p:set>
+                                      <p:cBhvr>
+                                        <p:cTn id="13" dur="1" fill="hold">
+                                          <p:stCondLst>
+                                            <p:cond delay="0"/>
+                                          </p:stCondLst>
+                                        </p:cTn>
+                                        <p:tgtEl>
+                                          <p:spTgt spid="2"/>
+                                        </p:tgtEl>
+                                        <p:attrNameLst>
+                                          <p:attrName>style.visibility</p:attrName>
+                                        </p:attrNameLst>
+                                      </p:cBhvr>
+                                      <p:to>
+                                        <p:strVal val="visible"/>
+                                      </p:to>
+                                    </p:set>
+                                    <p:animEffect transition="in" filter="wipe(down)">
+                                      <p:cBhvr>
+                                        <p:cTn id="14" dur="500"/>
+                                        <p:tgtEl>
+                                          <p:spTgt spid="2"/>
+                                        </p:tgtEl>
+                                      </p:cBhvr>
+                                    </p:animEffect>
+                                  </p:childTnLst>
+                                </p:cTn>
+                              </p:par>
+                            </p:childTnLst>
+                          </p:cTn>
+                        </p:par>
+                        <p:par>
+                          <p:cTn id="15" fill="hold">
+                            <p:stCondLst>
+                              <p:cond delay="1000"/>
+                            </p:stCondLst>
+                            <p:childTnLst>
+                              <p:par>
+                                <p:cTn id="16" presetID="22" presetClass="entr" presetSubtype="4" fill="hold" nodeType="afterEffect">
+                                  <p:stCondLst>
+                                    <p:cond delay="0"/>
+                                  </p:stCondLst>
+                                  <p:childTnLst>
+                                    <p:set>
+                                      <p:cBhvr>
+                                        <p:cTn id="17" dur="1" fill="hold">
+                                          <p:stCondLst>
+                                            <p:cond delay="0"/>
+                                          </p:stCondLst>
+                                        </p:cTn>
+                                        <p:tgtEl>
+                                          <p:spTgt spid="5"/>
+                                        </p:tgtEl>
+                                        <p:attrNameLst>
+                                          <p:attrName>style.visibility</p:attrName>
+                                        </p:attrNameLst>
+                                      </p:cBhvr>
+                                      <p:to>
+                                        <p:strVal val="visible"/>
+                                      </p:to>
+                                    </p:set>
+                                    <p:animEffect transition="in" filter="wipe(down)">
+                                      <p:cBhvr>
+                                        <p:cTn id="18" dur="500"/>
+                                        <p:tgtEl>
+                                          <p:spTgt spid="5"/>
+                                        </p:tgtEl>
+                                      </p:cBhvr>
+                                    </p:animEffect>
+                                  </p:childTnLst>
+                                </p:cTn>
+                              </p:par>
+                            </p:childTnLst>
+                          </p:cTn>
+                        </p:par>
+                      </p:childTnLst>
+                    </p:cTn>
+                  </p:par>
+                </p:childTnLst>
+              </p:cTn>
+              <p:prevCondLst>
+                <p:cond evt="onPrev" delay="0">
+                  <p:tgtEl>
+                    <p:sldTgt/>
+                  </p:tgtEl>
+                </p:cond>
+              </p:prevCondLst>
+              <p:nextCondLst>
+                <p:cond evt="onNext" delay="0">
+                  <p:tgtEl>
+                    <p:sldTgt/>
+                  </p:tgtEl>
+                </p:cond>
+              </p:nextCondLst>
+            </p:seq>
+          </p:childTnLst>
+        </p:cTn>
+      </p:par>
+    </p:tnLst>
+    <p:bldLst>
+      <p:bldP spid="57" grpId="0"/>
+      <p:bldP spid="59" grpId="0" build="p"/>
+    </p:bldLst>
+  </p:timing>
+</p:sld>
+</file>
+
+<file path=ppt/slides/slide6.xml><?xml version="1.0" encoding="utf-8"?>
+<p:sld xmlns:a="http://schemas.openxmlformats.org/drawingml/2006/main" xmlns:r="http://schemas.openxmlformats.org/officeDocument/2006/relationships" xmlns:p="http://schemas.openxmlformats.org/presentationml/2006/main">
+  <p:cSld>
+    <p:spTree>
+      <p:nvGrpSpPr>
+        <p:cNvPr id="1" name=""/>
+        <p:cNvGrpSpPr/>
+        <p:nvPr/>
+      </p:nvGrpSpPr>
+      <p:grpSpPr>
+        <a:xfrm>
+          <a:off x="0" y="0"/>
+          <a:ext cx="0" cy="0"/>
+          <a:chOff x="0" y="0"/>
+          <a:chExt cx="0" cy="0"/>
+        </a:xfrm>
+      </p:grpSpPr>
+      <p:sp>
+        <p:nvSpPr>
+          <p:cNvPr id="3" name="Прямоугольник 2">
+            <a:extLst>
+              <a:ext uri="{FF2B5EF4-FFF2-40B4-BE49-F238E27FC236}">
+                <a16:creationId xmlns:a16="http://schemas.microsoft.com/office/drawing/2014/main" id="{EACE1AB5-BEE6-4FEE-88F7-981BAFBB0C89}"/>
+              </a:ext>
+            </a:extLst>
+          </p:cNvPr>
+          <p:cNvSpPr/>
+          <p:nvPr/>
+        </p:nvSpPr>
+        <p:spPr>
+          <a:xfrm>
+            <a:off x="0" y="-1277"/>
+            <a:ext cx="12192000" cy="834037"/>
+          </a:xfrm>
+          <a:prstGeom prst="rect">
+            <a:avLst/>
+          </a:prstGeom>
+        </p:spPr>
+        <p:style>
+          <a:lnRef idx="2">
+            <a:schemeClr val="dk1">
+              <a:shade val="50000"/>
+            </a:schemeClr>
+          </a:lnRef>
+          <a:fillRef idx="1">
+            <a:schemeClr val="dk1"/>
+          </a:fillRef>
+          <a:effectRef idx="0">
+            <a:schemeClr val="dk1"/>
+          </a:effectRef>
+          <a:fontRef idx="minor">
+            <a:schemeClr val="lt1"/>
+          </a:fontRef>
+        </p:style>
+        <p:txBody>
+          <a:bodyPr rtlCol="0" anchor="ctr"/>
+          <a:lstStyle/>
+          <a:p>
+            <a:pPr algn="ctr"/>
+            <a:endParaRPr lang="ru-RU" sz="4000" dirty="0"/>
+          </a:p>
+        </p:txBody>
+      </p:sp>
+      <p:sp>
+        <p:nvSpPr>
+          <p:cNvPr id="57" name="Заголовок 56">
+            <a:extLst>
+              <a:ext uri="{FF2B5EF4-FFF2-40B4-BE49-F238E27FC236}">
+                <a16:creationId xmlns:a16="http://schemas.microsoft.com/office/drawing/2014/main" id="{41F13FE0-CD3F-C522-9DDE-F7B53D110205}"/>
+              </a:ext>
+            </a:extLst>
+          </p:cNvPr>
+          <p:cNvSpPr>
+            <a:spLocks noGrp="1"/>
+          </p:cNvSpPr>
+          <p:nvPr>
+            <p:ph type="title"/>
+          </p:nvPr>
+        </p:nvSpPr>
+        <p:spPr>
+          <a:xfrm>
+            <a:off x="481314" y="-1407"/>
+            <a:ext cx="10515600" cy="833639"/>
+          </a:xfrm>
+        </p:spPr>
+        <p:txBody>
+          <a:bodyPr>
+            <a:noAutofit/>
+          </a:bodyPr>
+          <a:lstStyle/>
+          <a:p>
+            <a:r>
+              <a:rPr lang="ru-RU" sz="3200" dirty="0">
+                <a:solidFill>
+                  <a:schemeClr val="bg1"/>
+                </a:solidFill>
+                <a:latin typeface="Arial"/>
+                <a:cs typeface="Arial"/>
+              </a:rPr>
+              <a:t>Оценка проекта включает в себя ряд ключевых шагов:</a:t>
+            </a:r>
+            <a:endParaRPr lang="ru-RU" sz="3600" dirty="0">
+              <a:solidFill>
+                <a:schemeClr val="bg1"/>
+              </a:solidFill>
+              <a:ea typeface="Calibri Light" panose="020F0302020204030204"/>
+              <a:cs typeface="Calibri Light" panose="020F0302020204030204"/>
+            </a:endParaRPr>
+          </a:p>
+        </p:txBody>
+      </p:sp>
+      <p:pic>
+        <p:nvPicPr>
+          <p:cNvPr id="61" name="Рисунок 60" descr="Изображение выглядит как Графика, дизайн, Красочность&#10;&#10;Автоматически созданное описание">
+            <a:extLst>
+              <a:ext uri="{FF2B5EF4-FFF2-40B4-BE49-F238E27FC236}">
+                <a16:creationId xmlns:a16="http://schemas.microsoft.com/office/drawing/2014/main" id="{7FA27145-9835-3253-0B4F-F10744E20EFD}"/>
+              </a:ext>
+            </a:extLst>
+          </p:cNvPr>
+          <p:cNvPicPr>
+            <a:picLocks noChangeAspect="1"/>
+          </p:cNvPicPr>
+          <p:nvPr/>
+        </p:nvPicPr>
+        <p:blipFill>
+          <a:blip r:embed="rId2"/>
+          <a:stretch>
+            <a:fillRect/>
+          </a:stretch>
+        </p:blipFill>
+        <p:spPr>
+          <a:xfrm>
+            <a:off x="10689021" y="5359400"/>
+            <a:ext cx="1499476" cy="1499476"/>
+          </a:xfrm>
+          <a:prstGeom prst="rect">
+            <a:avLst/>
+          </a:prstGeom>
+        </p:spPr>
+      </p:pic>
+      <p:pic>
+        <p:nvPicPr>
+          <p:cNvPr id="9" name="Рисунок 8">
+            <a:extLst>
+              <a:ext uri="{FF2B5EF4-FFF2-40B4-BE49-F238E27FC236}">
+                <a16:creationId xmlns:a16="http://schemas.microsoft.com/office/drawing/2014/main" id="{83C635E4-6478-9629-DFE1-D03E58E33589}"/>
+              </a:ext>
+            </a:extLst>
+          </p:cNvPr>
+          <p:cNvPicPr>
+            <a:picLocks noChangeAspect="1"/>
+          </p:cNvPicPr>
+          <p:nvPr/>
+        </p:nvPicPr>
+        <p:blipFill>
+          <a:blip r:embed="rId3"/>
+          <a:stretch>
+            <a:fillRect/>
+          </a:stretch>
+        </p:blipFill>
+        <p:spPr>
+          <a:xfrm>
+            <a:off x="3736624" y="1638299"/>
+            <a:ext cx="6962420" cy="5218289"/>
+          </a:xfrm>
+          <a:prstGeom prst="rect">
+            <a:avLst/>
+          </a:prstGeom>
+        </p:spPr>
+      </p:pic>
+      <p:sp>
+        <p:nvSpPr>
+          <p:cNvPr id="59" name="Объект 58">
+            <a:extLst>
+              <a:ext uri="{FF2B5EF4-FFF2-40B4-BE49-F238E27FC236}">
+                <a16:creationId xmlns:a16="http://schemas.microsoft.com/office/drawing/2014/main" id="{5827FD96-0C8B-CB94-2DB3-4C1E165915F3}"/>
+              </a:ext>
+            </a:extLst>
+          </p:cNvPr>
+          <p:cNvSpPr>
+            <a:spLocks noGrp="1"/>
+          </p:cNvSpPr>
+          <p:nvPr>
+            <p:ph idx="1"/>
+          </p:nvPr>
+        </p:nvSpPr>
+        <p:spPr>
+          <a:xfrm>
+            <a:off x="365568" y="986461"/>
+            <a:ext cx="5562420" cy="5599724"/>
+          </a:xfrm>
+        </p:spPr>
+        <p:txBody>
+          <a:bodyPr vert="horz" lIns="91440" tIns="45720" rIns="91440" bIns="45720" rtlCol="0" anchor="t">
+            <a:normAutofit/>
+          </a:bodyPr>
+          <a:lstStyle/>
+          <a:p>
+            <a:pPr marL="342900" indent="-342900">
+              <a:buAutoNum type="arabicPeriod"/>
+            </a:pPr>
+            <a:r>
+              <a:rPr lang="ru-RU" sz="2400" b="1" dirty="0">
+                <a:latin typeface="Calibri"/>
+                <a:ea typeface="Calibri"/>
+                <a:cs typeface="Arial"/>
+              </a:rPr>
+              <a:t>Определение целей и задач проекта</a:t>
+            </a:r>
+            <a:endParaRPr lang="ru-RU" sz="2400">
+              <a:latin typeface="Calibri"/>
+              <a:ea typeface="Calibri"/>
+              <a:cs typeface="Calibri" panose="020F0502020204030204"/>
+            </a:endParaRPr>
+          </a:p>
+          <a:p>
+            <a:pPr marL="342900" indent="-342900">
+              <a:buAutoNum type="arabicPeriod"/>
+            </a:pPr>
+            <a:r>
+              <a:rPr lang="ru-RU" sz="2400" b="1" dirty="0">
+                <a:latin typeface="Calibri"/>
+                <a:ea typeface="Calibri" panose="020F0502020204030204"/>
+                <a:cs typeface="Arial"/>
+              </a:rPr>
+              <a:t>Оценка стоимости проекта</a:t>
+            </a:r>
+          </a:p>
+          <a:p>
+            <a:pPr marL="342900" indent="-342900">
+              <a:buAutoNum type="arabicPeriod"/>
+            </a:pPr>
+            <a:r>
+              <a:rPr lang="ru-RU" sz="2400" b="1" dirty="0">
+                <a:latin typeface="Calibri"/>
+                <a:ea typeface="Calibri" panose="020F0502020204030204"/>
+                <a:cs typeface="Arial"/>
+              </a:rPr>
+              <a:t>Прогнозирование выгод</a:t>
+            </a:r>
+            <a:endParaRPr lang="ru-RU" sz="2400">
+              <a:latin typeface="Calibri"/>
+              <a:ea typeface="Calibri"/>
+              <a:cs typeface="Calibri"/>
+            </a:endParaRPr>
+          </a:p>
+          <a:p>
+            <a:pPr marL="342900" indent="-342900">
+              <a:buAutoNum type="arabicPeriod"/>
+            </a:pPr>
+            <a:r>
+              <a:rPr lang="ru-RU" sz="2400" b="1" dirty="0">
+                <a:latin typeface="Calibri"/>
+                <a:ea typeface="Calibri" panose="020F0502020204030204"/>
+                <a:cs typeface="Arial"/>
+              </a:rPr>
+              <a:t>Расчет показателей окупаемости</a:t>
+            </a:r>
+          </a:p>
+          <a:p>
+            <a:pPr marL="342900" indent="-342900">
+              <a:buAutoNum type="arabicPeriod"/>
+            </a:pPr>
+            <a:r>
+              <a:rPr lang="ru-RU" sz="2400" b="1" dirty="0">
+                <a:latin typeface="Calibri"/>
+                <a:ea typeface="Calibri" panose="020F0502020204030204"/>
+                <a:cs typeface="Arial"/>
+              </a:rPr>
+              <a:t>Чувствительность к изменениям</a:t>
+            </a:r>
+          </a:p>
+          <a:p>
+            <a:pPr marL="342900" indent="-342900">
+              <a:buAutoNum type="arabicPeriod"/>
+            </a:pPr>
+            <a:r>
+              <a:rPr lang="ru-RU" sz="2400" b="1" dirty="0">
+                <a:latin typeface="Calibri"/>
+                <a:ea typeface="Calibri" panose="020F0502020204030204"/>
+                <a:cs typeface="Arial"/>
+              </a:rPr>
+              <a:t>Принятие решения</a:t>
+            </a:r>
+          </a:p>
+          <a:p>
+            <a:pPr marL="342900" indent="-342900">
+              <a:buAutoNum type="arabicPeriod"/>
+            </a:pPr>
+            <a:r>
+              <a:rPr lang="ru-RU" sz="2400" b="1" dirty="0">
+                <a:latin typeface="Calibri"/>
+                <a:ea typeface="Calibri" panose="020F0502020204030204"/>
+                <a:cs typeface="Arial"/>
+              </a:rPr>
+              <a:t>Мониторинг и управление проектом</a:t>
+            </a:r>
+          </a:p>
+        </p:txBody>
+      </p:sp>
+    </p:spTree>
+    <p:extLst>
+      <p:ext uri="{BB962C8B-B14F-4D97-AF65-F5344CB8AC3E}">
+        <p14:creationId xmlns:p14="http://schemas.microsoft.com/office/powerpoint/2010/main" val="1346341584"/>
+      </p:ext>
+    </p:extLst>
+  </p:cSld>
+  <p:clrMapOvr>
+    <a:masterClrMapping/>
+  </p:clrMapOvr>
+  <mc:AlternateContent xmlns:mc="http://schemas.openxmlformats.org/markup-compatibility/2006">
+    <mc:Choice xmlns:p14="http://schemas.microsoft.com/office/powerpoint/2010/main" Requires="p14">
+      <p:transition spd="med" p14:dur="700">
+        <p:fade/>
+      </p:transition>
+    </mc:Choice>
+    <mc:Fallback>
+      <p:transition spd="med">
+        <p:fade/>
+      </p:transition>
+    </mc:Fallback>
+  </mc:AlternateContent>
+  <p:timing>
+    <p:tnLst>
+      <p:par>
+        <p:cTn id="1" dur="indefinite" restart="never" nodeType="tmRoot">
+          <p:childTnLst>
+            <p:seq concurrent="1" nextAc="seek">
+              <p:cTn id="2" dur="indefinite" nodeType="mainSeq">
+                <p:childTnLst>
+                  <p:par>
+                    <p:cTn id="3" fill="hold">
+                      <p:stCondLst>
+                        <p:cond delay="indefinite"/>
+                      </p:stCondLst>
+                      <p:childTnLst>
+                        <p:par>
+                          <p:cTn id="4" fill="hold">
+                            <p:stCondLst>
+                              <p:cond delay="0"/>
+                            </p:stCondLst>
+                            <p:childTnLst>
+                              <p:par>
+                                <p:cTn id="5" presetID="10" presetClass="entr" presetSubtype="0" fill="hold" grpId="0" nodeType="clickEffect">
+                                  <p:stCondLst>
+                                    <p:cond delay="0"/>
+                                  </p:stCondLst>
+                                  <p:childTnLst>
+                                    <p:set>
+                                      <p:cBhvr>
+                                        <p:cTn id="6" dur="1" fill="hold">
+                                          <p:stCondLst>
+                                            <p:cond delay="0"/>
+                                          </p:stCondLst>
+                                        </p:cTn>
+                                        <p:tgtEl>
+                                          <p:spTgt spid="57"/>
+                                        </p:tgtEl>
+                                        <p:attrNameLst>
+                                          <p:attrName>style.visibility</p:attrName>
+                                        </p:attrNameLst>
+                                      </p:cBhvr>
+                                      <p:to>
+                                        <p:strVal val="visible"/>
+                                      </p:to>
+                                    </p:set>
+                                    <p:animEffect transition="in" filter="fade">
+                                      <p:cBhvr>
+                                        <p:cTn id="7" dur="500"/>
+                                        <p:tgtEl>
+                                          <p:spTgt spid="57"/>
+                                        </p:tgtEl>
+                                      </p:cBhvr>
+                                    </p:animEffect>
+                                  </p:childTnLst>
+                                </p:cTn>
+                              </p:par>
+                            </p:childTnLst>
+                          </p:cTn>
+                        </p:par>
+                        <p:par>
+                          <p:cTn id="8" fill="hold">
+                            <p:stCondLst>
+                              <p:cond delay="500"/>
+                            </p:stCondLst>
+                            <p:childTnLst>
+                              <p:par>
+                                <p:cTn id="9" presetID="22" presetClass="entr" presetSubtype="4" fill="hold" grpId="0" nodeType="afterEffect">
+                                  <p:stCondLst>
+                                    <p:cond delay="0"/>
+                                  </p:stCondLst>
+                                  <p:childTnLst>
+                                    <p:set>
+                                      <p:cBhvr>
+                                        <p:cTn id="10" dur="1" fill="hold">
+                                          <p:stCondLst>
+                                            <p:cond delay="0"/>
+                                          </p:stCondLst>
+                                        </p:cTn>
+                                        <p:tgtEl>
+                                          <p:spTgt spid="59">
+                                            <p:txEl>
+                                              <p:pRg st="0" end="0"/>
+                                            </p:txEl>
+                                          </p:spTgt>
+                                        </p:tgtEl>
+                                        <p:attrNameLst>
+                                          <p:attrName>style.visibility</p:attrName>
+                                        </p:attrNameLst>
+                                      </p:cBhvr>
+                                      <p:to>
+                                        <p:strVal val="visible"/>
+                                      </p:to>
+                                    </p:set>
+                                    <p:animEffect transition="in" filter="wipe(down)">
+                                      <p:cBhvr>
+                                        <p:cTn id="11" dur="1000"/>
+                                        <p:tgtEl>
+                                          <p:spTgt spid="59">
+                                            <p:txEl>
+                                              <p:pRg st="0" end="0"/>
+                                            </p:txEl>
+                                          </p:spTgt>
+                                        </p:tgtEl>
+                                      </p:cBhvr>
+                                    </p:animEffect>
+                                  </p:childTnLst>
+                                </p:cTn>
+                              </p:par>
+                            </p:childTnLst>
+                          </p:cTn>
+                        </p:par>
+                        <p:par>
+                          <p:cTn id="12" fill="hold">
+                            <p:stCondLst>
+                              <p:cond delay="1500"/>
+                            </p:stCondLst>
+                            <p:childTnLst>
+                              <p:par>
+                                <p:cTn id="13" presetID="22" presetClass="entr" presetSubtype="4" fill="hold" grpId="0" nodeType="afterEffect">
+                                  <p:stCondLst>
+                                    <p:cond delay="0"/>
+                                  </p:stCondLst>
+                                  <p:childTnLst>
+                                    <p:set>
+                                      <p:cBhvr>
+                                        <p:cTn id="14" dur="1" fill="hold">
+                                          <p:stCondLst>
+                                            <p:cond delay="0"/>
+                                          </p:stCondLst>
+                                        </p:cTn>
+                                        <p:tgtEl>
+                                          <p:spTgt spid="59">
+                                            <p:txEl>
+                                              <p:pRg st="1" end="1"/>
+                                            </p:txEl>
+                                          </p:spTgt>
+                                        </p:tgtEl>
+                                        <p:attrNameLst>
+                                          <p:attrName>style.visibility</p:attrName>
+                                        </p:attrNameLst>
+                                      </p:cBhvr>
+                                      <p:to>
+                                        <p:strVal val="visible"/>
+                                      </p:to>
+                                    </p:set>
+                                    <p:animEffect transition="in" filter="wipe(down)">
+                                      <p:cBhvr>
+                                        <p:cTn id="15" dur="1000"/>
+                                        <p:tgtEl>
+                                          <p:spTgt spid="59">
+                                            <p:txEl>
+                                              <p:pRg st="1" end="1"/>
+                                            </p:txEl>
+                                          </p:spTgt>
+                                        </p:tgtEl>
+                                      </p:cBhvr>
+                                    </p:animEffect>
+                                  </p:childTnLst>
+                                </p:cTn>
+                              </p:par>
+                            </p:childTnLst>
+                          </p:cTn>
+                        </p:par>
+                        <p:par>
+                          <p:cTn id="16" fill="hold">
+                            <p:stCondLst>
+                              <p:cond delay="2500"/>
+                            </p:stCondLst>
+                            <p:childTnLst>
+                              <p:par>
+                                <p:cTn id="17" presetID="22" presetClass="entr" presetSubtype="4" fill="hold" grpId="0" nodeType="afterEffect">
+                                  <p:stCondLst>
+                                    <p:cond delay="0"/>
+                                  </p:stCondLst>
+                                  <p:childTnLst>
+                                    <p:set>
+                                      <p:cBhvr>
+                                        <p:cTn id="18" dur="1" fill="hold">
+                                          <p:stCondLst>
+                                            <p:cond delay="0"/>
+                                          </p:stCondLst>
+                                        </p:cTn>
+                                        <p:tgtEl>
+                                          <p:spTgt spid="59">
+                                            <p:txEl>
+                                              <p:pRg st="2" end="2"/>
+                                            </p:txEl>
+                                          </p:spTgt>
+                                        </p:tgtEl>
+                                        <p:attrNameLst>
+                                          <p:attrName>style.visibility</p:attrName>
+                                        </p:attrNameLst>
+                                      </p:cBhvr>
+                                      <p:to>
+                                        <p:strVal val="visible"/>
+                                      </p:to>
+                                    </p:set>
+                                    <p:animEffect transition="in" filter="wipe(down)">
+                                      <p:cBhvr>
+                                        <p:cTn id="19" dur="1000"/>
+                                        <p:tgtEl>
+                                          <p:spTgt spid="59">
+                                            <p:txEl>
+                                              <p:pRg st="2" end="2"/>
+                                            </p:txEl>
+                                          </p:spTgt>
+                                        </p:tgtEl>
+                                      </p:cBhvr>
+                                    </p:animEffect>
+                                  </p:childTnLst>
+                                </p:cTn>
+                              </p:par>
+                            </p:childTnLst>
+                          </p:cTn>
+                        </p:par>
+                        <p:par>
+                          <p:cTn id="20" fill="hold">
+                            <p:stCondLst>
+                              <p:cond delay="3500"/>
+                            </p:stCondLst>
+                            <p:childTnLst>
+                              <p:par>
+                                <p:cTn id="21" presetID="22" presetClass="entr" presetSubtype="4" fill="hold" grpId="0" nodeType="afterEffect">
+                                  <p:stCondLst>
+                                    <p:cond delay="0"/>
+                                  </p:stCondLst>
+                                  <p:childTnLst>
+                                    <p:set>
+                                      <p:cBhvr>
+                                        <p:cTn id="22" dur="1" fill="hold">
+                                          <p:stCondLst>
+                                            <p:cond delay="0"/>
+                                          </p:stCondLst>
+                                        </p:cTn>
+                                        <p:tgtEl>
+                                          <p:spTgt spid="59">
+                                            <p:txEl>
+                                              <p:pRg st="3" end="3"/>
+                                            </p:txEl>
+                                          </p:spTgt>
+                                        </p:tgtEl>
+                                        <p:attrNameLst>
+                                          <p:attrName>style.visibility</p:attrName>
+                                        </p:attrNameLst>
+                                      </p:cBhvr>
+                                      <p:to>
+                                        <p:strVal val="visible"/>
+                                      </p:to>
+                                    </p:set>
+                                    <p:animEffect transition="in" filter="wipe(down)">
+                                      <p:cBhvr>
+                                        <p:cTn id="23" dur="1000"/>
+                                        <p:tgtEl>
+                                          <p:spTgt spid="59">
+                                            <p:txEl>
+                                              <p:pRg st="3" end="3"/>
+                                            </p:txEl>
+                                          </p:spTgt>
+                                        </p:tgtEl>
+                                      </p:cBhvr>
+                                    </p:animEffect>
+                                  </p:childTnLst>
+                                </p:cTn>
+                              </p:par>
+                            </p:childTnLst>
+                          </p:cTn>
+                        </p:par>
+                        <p:par>
+                          <p:cTn id="24" fill="hold">
+                            <p:stCondLst>
+                              <p:cond delay="4500"/>
+                            </p:stCondLst>
+                            <p:childTnLst>
+                              <p:par>
+                                <p:cTn id="25" presetID="22" presetClass="entr" presetSubtype="4" fill="hold" grpId="0" nodeType="afterEffect">
+                                  <p:stCondLst>
+                                    <p:cond delay="0"/>
+                                  </p:stCondLst>
+                                  <p:childTnLst>
+                                    <p:set>
+                                      <p:cBhvr>
+                                        <p:cTn id="26" dur="1" fill="hold">
+                                          <p:stCondLst>
+                                            <p:cond delay="0"/>
+                                          </p:stCondLst>
+                                        </p:cTn>
+                                        <p:tgtEl>
+                                          <p:spTgt spid="59">
+                                            <p:txEl>
+                                              <p:pRg st="4" end="4"/>
+                                            </p:txEl>
+                                          </p:spTgt>
+                                        </p:tgtEl>
+                                        <p:attrNameLst>
+                                          <p:attrName>style.visibility</p:attrName>
+                                        </p:attrNameLst>
+                                      </p:cBhvr>
+                                      <p:to>
+                                        <p:strVal val="visible"/>
+                                      </p:to>
+                                    </p:set>
+                                    <p:animEffect transition="in" filter="wipe(down)">
+                                      <p:cBhvr>
+                                        <p:cTn id="27" dur="1000"/>
+                                        <p:tgtEl>
+                                          <p:spTgt spid="59">
+                                            <p:txEl>
+                                              <p:pRg st="4" end="4"/>
+                                            </p:txEl>
+                                          </p:spTgt>
+                                        </p:tgtEl>
+                                      </p:cBhvr>
+                                    </p:animEffect>
+                                  </p:childTnLst>
+                                </p:cTn>
+                              </p:par>
+                            </p:childTnLst>
+                          </p:cTn>
+                        </p:par>
+                        <p:par>
+                          <p:cTn id="28" fill="hold">
+                            <p:stCondLst>
+                              <p:cond delay="5500"/>
+                            </p:stCondLst>
+                            <p:childTnLst>
+                              <p:par>
+                                <p:cTn id="29" presetID="22" presetClass="entr" presetSubtype="4" fill="hold" grpId="0" nodeType="afterEffect">
+                                  <p:stCondLst>
+                                    <p:cond delay="0"/>
+                                  </p:stCondLst>
+                                  <p:childTnLst>
+                                    <p:set>
+                                      <p:cBhvr>
+                                        <p:cTn id="30" dur="1" fill="hold">
+                                          <p:stCondLst>
+                                            <p:cond delay="0"/>
+                                          </p:stCondLst>
+                                        </p:cTn>
+                                        <p:tgtEl>
+                                          <p:spTgt spid="59">
+                                            <p:txEl>
+                                              <p:pRg st="5" end="5"/>
+                                            </p:txEl>
+                                          </p:spTgt>
+                                        </p:tgtEl>
+                                        <p:attrNameLst>
+                                          <p:attrName>style.visibility</p:attrName>
+                                        </p:attrNameLst>
+                                      </p:cBhvr>
+                                      <p:to>
+                                        <p:strVal val="visible"/>
+                                      </p:to>
+                                    </p:set>
+                                    <p:animEffect transition="in" filter="wipe(down)">
+                                      <p:cBhvr>
+                                        <p:cTn id="31" dur="1000"/>
+                                        <p:tgtEl>
+                                          <p:spTgt spid="59">
+                                            <p:txEl>
+                                              <p:pRg st="5" end="5"/>
+                                            </p:txEl>
+                                          </p:spTgt>
+                                        </p:tgtEl>
+                                      </p:cBhvr>
+                                    </p:animEffect>
+                                  </p:childTnLst>
+                                </p:cTn>
+                              </p:par>
+                            </p:childTnLst>
+                          </p:cTn>
+                        </p:par>
+                        <p:par>
+                          <p:cTn id="32" fill="hold">
+                            <p:stCondLst>
+                              <p:cond delay="6500"/>
+                            </p:stCondLst>
+                            <p:childTnLst>
+                              <p:par>
+                                <p:cTn id="33" presetID="22" presetClass="entr" presetSubtype="4" fill="hold" grpId="0" nodeType="afterEffect">
+                                  <p:stCondLst>
+                                    <p:cond delay="0"/>
+                                  </p:stCondLst>
+                                  <p:childTnLst>
+                                    <p:set>
+                                      <p:cBhvr>
+                                        <p:cTn id="34" dur="1" fill="hold">
+                                          <p:stCondLst>
+                                            <p:cond delay="0"/>
+                                          </p:stCondLst>
+                                        </p:cTn>
+                                        <p:tgtEl>
+                                          <p:spTgt spid="59">
+                                            <p:txEl>
+                                              <p:pRg st="6" end="6"/>
+                                            </p:txEl>
+                                          </p:spTgt>
+                                        </p:tgtEl>
+                                        <p:attrNameLst>
+                                          <p:attrName>style.visibility</p:attrName>
+                                        </p:attrNameLst>
+                                      </p:cBhvr>
+                                      <p:to>
+                                        <p:strVal val="visible"/>
+                                      </p:to>
+                                    </p:set>
+                                    <p:animEffect transition="in" filter="wipe(down)">
+                                      <p:cBhvr>
+                                        <p:cTn id="35" dur="1000"/>
+                                        <p:tgtEl>
+                                          <p:spTgt spid="59">
+                                            <p:txEl>
+                                              <p:pRg st="6" end="6"/>
+                                            </p:txEl>
+                                          </p:spTgt>
+                                        </p:tgtEl>
+                                      </p:cBhvr>
+                                    </p:animEffect>
+                                  </p:childTnLst>
+                                </p:cTn>
+                              </p:par>
+                            </p:childTnLst>
+                          </p:cTn>
+                        </p:par>
+                        <p:par>
+                          <p:cTn id="36" fill="hold">
+                            <p:stCondLst>
+                              <p:cond delay="7500"/>
+                            </p:stCondLst>
+                            <p:childTnLst>
+                              <p:par>
+                                <p:cTn id="37" presetID="22" presetClass="entr" presetSubtype="4" fill="hold" nodeType="afterEffect">
+                                  <p:stCondLst>
+                                    <p:cond delay="0"/>
+                                  </p:stCondLst>
+                                  <p:childTnLst>
+                                    <p:set>
+                                      <p:cBhvr>
+                                        <p:cTn id="38" dur="1" fill="hold">
+                                          <p:stCondLst>
+                                            <p:cond delay="0"/>
+                                          </p:stCondLst>
+                                        </p:cTn>
+                                        <p:tgtEl>
+                                          <p:spTgt spid="61"/>
+                                        </p:tgtEl>
+                                        <p:attrNameLst>
+                                          <p:attrName>style.visibility</p:attrName>
+                                        </p:attrNameLst>
+                                      </p:cBhvr>
+                                      <p:to>
+                                        <p:strVal val="visible"/>
+                                      </p:to>
+                                    </p:set>
+                                    <p:animEffect transition="in" filter="wipe(down)">
+                                      <p:cBhvr>
+                                        <p:cTn id="39" dur="500"/>
+                                        <p:tgtEl>
+                                          <p:spTgt spid="61"/>
+                                        </p:tgtEl>
+                                      </p:cBhvr>
+                                    </p:animEffect>
+                                  </p:childTnLst>
+                                </p:cTn>
+                              </p:par>
+                              <p:par>
+                                <p:cTn id="40" presetID="22" presetClass="entr" presetSubtype="4" fill="hold" nodeType="withEffect">
+                                  <p:stCondLst>
+                                    <p:cond delay="0"/>
+                                  </p:stCondLst>
+                                  <p:childTnLst>
+                                    <p:set>
+                                      <p:cBhvr>
+                                        <p:cTn id="41" dur="1" fill="hold">
+                                          <p:stCondLst>
+                                            <p:cond delay="0"/>
+                                          </p:stCondLst>
+                                        </p:cTn>
+                                        <p:tgtEl>
+                                          <p:spTgt spid="9"/>
+                                        </p:tgtEl>
+                                        <p:attrNameLst>
+                                          <p:attrName>style.visibility</p:attrName>
+                                        </p:attrNameLst>
+                                      </p:cBhvr>
+                                      <p:to>
+                                        <p:strVal val="visible"/>
+                                      </p:to>
+                                    </p:set>
+                                    <p:animEffect transition="in" filter="wipe(down)">
+                                      <p:cBhvr>
+                                        <p:cTn id="42" dur="500"/>
+                                        <p:tgtEl>
+                                          <p:spTgt spid="9"/>
+                                        </p:tgtEl>
+                                      </p:cBhvr>
+                                    </p:animEffect>
+                                  </p:childTnLst>
+                                </p:cTn>
+                              </p:par>
+                            </p:childTnLst>
+                          </p:cTn>
+                        </p:par>
+                      </p:childTnLst>
+                    </p:cTn>
+                  </p:par>
+                </p:childTnLst>
+              </p:cTn>
+              <p:prevCondLst>
+                <p:cond evt="onPrev" delay="0">
+                  <p:tgtEl>
+                    <p:sldTgt/>
+                  </p:tgtEl>
+                </p:cond>
+              </p:prevCondLst>
+              <p:nextCondLst>
+                <p:cond evt="onNext" delay="0">
+                  <p:tgtEl>
+                    <p:sldTgt/>
+                  </p:tgtEl>
+                </p:cond>
+              </p:nextCondLst>
+            </p:seq>
+          </p:childTnLst>
+        </p:cTn>
+      </p:par>
+    </p:tnLst>
+    <p:bldLst>
+      <p:bldP spid="57" grpId="0"/>
+      <p:bldP spid="59" grpId="0" build="p"/>
+    </p:bldLst>
+  </p:timing>
+</p:sld>
+</file>
+
+<file path=ppt/slides/slide7.xml><?xml version="1.0" encoding="utf-8"?>
+<p:sld xmlns:a="http://schemas.openxmlformats.org/drawingml/2006/main" xmlns:r="http://schemas.openxmlformats.org/officeDocument/2006/relationships" xmlns:p="http://schemas.openxmlformats.org/presentationml/2006/main">
+  <p:cSld>
+    <p:spTree>
+      <p:nvGrpSpPr>
+        <p:cNvPr id="1" name=""/>
+        <p:cNvGrpSpPr/>
+        <p:nvPr/>
+      </p:nvGrpSpPr>
+      <p:grpSpPr>
+        <a:xfrm>
+          <a:off x="0" y="0"/>
+          <a:ext cx="0" cy="0"/>
+          <a:chOff x="0" y="0"/>
+          <a:chExt cx="0" cy="0"/>
+        </a:xfrm>
+      </p:grpSpPr>
+      <p:sp>
+        <p:nvSpPr>
+          <p:cNvPr id="3" name="Прямоугольник 2">
+            <a:extLst>
+              <a:ext uri="{FF2B5EF4-FFF2-40B4-BE49-F238E27FC236}">
+                <a16:creationId xmlns:a16="http://schemas.microsoft.com/office/drawing/2014/main" id="{EACE1AB5-BEE6-4FEE-88F7-981BAFBB0C89}"/>
+              </a:ext>
+            </a:extLst>
+          </p:cNvPr>
+          <p:cNvSpPr/>
+          <p:nvPr/>
+        </p:nvSpPr>
+        <p:spPr>
+          <a:xfrm>
+            <a:off x="0" y="-1277"/>
+            <a:ext cx="12192000" cy="834037"/>
+          </a:xfrm>
+          <a:prstGeom prst="rect">
+            <a:avLst/>
+          </a:prstGeom>
+        </p:spPr>
+        <p:style>
+          <a:lnRef idx="2">
+            <a:schemeClr val="dk1">
+              <a:shade val="50000"/>
+            </a:schemeClr>
+          </a:lnRef>
+          <a:fillRef idx="1">
+            <a:schemeClr val="dk1"/>
+          </a:fillRef>
+          <a:effectRef idx="0">
+            <a:schemeClr val="dk1"/>
+          </a:effectRef>
+          <a:fontRef idx="minor">
+            <a:schemeClr val="lt1"/>
+          </a:fontRef>
+        </p:style>
+        <p:txBody>
+          <a:bodyPr rtlCol="0" anchor="ctr"/>
+          <a:lstStyle/>
+          <a:p>
+            <a:pPr algn="ctr"/>
+            <a:endParaRPr lang="ru-RU" sz="4000" dirty="0"/>
+          </a:p>
+        </p:txBody>
+      </p:sp>
+      <p:sp>
+        <p:nvSpPr>
+          <p:cNvPr id="57" name="Заголовок 56">
+            <a:extLst>
+              <a:ext uri="{FF2B5EF4-FFF2-40B4-BE49-F238E27FC236}">
+                <a16:creationId xmlns:a16="http://schemas.microsoft.com/office/drawing/2014/main" id="{41F13FE0-CD3F-C522-9DDE-F7B53D110205}"/>
+              </a:ext>
+            </a:extLst>
+          </p:cNvPr>
+          <p:cNvSpPr>
+            <a:spLocks noGrp="1"/>
+          </p:cNvSpPr>
+          <p:nvPr>
+            <p:ph type="title"/>
+          </p:nvPr>
+        </p:nvSpPr>
+        <p:spPr>
+          <a:xfrm>
+            <a:off x="481314" y="-1407"/>
+            <a:ext cx="10515600" cy="833639"/>
+          </a:xfrm>
+        </p:spPr>
+        <p:txBody>
+          <a:bodyPr>
+            <a:noAutofit/>
+          </a:bodyPr>
+          <a:lstStyle/>
+          <a:p>
+            <a:r>
+              <a:rPr lang="ru-RU" sz="3200" dirty="0">
+                <a:solidFill>
+                  <a:schemeClr val="bg1"/>
+                </a:solidFill>
+                <a:latin typeface="Arial"/>
+                <a:cs typeface="Arial"/>
+              </a:rPr>
+              <a:t>Оценка проекта включает в себя ряд ключевых шагов:</a:t>
+            </a:r>
+            <a:endParaRPr lang="ru-RU" sz="3600" dirty="0">
+              <a:solidFill>
+                <a:schemeClr val="bg1"/>
+              </a:solidFill>
+              <a:ea typeface="Calibri Light" panose="020F0302020204030204"/>
+              <a:cs typeface="Calibri Light" panose="020F0302020204030204"/>
+            </a:endParaRPr>
+          </a:p>
+        </p:txBody>
+      </p:sp>
+      <p:pic>
+        <p:nvPicPr>
+          <p:cNvPr id="61" name="Рисунок 60" descr="Изображение выглядит как Графика, дизайн, Красочность&#10;&#10;Автоматически созданное описание">
+            <a:extLst>
+              <a:ext uri="{FF2B5EF4-FFF2-40B4-BE49-F238E27FC236}">
+                <a16:creationId xmlns:a16="http://schemas.microsoft.com/office/drawing/2014/main" id="{7FA27145-9835-3253-0B4F-F10744E20EFD}"/>
+              </a:ext>
+            </a:extLst>
+          </p:cNvPr>
+          <p:cNvPicPr>
+            <a:picLocks noChangeAspect="1"/>
+          </p:cNvPicPr>
+          <p:nvPr/>
+        </p:nvPicPr>
+        <p:blipFill>
+          <a:blip r:embed="rId2"/>
+          <a:stretch>
+            <a:fillRect/>
+          </a:stretch>
+        </p:blipFill>
+        <p:spPr>
+          <a:xfrm>
+            <a:off x="10689021" y="5359400"/>
+            <a:ext cx="1499476" cy="1499476"/>
+          </a:xfrm>
+          <a:prstGeom prst="rect">
+            <a:avLst/>
+          </a:prstGeom>
+        </p:spPr>
+      </p:pic>
+      <p:pic>
+        <p:nvPicPr>
+          <p:cNvPr id="9" name="Рисунок 8">
+            <a:extLst>
+              <a:ext uri="{FF2B5EF4-FFF2-40B4-BE49-F238E27FC236}">
+                <a16:creationId xmlns:a16="http://schemas.microsoft.com/office/drawing/2014/main" id="{83C635E4-6478-9629-DFE1-D03E58E33589}"/>
+              </a:ext>
+            </a:extLst>
+          </p:cNvPr>
+          <p:cNvPicPr>
+            <a:picLocks noChangeAspect="1"/>
+          </p:cNvPicPr>
+          <p:nvPr/>
+        </p:nvPicPr>
+        <p:blipFill>
+          <a:blip r:embed="rId3"/>
+          <a:stretch>
+            <a:fillRect/>
+          </a:stretch>
+        </p:blipFill>
+        <p:spPr>
+          <a:xfrm>
+            <a:off x="3736624" y="1638299"/>
+            <a:ext cx="6962420" cy="5218289"/>
+          </a:xfrm>
+          <a:prstGeom prst="rect">
+            <a:avLst/>
+          </a:prstGeom>
+        </p:spPr>
+      </p:pic>
+      <p:sp>
+        <p:nvSpPr>
+          <p:cNvPr id="59" name="Объект 58">
+            <a:extLst>
+              <a:ext uri="{FF2B5EF4-FFF2-40B4-BE49-F238E27FC236}">
+                <a16:creationId xmlns:a16="http://schemas.microsoft.com/office/drawing/2014/main" id="{5827FD96-0C8B-CB94-2DB3-4C1E165915F3}"/>
+              </a:ext>
+            </a:extLst>
+          </p:cNvPr>
+          <p:cNvSpPr>
+            <a:spLocks noGrp="1"/>
+          </p:cNvSpPr>
+          <p:nvPr>
+            <p:ph idx="1"/>
+          </p:nvPr>
+        </p:nvSpPr>
+        <p:spPr>
+          <a:xfrm>
+            <a:off x="365568" y="986461"/>
+            <a:ext cx="5562420" cy="5599724"/>
+          </a:xfrm>
+        </p:spPr>
+        <p:txBody>
+          <a:bodyPr vert="horz" lIns="91440" tIns="45720" rIns="91440" bIns="45720" rtlCol="0" anchor="t">
+            <a:normAutofit/>
+          </a:bodyPr>
+          <a:lstStyle/>
+          <a:p>
+            <a:pPr marL="342900" indent="-342900">
+              <a:buAutoNum type="arabicPeriod"/>
+            </a:pPr>
+            <a:r>
+              <a:rPr lang="ru-RU" sz="2400" b="1" dirty="0">
+                <a:latin typeface="Calibri"/>
+                <a:ea typeface="Calibri"/>
+                <a:cs typeface="Arial"/>
+              </a:rPr>
+              <a:t>Определение целей и задач проекта</a:t>
+            </a:r>
+            <a:endParaRPr lang="ru-RU" sz="2400">
+              <a:latin typeface="Calibri"/>
+              <a:ea typeface="Calibri"/>
+              <a:cs typeface="Calibri" panose="020F0502020204030204"/>
+            </a:endParaRPr>
+          </a:p>
+          <a:p>
+            <a:pPr marL="342900" indent="-342900">
+              <a:buAutoNum type="arabicPeriod"/>
+            </a:pPr>
+            <a:r>
+              <a:rPr lang="ru-RU" sz="2400" b="1" dirty="0">
+                <a:latin typeface="Calibri"/>
+                <a:ea typeface="Calibri" panose="020F0502020204030204"/>
+                <a:cs typeface="Arial"/>
+              </a:rPr>
+              <a:t>Оценка стоимости проекта</a:t>
+            </a:r>
+          </a:p>
+          <a:p>
+            <a:pPr marL="342900" indent="-342900">
+              <a:buAutoNum type="arabicPeriod"/>
+            </a:pPr>
+            <a:r>
+              <a:rPr lang="ru-RU" sz="2400" b="1" dirty="0">
+                <a:latin typeface="Calibri"/>
+                <a:ea typeface="Calibri" panose="020F0502020204030204"/>
+                <a:cs typeface="Arial"/>
+              </a:rPr>
+              <a:t>Прогнозирование выгод</a:t>
+            </a:r>
+            <a:endParaRPr lang="ru-RU" sz="2400">
+              <a:latin typeface="Calibri"/>
+              <a:ea typeface="Calibri"/>
+              <a:cs typeface="Calibri"/>
+            </a:endParaRPr>
+          </a:p>
+          <a:p>
+            <a:pPr marL="342900" indent="-342900">
+              <a:buAutoNum type="arabicPeriod"/>
+            </a:pPr>
+            <a:r>
+              <a:rPr lang="ru-RU" sz="2400" b="1" dirty="0">
+                <a:latin typeface="Calibri"/>
+                <a:ea typeface="Calibri" panose="020F0502020204030204"/>
+                <a:cs typeface="Arial"/>
+              </a:rPr>
+              <a:t>Расчет показателей окупаемости</a:t>
+            </a:r>
+          </a:p>
+          <a:p>
+            <a:pPr marL="342900" indent="-342900">
+              <a:buAutoNum type="arabicPeriod"/>
+            </a:pPr>
+            <a:r>
+              <a:rPr lang="ru-RU" sz="2400" b="1" dirty="0">
+                <a:latin typeface="Calibri"/>
+                <a:ea typeface="Calibri" panose="020F0502020204030204"/>
+                <a:cs typeface="Arial"/>
+              </a:rPr>
+              <a:t>Чувствительность к изменениям</a:t>
+            </a:r>
+          </a:p>
+          <a:p>
+            <a:pPr marL="342900" indent="-342900">
+              <a:buAutoNum type="arabicPeriod"/>
+            </a:pPr>
+            <a:r>
+              <a:rPr lang="ru-RU" sz="2400" b="1" dirty="0">
+                <a:latin typeface="Calibri"/>
+                <a:ea typeface="Calibri" panose="020F0502020204030204"/>
+                <a:cs typeface="Arial"/>
+              </a:rPr>
+              <a:t>Принятие решения</a:t>
+            </a:r>
+          </a:p>
+          <a:p>
+            <a:pPr marL="342900" indent="-342900">
+              <a:buAutoNum type="arabicPeriod"/>
+            </a:pPr>
+            <a:r>
+              <a:rPr lang="ru-RU" sz="2400" b="1" dirty="0">
+                <a:latin typeface="Calibri"/>
+                <a:ea typeface="Calibri" panose="020F0502020204030204"/>
+                <a:cs typeface="Arial"/>
+              </a:rPr>
+              <a:t>Мониторинг и управление проектом</a:t>
+            </a:r>
+          </a:p>
+        </p:txBody>
+      </p:sp>
+    </p:spTree>
+    <p:extLst>
+      <p:ext uri="{BB962C8B-B14F-4D97-AF65-F5344CB8AC3E}">
+        <p14:creationId xmlns:p14="http://schemas.microsoft.com/office/powerpoint/2010/main" val="832146627"/>
+      </p:ext>
+    </p:extLst>
+  </p:cSld>
+  <p:clrMapOvr>
+    <a:masterClrMapping/>
+  </p:clrMapOvr>
+  <mc:AlternateContent xmlns:mc="http://schemas.openxmlformats.org/markup-compatibility/2006">
+    <mc:Choice xmlns:p14="http://schemas.microsoft.com/office/powerpoint/2010/main" Requires="p14">
+      <p:transition spd="med" p14:dur="700">
+        <p:fade/>
+      </p:transition>
+    </mc:Choice>
+    <mc:Fallback>
+      <p:transition spd="med">
+        <p:fade/>
+      </p:transition>
+    </mc:Fallback>
+  </mc:AlternateContent>
+  <p:timing>
+    <p:tnLst>
+      <p:par>
+        <p:cTn id="1" dur="indefinite" restart="never" nodeType="tmRoot">
+          <p:childTnLst>
+            <p:seq concurrent="1" nextAc="seek">
+              <p:cTn id="2" dur="indefinite" nodeType="mainSeq">
+                <p:childTnLst>
+                  <p:par>
+                    <p:cTn id="3" fill="hold">
+                      <p:stCondLst>
+                        <p:cond delay="indefinite"/>
+                      </p:stCondLst>
+                      <p:childTnLst>
+                        <p:par>
+                          <p:cTn id="4" fill="hold">
+                            <p:stCondLst>
+                              <p:cond delay="0"/>
+                            </p:stCondLst>
+                            <p:childTnLst>
+                              <p:par>
+                                <p:cTn id="5" presetID="10" presetClass="entr" presetSubtype="0" fill="hold" grpId="0" nodeType="clickEffect">
+                                  <p:stCondLst>
+                                    <p:cond delay="0"/>
+                                  </p:stCondLst>
+                                  <p:childTnLst>
+                                    <p:set>
+                                      <p:cBhvr>
+                                        <p:cTn id="6" dur="1" fill="hold">
+                                          <p:stCondLst>
+                                            <p:cond delay="0"/>
+                                          </p:stCondLst>
+                                        </p:cTn>
+                                        <p:tgtEl>
+                                          <p:spTgt spid="57"/>
+                                        </p:tgtEl>
+                                        <p:attrNameLst>
+                                          <p:attrName>style.visibility</p:attrName>
+                                        </p:attrNameLst>
+                                      </p:cBhvr>
+                                      <p:to>
+                                        <p:strVal val="visible"/>
+                                      </p:to>
+                                    </p:set>
+                                    <p:animEffect transition="in" filter="fade">
+                                      <p:cBhvr>
+                                        <p:cTn id="7" dur="500"/>
+                                        <p:tgtEl>
+                                          <p:spTgt spid="57"/>
+                                        </p:tgtEl>
+                                      </p:cBhvr>
+                                    </p:animEffect>
+                                  </p:childTnLst>
+                                </p:cTn>
+                              </p:par>
+                            </p:childTnLst>
+                          </p:cTn>
+                        </p:par>
+                        <p:par>
+                          <p:cTn id="8" fill="hold">
+                            <p:stCondLst>
+                              <p:cond delay="500"/>
+                            </p:stCondLst>
+                            <p:childTnLst>
+                              <p:par>
+                                <p:cTn id="9" presetID="22" presetClass="entr" presetSubtype="4" fill="hold" grpId="0" nodeType="afterEffect">
+                                  <p:stCondLst>
+                                    <p:cond delay="0"/>
+                                  </p:stCondLst>
+                                  <p:childTnLst>
+                                    <p:set>
+                                      <p:cBhvr>
+                                        <p:cTn id="10" dur="1" fill="hold">
+                                          <p:stCondLst>
+                                            <p:cond delay="0"/>
+                                          </p:stCondLst>
+                                        </p:cTn>
+                                        <p:tgtEl>
+                                          <p:spTgt spid="59">
+                                            <p:txEl>
+                                              <p:pRg st="0" end="0"/>
+                                            </p:txEl>
+                                          </p:spTgt>
+                                        </p:tgtEl>
+                                        <p:attrNameLst>
+                                          <p:attrName>style.visibility</p:attrName>
+                                        </p:attrNameLst>
+                                      </p:cBhvr>
+                                      <p:to>
+                                        <p:strVal val="visible"/>
+                                      </p:to>
+                                    </p:set>
+                                    <p:animEffect transition="in" filter="wipe(down)">
+                                      <p:cBhvr>
+                                        <p:cTn id="11" dur="1000"/>
+                                        <p:tgtEl>
+                                          <p:spTgt spid="59">
+                                            <p:txEl>
+                                              <p:pRg st="0" end="0"/>
+                                            </p:txEl>
+                                          </p:spTgt>
+                                        </p:tgtEl>
+                                      </p:cBhvr>
+                                    </p:animEffect>
+                                  </p:childTnLst>
+                                </p:cTn>
+                              </p:par>
+                            </p:childTnLst>
+                          </p:cTn>
+                        </p:par>
+                        <p:par>
+                          <p:cTn id="12" fill="hold">
+                            <p:stCondLst>
+                              <p:cond delay="1500"/>
+                            </p:stCondLst>
+                            <p:childTnLst>
+                              <p:par>
+                                <p:cTn id="13" presetID="22" presetClass="entr" presetSubtype="4" fill="hold" grpId="0" nodeType="afterEffect">
+                                  <p:stCondLst>
+                                    <p:cond delay="0"/>
+                                  </p:stCondLst>
+                                  <p:childTnLst>
+                                    <p:set>
+                                      <p:cBhvr>
+                                        <p:cTn id="14" dur="1" fill="hold">
+                                          <p:stCondLst>
+                                            <p:cond delay="0"/>
+                                          </p:stCondLst>
+                                        </p:cTn>
+                                        <p:tgtEl>
+                                          <p:spTgt spid="59">
+                                            <p:txEl>
+                                              <p:pRg st="1" end="1"/>
+                                            </p:txEl>
+                                          </p:spTgt>
+                                        </p:tgtEl>
+                                        <p:attrNameLst>
+                                          <p:attrName>style.visibility</p:attrName>
+                                        </p:attrNameLst>
+                                      </p:cBhvr>
+                                      <p:to>
+                                        <p:strVal val="visible"/>
+                                      </p:to>
+                                    </p:set>
+                                    <p:animEffect transition="in" filter="wipe(down)">
+                                      <p:cBhvr>
+                                        <p:cTn id="15" dur="1000"/>
+                                        <p:tgtEl>
+                                          <p:spTgt spid="59">
+                                            <p:txEl>
+                                              <p:pRg st="1" end="1"/>
+                                            </p:txEl>
+                                          </p:spTgt>
+                                        </p:tgtEl>
+                                      </p:cBhvr>
+                                    </p:animEffect>
+                                  </p:childTnLst>
+                                </p:cTn>
+                              </p:par>
+                            </p:childTnLst>
+                          </p:cTn>
+                        </p:par>
+                        <p:par>
+                          <p:cTn id="16" fill="hold">
+                            <p:stCondLst>
+                              <p:cond delay="2500"/>
+                            </p:stCondLst>
+                            <p:childTnLst>
+                              <p:par>
+                                <p:cTn id="17" presetID="22" presetClass="entr" presetSubtype="4" fill="hold" grpId="0" nodeType="afterEffect">
+                                  <p:stCondLst>
+                                    <p:cond delay="0"/>
+                                  </p:stCondLst>
+                                  <p:childTnLst>
+                                    <p:set>
+                                      <p:cBhvr>
+                                        <p:cTn id="18" dur="1" fill="hold">
+                                          <p:stCondLst>
+                                            <p:cond delay="0"/>
+                                          </p:stCondLst>
+                                        </p:cTn>
+                                        <p:tgtEl>
+                                          <p:spTgt spid="59">
+                                            <p:txEl>
+                                              <p:pRg st="2" end="2"/>
+                                            </p:txEl>
+                                          </p:spTgt>
+                                        </p:tgtEl>
+                                        <p:attrNameLst>
+                                          <p:attrName>style.visibility</p:attrName>
+                                        </p:attrNameLst>
+                                      </p:cBhvr>
+                                      <p:to>
+                                        <p:strVal val="visible"/>
+                                      </p:to>
+                                    </p:set>
+                                    <p:animEffect transition="in" filter="wipe(down)">
+                                      <p:cBhvr>
+                                        <p:cTn id="19" dur="1000"/>
+                                        <p:tgtEl>
+                                          <p:spTgt spid="59">
+                                            <p:txEl>
+                                              <p:pRg st="2" end="2"/>
+                                            </p:txEl>
+                                          </p:spTgt>
+                                        </p:tgtEl>
+                                      </p:cBhvr>
+                                    </p:animEffect>
+                                  </p:childTnLst>
+                                </p:cTn>
+                              </p:par>
+                            </p:childTnLst>
+                          </p:cTn>
+                        </p:par>
+                        <p:par>
+                          <p:cTn id="20" fill="hold">
+                            <p:stCondLst>
+                              <p:cond delay="3500"/>
+                            </p:stCondLst>
+                            <p:childTnLst>
+                              <p:par>
+                                <p:cTn id="21" presetID="22" presetClass="entr" presetSubtype="4" fill="hold" grpId="0" nodeType="afterEffect">
+                                  <p:stCondLst>
+                                    <p:cond delay="0"/>
+                                  </p:stCondLst>
+                                  <p:childTnLst>
+                                    <p:set>
+                                      <p:cBhvr>
+                                        <p:cTn id="22" dur="1" fill="hold">
+                                          <p:stCondLst>
+                                            <p:cond delay="0"/>
+                                          </p:stCondLst>
+                                        </p:cTn>
+                                        <p:tgtEl>
+                                          <p:spTgt spid="59">
+                                            <p:txEl>
+                                              <p:pRg st="3" end="3"/>
+                                            </p:txEl>
+                                          </p:spTgt>
+                                        </p:tgtEl>
+                                        <p:attrNameLst>
+                                          <p:attrName>style.visibility</p:attrName>
+                                        </p:attrNameLst>
+                                      </p:cBhvr>
+                                      <p:to>
+                                        <p:strVal val="visible"/>
+                                      </p:to>
+                                    </p:set>
+                                    <p:animEffect transition="in" filter="wipe(down)">
+                                      <p:cBhvr>
+                                        <p:cTn id="23" dur="1000"/>
+                                        <p:tgtEl>
+                                          <p:spTgt spid="59">
+                                            <p:txEl>
+                                              <p:pRg st="3" end="3"/>
+                                            </p:txEl>
+                                          </p:spTgt>
+                                        </p:tgtEl>
+                                      </p:cBhvr>
+                                    </p:animEffect>
+                                  </p:childTnLst>
+                                </p:cTn>
+                              </p:par>
+                            </p:childTnLst>
+                          </p:cTn>
+                        </p:par>
+                        <p:par>
+                          <p:cTn id="24" fill="hold">
+                            <p:stCondLst>
+                              <p:cond delay="4500"/>
+                            </p:stCondLst>
+                            <p:childTnLst>
+                              <p:par>
+                                <p:cTn id="25" presetID="22" presetClass="entr" presetSubtype="4" fill="hold" grpId="0" nodeType="afterEffect">
+                                  <p:stCondLst>
+                                    <p:cond delay="0"/>
+                                  </p:stCondLst>
+                                  <p:childTnLst>
+                                    <p:set>
+                                      <p:cBhvr>
+                                        <p:cTn id="26" dur="1" fill="hold">
+                                          <p:stCondLst>
+                                            <p:cond delay="0"/>
+                                          </p:stCondLst>
+                                        </p:cTn>
+                                        <p:tgtEl>
+                                          <p:spTgt spid="59">
+                                            <p:txEl>
+                                              <p:pRg st="4" end="4"/>
+                                            </p:txEl>
+                                          </p:spTgt>
+                                        </p:tgtEl>
+                                        <p:attrNameLst>
+                                          <p:attrName>style.visibility</p:attrName>
+                                        </p:attrNameLst>
+                                      </p:cBhvr>
+                                      <p:to>
+                                        <p:strVal val="visible"/>
+                                      </p:to>
+                                    </p:set>
+                                    <p:animEffect transition="in" filter="wipe(down)">
+                                      <p:cBhvr>
+                                        <p:cTn id="27" dur="1000"/>
+                                        <p:tgtEl>
+                                          <p:spTgt spid="59">
+                                            <p:txEl>
+                                              <p:pRg st="4" end="4"/>
+                                            </p:txEl>
+                                          </p:spTgt>
+                                        </p:tgtEl>
+                                      </p:cBhvr>
+                                    </p:animEffect>
+                                  </p:childTnLst>
+                                </p:cTn>
+                              </p:par>
+                            </p:childTnLst>
+                          </p:cTn>
+                        </p:par>
+                        <p:par>
+                          <p:cTn id="28" fill="hold">
+                            <p:stCondLst>
+                              <p:cond delay="5500"/>
+                            </p:stCondLst>
+                            <p:childTnLst>
+                              <p:par>
+                                <p:cTn id="29" presetID="22" presetClass="entr" presetSubtype="4" fill="hold" grpId="0" nodeType="afterEffect">
+                                  <p:stCondLst>
+                                    <p:cond delay="0"/>
+                                  </p:stCondLst>
+                                  <p:childTnLst>
+                                    <p:set>
+                                      <p:cBhvr>
+                                        <p:cTn id="30" dur="1" fill="hold">
+                                          <p:stCondLst>
+                                            <p:cond delay="0"/>
+                                          </p:stCondLst>
+                                        </p:cTn>
+                                        <p:tgtEl>
+                                          <p:spTgt spid="59">
+                                            <p:txEl>
+                                              <p:pRg st="5" end="5"/>
+                                            </p:txEl>
+                                          </p:spTgt>
+                                        </p:tgtEl>
+                                        <p:attrNameLst>
+                                          <p:attrName>style.visibility</p:attrName>
+                                        </p:attrNameLst>
+                                      </p:cBhvr>
+                                      <p:to>
+                                        <p:strVal val="visible"/>
+                                      </p:to>
+                                    </p:set>
+                                    <p:animEffect transition="in" filter="wipe(down)">
+                                      <p:cBhvr>
+                                        <p:cTn id="31" dur="1000"/>
+                                        <p:tgtEl>
+                                          <p:spTgt spid="59">
+                                            <p:txEl>
+                                              <p:pRg st="5" end="5"/>
+                                            </p:txEl>
+                                          </p:spTgt>
+                                        </p:tgtEl>
+                                      </p:cBhvr>
+                                    </p:animEffect>
+                                  </p:childTnLst>
+                                </p:cTn>
+                              </p:par>
+                            </p:childTnLst>
+                          </p:cTn>
+                        </p:par>
+                        <p:par>
+                          <p:cTn id="32" fill="hold">
+                            <p:stCondLst>
+                              <p:cond delay="6500"/>
+                            </p:stCondLst>
+                            <p:childTnLst>
+                              <p:par>
+                                <p:cTn id="33" presetID="22" presetClass="entr" presetSubtype="4" fill="hold" grpId="0" nodeType="afterEffect">
+                                  <p:stCondLst>
+                                    <p:cond delay="0"/>
+                                  </p:stCondLst>
+                                  <p:childTnLst>
+                                    <p:set>
+                                      <p:cBhvr>
+                                        <p:cTn id="34" dur="1" fill="hold">
+                                          <p:stCondLst>
+                                            <p:cond delay="0"/>
+                                          </p:stCondLst>
+                                        </p:cTn>
+                                        <p:tgtEl>
+                                          <p:spTgt spid="59">
+                                            <p:txEl>
+                                              <p:pRg st="6" end="6"/>
+                                            </p:txEl>
+                                          </p:spTgt>
+                                        </p:tgtEl>
+                                        <p:attrNameLst>
+                                          <p:attrName>style.visibility</p:attrName>
+                                        </p:attrNameLst>
+                                      </p:cBhvr>
+                                      <p:to>
+                                        <p:strVal val="visible"/>
+                                      </p:to>
+                                    </p:set>
+                                    <p:animEffect transition="in" filter="wipe(down)">
+                                      <p:cBhvr>
+                                        <p:cTn id="35" dur="1000"/>
+                                        <p:tgtEl>
+                                          <p:spTgt spid="59">
+                                            <p:txEl>
+                                              <p:pRg st="6" end="6"/>
+                                            </p:txEl>
+                                          </p:spTgt>
+                                        </p:tgtEl>
+                                      </p:cBhvr>
+                                    </p:animEffect>
+                                  </p:childTnLst>
+                                </p:cTn>
+                              </p:par>
+                            </p:childTnLst>
+                          </p:cTn>
+                        </p:par>
+                        <p:par>
+                          <p:cTn id="36" fill="hold">
+                            <p:stCondLst>
+                              <p:cond delay="7500"/>
+                            </p:stCondLst>
+                            <p:childTnLst>
+                              <p:par>
+                                <p:cTn id="37" presetID="22" presetClass="entr" presetSubtype="4" fill="hold" nodeType="afterEffect">
+                                  <p:stCondLst>
+                                    <p:cond delay="0"/>
+                                  </p:stCondLst>
+                                  <p:childTnLst>
+                                    <p:set>
+                                      <p:cBhvr>
+                                        <p:cTn id="38" dur="1" fill="hold">
+                                          <p:stCondLst>
+                                            <p:cond delay="0"/>
+                                          </p:stCondLst>
+                                        </p:cTn>
+                                        <p:tgtEl>
+                                          <p:spTgt spid="61"/>
+                                        </p:tgtEl>
+                                        <p:attrNameLst>
+                                          <p:attrName>style.visibility</p:attrName>
+                                        </p:attrNameLst>
+                                      </p:cBhvr>
+                                      <p:to>
+                                        <p:strVal val="visible"/>
+                                      </p:to>
+                                    </p:set>
+                                    <p:animEffect transition="in" filter="wipe(down)">
+                                      <p:cBhvr>
+                                        <p:cTn id="39" dur="500"/>
+                                        <p:tgtEl>
+                                          <p:spTgt spid="61"/>
+                                        </p:tgtEl>
+                                      </p:cBhvr>
+                                    </p:animEffect>
+                                  </p:childTnLst>
+                                </p:cTn>
+                              </p:par>
+                              <p:par>
+                                <p:cTn id="40" presetID="22" presetClass="entr" presetSubtype="4" fill="hold" nodeType="withEffect">
+                                  <p:stCondLst>
+                                    <p:cond delay="0"/>
+                                  </p:stCondLst>
+                                  <p:childTnLst>
+                                    <p:set>
+                                      <p:cBhvr>
+                                        <p:cTn id="41" dur="1" fill="hold">
+                                          <p:stCondLst>
+                                            <p:cond delay="0"/>
+                                          </p:stCondLst>
+                                        </p:cTn>
+                                        <p:tgtEl>
+                                          <p:spTgt spid="9"/>
+                                        </p:tgtEl>
+                                        <p:attrNameLst>
+                                          <p:attrName>style.visibility</p:attrName>
+                                        </p:attrNameLst>
+                                      </p:cBhvr>
+                                      <p:to>
+                                        <p:strVal val="visible"/>
+                                      </p:to>
+                                    </p:set>
+                                    <p:animEffect transition="in" filter="wipe(down)">
+                                      <p:cBhvr>
+                                        <p:cTn id="42" dur="500"/>
+                                        <p:tgtEl>
+                                          <p:spTgt spid="9"/>
+                                        </p:tgtEl>
+                                      </p:cBhvr>
+                                    </p:animEffect>
+                                  </p:childTnLst>
+                                </p:cTn>
+                              </p:par>
+                            </p:childTnLst>
+                          </p:cTn>
+                        </p:par>
+                      </p:childTnLst>
+                    </p:cTn>
+                  </p:par>
+                </p:childTnLst>
+              </p:cTn>
+              <p:prevCondLst>
+                <p:cond evt="onPrev" delay="0">
+                  <p:tgtEl>
+                    <p:sldTgt/>
+                  </p:tgtEl>
+                </p:cond>
+              </p:prevCondLst>
+              <p:nextCondLst>
+                <p:cond evt="onNext" delay="0">
+                  <p:tgtEl>
+                    <p:sldTgt/>
+                  </p:tgtEl>
+                </p:cond>
+              </p:nextCondLst>
+            </p:seq>
+          </p:childTnLst>
+        </p:cTn>
+      </p:par>
+    </p:tnLst>
+    <p:bldLst>
+      <p:bldP spid="57" grpId="0"/>
+      <p:bldP spid="59" grpId="0" build="p"/>
     </p:bldLst>
   </p:timing>
 </p:sld>
